--- a/组会3.3.pptx
+++ b/组会3.3.pptx
@@ -5,7 +5,7 @@
     <p:sldMasterId id="2147483648" r:id="rId1"/>
   </p:sldMasterIdLst>
   <p:notesMasterIdLst>
-    <p:notesMasterId r:id="rId19"/>
+    <p:notesMasterId r:id="rId20"/>
   </p:notesMasterIdLst>
   <p:sldIdLst>
     <p:sldId id="256" r:id="rId2"/>
@@ -15,16 +15,17 @@
     <p:sldId id="355" r:id="rId6"/>
     <p:sldId id="302" r:id="rId7"/>
     <p:sldId id="356" r:id="rId8"/>
-    <p:sldId id="362" r:id="rId9"/>
-    <p:sldId id="357" r:id="rId10"/>
-    <p:sldId id="358" r:id="rId11"/>
-    <p:sldId id="360" r:id="rId12"/>
-    <p:sldId id="363" r:id="rId13"/>
-    <p:sldId id="364" r:id="rId14"/>
-    <p:sldId id="359" r:id="rId15"/>
+    <p:sldId id="357" r:id="rId9"/>
+    <p:sldId id="358" r:id="rId10"/>
+    <p:sldId id="360" r:id="rId11"/>
+    <p:sldId id="363" r:id="rId12"/>
+    <p:sldId id="359" r:id="rId13"/>
+    <p:sldId id="366" r:id="rId14"/>
+    <p:sldId id="364" r:id="rId15"/>
     <p:sldId id="361" r:id="rId16"/>
-    <p:sldId id="354" r:id="rId17"/>
-    <p:sldId id="321" r:id="rId18"/>
+    <p:sldId id="365" r:id="rId17"/>
+    <p:sldId id="354" r:id="rId18"/>
+    <p:sldId id="321" r:id="rId19"/>
   </p:sldIdLst>
   <p:sldSz cx="12192000" cy="6858000"/>
   <p:notesSz cx="6858000" cy="9144000"/>
@@ -224,7 +225,7 @@
           <a:p>
             <a:fld id="{5F273A26-202E-431B-AD76-A5F023416F0D}" type="datetimeFigureOut">
               <a:rPr lang="zh-CN" altLang="en-US" smtClean="0"/>
-              <a:t>2022/3/4</a:t>
+              <a:t>2022/3/8</a:t>
             </a:fld>
             <a:endParaRPr lang="zh-CN" altLang="en-US"/>
           </a:p>
@@ -576,6 +577,72 @@
 </p:notes>
 </file>
 
+<file path=ppt/notesSlides/notesSlide10.xml><?xml version="1.0" encoding="utf-8"?>
+<p:notes xmlns:a="http://schemas.openxmlformats.org/drawingml/2006/main" xmlns:r="http://schemas.openxmlformats.org/officeDocument/2006/relationships" xmlns:p="http://schemas.openxmlformats.org/presentationml/2006/main">
+  <p:cSld>
+    <p:spTree>
+      <p:nvGrpSpPr>
+        <p:cNvPr id="1" name=""/>
+        <p:cNvGrpSpPr/>
+        <p:nvPr/>
+      </p:nvGrpSpPr>
+      <p:grpSpPr>
+        <a:xfrm>
+          <a:off x="0" y="0"/>
+          <a:ext cx="0" cy="0"/>
+          <a:chOff x="0" y="0"/>
+          <a:chExt cx="0" cy="0"/>
+        </a:xfrm>
+      </p:grpSpPr>
+      <p:sp>
+        <p:nvSpPr>
+          <p:cNvPr id="2" name="幻灯片图像占位符 1"/>
+          <p:cNvSpPr>
+            <a:spLocks noGrp="1" noRot="1" noChangeAspect="1"/>
+          </p:cNvSpPr>
+          <p:nvPr>
+            <p:ph type="sldImg" idx="2"/>
+          </p:nvPr>
+        </p:nvSpPr>
+        <p:spPr>
+          <a:xfrm>
+            <a:off x="685800" y="1143000"/>
+            <a:ext cx="5486400" cy="3086100"/>
+          </a:xfrm>
+        </p:spPr>
+      </p:sp>
+      <p:sp>
+        <p:nvSpPr>
+          <p:cNvPr id="3" name="文本占位符 2"/>
+          <p:cNvSpPr>
+            <a:spLocks noGrp="1"/>
+          </p:cNvSpPr>
+          <p:nvPr>
+            <p:ph type="body" idx="3"/>
+          </p:nvPr>
+        </p:nvSpPr>
+        <p:spPr/>
+        <p:txBody>
+          <a:bodyPr/>
+          <a:lstStyle/>
+          <a:p>
+            <a:endParaRPr lang="zh-CN" altLang="en-US" dirty="0"/>
+          </a:p>
+        </p:txBody>
+      </p:sp>
+    </p:spTree>
+    <p:extLst>
+      <p:ext uri="{BB962C8B-B14F-4D97-AF65-F5344CB8AC3E}">
+        <p14:creationId xmlns:p14="http://schemas.microsoft.com/office/powerpoint/2010/main" val="2363345799"/>
+      </p:ext>
+    </p:extLst>
+  </p:cSld>
+  <p:clrMapOvr>
+    <a:masterClrMapping/>
+  </p:clrMapOvr>
+</p:notes>
+</file>
+
 <file path=ppt/notesSlides/notesSlide2.xml><?xml version="1.0" encoding="utf-8"?>
 <p:notes xmlns:a="http://schemas.openxmlformats.org/drawingml/2006/main" xmlns:r="http://schemas.openxmlformats.org/officeDocument/2006/relationships" xmlns:p="http://schemas.openxmlformats.org/presentationml/2006/main">
   <p:cSld>
@@ -632,7 +699,7 @@
     </p:spTree>
     <p:extLst>
       <p:ext uri="{BB962C8B-B14F-4D97-AF65-F5344CB8AC3E}">
-        <p14:creationId xmlns:p14="http://schemas.microsoft.com/office/powerpoint/2010/main" val="4008788313"/>
+        <p14:creationId xmlns:p14="http://schemas.microsoft.com/office/powerpoint/2010/main" val="2917024942"/>
       </p:ext>
     </p:extLst>
   </p:cSld>
@@ -698,7 +765,7 @@
     </p:spTree>
     <p:extLst>
       <p:ext uri="{BB962C8B-B14F-4D97-AF65-F5344CB8AC3E}">
-        <p14:creationId xmlns:p14="http://schemas.microsoft.com/office/powerpoint/2010/main" val="2917024942"/>
+        <p14:creationId xmlns:p14="http://schemas.microsoft.com/office/powerpoint/2010/main" val="1204954550"/>
       </p:ext>
     </p:extLst>
   </p:cSld>
@@ -764,7 +831,7 @@
     </p:spTree>
     <p:extLst>
       <p:ext uri="{BB962C8B-B14F-4D97-AF65-F5344CB8AC3E}">
-        <p14:creationId xmlns:p14="http://schemas.microsoft.com/office/powerpoint/2010/main" val="1204954550"/>
+        <p14:creationId xmlns:p14="http://schemas.microsoft.com/office/powerpoint/2010/main" val="4122054569"/>
       </p:ext>
     </p:extLst>
   </p:cSld>
@@ -830,7 +897,7 @@
     </p:spTree>
     <p:extLst>
       <p:ext uri="{BB962C8B-B14F-4D97-AF65-F5344CB8AC3E}">
-        <p14:creationId xmlns:p14="http://schemas.microsoft.com/office/powerpoint/2010/main" val="4122054569"/>
+        <p14:creationId xmlns:p14="http://schemas.microsoft.com/office/powerpoint/2010/main" val="400686964"/>
       </p:ext>
     </p:extLst>
   </p:cSld>
@@ -896,7 +963,7 @@
     </p:spTree>
     <p:extLst>
       <p:ext uri="{BB962C8B-B14F-4D97-AF65-F5344CB8AC3E}">
-        <p14:creationId xmlns:p14="http://schemas.microsoft.com/office/powerpoint/2010/main" val="400686964"/>
+        <p14:creationId xmlns:p14="http://schemas.microsoft.com/office/powerpoint/2010/main" val="317977501"/>
       </p:ext>
     </p:extLst>
   </p:cSld>
@@ -962,7 +1029,7 @@
     </p:spTree>
     <p:extLst>
       <p:ext uri="{BB962C8B-B14F-4D97-AF65-F5344CB8AC3E}">
-        <p14:creationId xmlns:p14="http://schemas.microsoft.com/office/powerpoint/2010/main" val="3849159425"/>
+        <p14:creationId xmlns:p14="http://schemas.microsoft.com/office/powerpoint/2010/main" val="3922751519"/>
       </p:ext>
     </p:extLst>
   </p:cSld>
@@ -1028,7 +1095,7 @@
     </p:spTree>
     <p:extLst>
       <p:ext uri="{BB962C8B-B14F-4D97-AF65-F5344CB8AC3E}">
-        <p14:creationId xmlns:p14="http://schemas.microsoft.com/office/powerpoint/2010/main" val="317977501"/>
+        <p14:creationId xmlns:p14="http://schemas.microsoft.com/office/powerpoint/2010/main" val="3849159425"/>
       </p:ext>
     </p:extLst>
   </p:cSld>
@@ -1235,7 +1302,7 @@
           <a:p>
             <a:fld id="{D2DA14B7-EFA4-4552-9A35-108FC461037B}" type="datetime1">
               <a:rPr lang="zh-CN" altLang="en-US" smtClean="0"/>
-              <a:t>2022/3/4</a:t>
+              <a:t>2022/3/8</a:t>
             </a:fld>
             <a:endParaRPr lang="zh-CN" altLang="en-US"/>
           </a:p>
@@ -1407,7 +1474,7 @@
           <a:p>
             <a:fld id="{7B2AF473-7D85-46E5-818E-5B009CB9D0E2}" type="datetime1">
               <a:rPr lang="zh-CN" altLang="en-US" smtClean="0"/>
-              <a:t>2022/3/4</a:t>
+              <a:t>2022/3/8</a:t>
             </a:fld>
             <a:endParaRPr lang="zh-CN" altLang="en-US"/>
           </a:p>
@@ -1582,7 +1649,7 @@
           <a:p>
             <a:fld id="{3C4D3159-4E25-4F06-B17A-E551EA2A014F}" type="datetime1">
               <a:rPr lang="zh-CN" altLang="en-US" smtClean="0"/>
-              <a:t>2022/3/4</a:t>
+              <a:t>2022/3/8</a:t>
             </a:fld>
             <a:endParaRPr lang="zh-CN" altLang="en-US"/>
           </a:p>
@@ -1800,7 +1867,7 @@
           <a:p>
             <a:fld id="{25ED9F82-50BF-416A-84C5-BEBB50BB99AF}" type="datetime1">
               <a:rPr lang="zh-CN" altLang="en-US" smtClean="0"/>
-              <a:t>2022/3/4</a:t>
+              <a:t>2022/3/8</a:t>
             </a:fld>
             <a:endParaRPr lang="zh-CN" altLang="en-US"/>
           </a:p>
@@ -2183,7 +2250,7 @@
           <a:p>
             <a:fld id="{FE43C476-6102-4371-9CDB-C438C8C363FD}" type="datetime1">
               <a:rPr lang="zh-CN" altLang="en-US" smtClean="0"/>
-              <a:t>2022/3/4</a:t>
+              <a:t>2022/3/8</a:t>
             </a:fld>
             <a:endParaRPr lang="zh-CN" altLang="en-US"/>
           </a:p>
@@ -2417,7 +2484,7 @@
           <a:p>
             <a:fld id="{4F38462B-42B2-454F-A088-DB5E8117633F}" type="datetime1">
               <a:rPr lang="zh-CN" altLang="en-US" smtClean="0"/>
-              <a:t>2022/3/4</a:t>
+              <a:t>2022/3/8</a:t>
             </a:fld>
             <a:endParaRPr lang="zh-CN" altLang="en-US"/>
           </a:p>
@@ -2786,7 +2853,7 @@
           <a:p>
             <a:fld id="{189FC360-3D03-4AEF-8660-10EB205FCE15}" type="datetime1">
               <a:rPr lang="zh-CN" altLang="en-US" smtClean="0"/>
-              <a:t>2022/3/4</a:t>
+              <a:t>2022/3/8</a:t>
             </a:fld>
             <a:endParaRPr lang="zh-CN" altLang="en-US"/>
           </a:p>
@@ -2899,7 +2966,7 @@
           <a:p>
             <a:fld id="{858C2E6C-0097-4171-A137-E6260F915C38}" type="datetime1">
               <a:rPr lang="zh-CN" altLang="en-US" smtClean="0"/>
-              <a:t>2022/3/4</a:t>
+              <a:t>2022/3/8</a:t>
             </a:fld>
             <a:endParaRPr lang="zh-CN" altLang="en-US"/>
           </a:p>
@@ -2989,7 +3056,7 @@
           <a:p>
             <a:fld id="{7AFE4A2B-517A-41F3-86E1-CC0FE98B087F}" type="datetime1">
               <a:rPr lang="zh-CN" altLang="en-US" smtClean="0"/>
-              <a:t>2022/3/4</a:t>
+              <a:t>2022/3/8</a:t>
             </a:fld>
             <a:endParaRPr lang="zh-CN" altLang="en-US"/>
           </a:p>
@@ -3261,7 +3328,7 @@
           <a:p>
             <a:fld id="{6BC4A481-D110-4405-8D29-7F4C8B8C5605}" type="datetime1">
               <a:rPr lang="zh-CN" altLang="en-US" smtClean="0"/>
-              <a:t>2022/3/4</a:t>
+              <a:t>2022/3/8</a:t>
             </a:fld>
             <a:endParaRPr lang="zh-CN" altLang="en-US"/>
           </a:p>
@@ -3509,7 +3576,7 @@
           <a:p>
             <a:fld id="{DE264D7F-A3B6-4CE8-9A1A-A86D617CC5CF}" type="datetime1">
               <a:rPr lang="zh-CN" altLang="en-US" smtClean="0"/>
-              <a:t>2022/3/4</a:t>
+              <a:t>2022/3/8</a:t>
             </a:fld>
             <a:endParaRPr lang="zh-CN" altLang="en-US"/>
           </a:p>
@@ -3717,7 +3784,7 @@
           <a:p>
             <a:fld id="{C399469A-CC65-4820-8272-D84B923EF7A4}" type="datetime1">
               <a:rPr lang="zh-CN" altLang="en-US" smtClean="0"/>
-              <a:t>2022/3/4</a:t>
+              <a:t>2022/3/8</a:t>
             </a:fld>
             <a:endParaRPr lang="zh-CN" altLang="en-US"/>
           </a:p>
@@ -4938,1113 +5005,6 @@
             </p:spPr>
             <p:txBody>
               <a:bodyPr>
-                <a:normAutofit/>
-              </a:bodyPr>
-              <a:lstStyle/>
-              <a:p>
-                <a:pPr marL="0" indent="0">
-                  <a:buNone/>
-                </a:pPr>
-                <a:r>
-                  <a:rPr lang="en-US" altLang="zh-CN" dirty="0" smtClean="0">
-                    <a:latin typeface="微软雅黑" panose="020B0503020204020204" pitchFamily="34" charset="-122"/>
-                    <a:ea typeface="微软雅黑" panose="020B0503020204020204" pitchFamily="34" charset="-122"/>
-                  </a:rPr>
-                  <a:t>    Assumption: specialized device for GNN, use IMC</a:t>
-                </a:r>
-              </a:p>
-              <a:p>
-                <a:r>
-                  <a:rPr lang="en-US" altLang="zh-CN" dirty="0">
-                    <a:latin typeface="微软雅黑" panose="020B0503020204020204" pitchFamily="34" charset="-122"/>
-                    <a:ea typeface="微软雅黑" panose="020B0503020204020204" pitchFamily="34" charset="-122"/>
-                  </a:rPr>
-                  <a:t> </a:t>
-                </a:r>
-                <a:r>
-                  <a:rPr lang="en-US" altLang="zh-CN" dirty="0" smtClean="0">
-                    <a:latin typeface="微软雅黑" panose="020B0503020204020204" pitchFamily="34" charset="-122"/>
-                    <a:ea typeface="微软雅黑" panose="020B0503020204020204" pitchFamily="34" charset="-122"/>
-                  </a:rPr>
-                  <a:t> Hardware </a:t>
-                </a:r>
-                <a:r>
-                  <a:rPr lang="en-US" altLang="zh-CN" dirty="0">
-                    <a:latin typeface="微软雅黑" panose="020B0503020204020204" pitchFamily="34" charset="-122"/>
-                    <a:ea typeface="微软雅黑" panose="020B0503020204020204" pitchFamily="34" charset="-122"/>
-                  </a:rPr>
-                  <a:t>Design Space: </a:t>
-                </a:r>
-                <a14:m>
-                  <m:oMath xmlns:m="http://schemas.openxmlformats.org/officeDocument/2006/math">
-                    <m:r>
-                      <m:rPr>
-                        <m:sty m:val="p"/>
-                      </m:rPr>
-                      <a:rPr lang="en-US" altLang="zh-CN">
-                        <a:latin typeface="Cambria Math" panose="02040503050406030204" pitchFamily="18" charset="0"/>
-                      </a:rPr>
-                      <m:t>H</m:t>
-                    </m:r>
-                    <m:r>
-                      <a:rPr lang="en-US" altLang="zh-CN" i="1">
-                        <a:latin typeface="Cambria Math" panose="02040503050406030204" pitchFamily="18" charset="0"/>
-                      </a:rPr>
-                      <m:t>={</m:t>
-                    </m:r>
-                    <m:sSub>
-                      <m:sSubPr>
-                        <m:ctrlPr>
-                          <a:rPr lang="en-US" altLang="zh-CN" i="1">
-                            <a:latin typeface="Cambria Math" panose="02040503050406030204" pitchFamily="18" charset="0"/>
-                          </a:rPr>
-                        </m:ctrlPr>
-                      </m:sSubPr>
-                      <m:e>
-                        <m:r>
-                          <a:rPr lang="en-US" altLang="zh-CN" i="1">
-                            <a:latin typeface="Cambria Math" panose="02040503050406030204" pitchFamily="18" charset="0"/>
-                          </a:rPr>
-                          <m:t>𝑞</m:t>
-                        </m:r>
-                      </m:e>
-                      <m:sub>
-                        <m:r>
-                          <a:rPr lang="en-US" altLang="zh-CN" i="1">
-                            <a:latin typeface="Cambria Math" panose="02040503050406030204" pitchFamily="18" charset="0"/>
-                          </a:rPr>
-                          <m:t>𝑖</m:t>
-                        </m:r>
-                      </m:sub>
-                    </m:sSub>
-                    <m:r>
-                      <a:rPr lang="en-US" altLang="zh-CN" i="1">
-                        <a:latin typeface="Cambria Math" panose="02040503050406030204" pitchFamily="18" charset="0"/>
-                      </a:rPr>
-                      <m:t>, </m:t>
-                    </m:r>
-                    <m:sSub>
-                      <m:sSubPr>
-                        <m:ctrlPr>
-                          <a:rPr lang="en-US" altLang="zh-CN" i="1">
-                            <a:latin typeface="Cambria Math" panose="02040503050406030204" pitchFamily="18" charset="0"/>
-                          </a:rPr>
-                        </m:ctrlPr>
-                      </m:sSubPr>
-                      <m:e>
-                        <m:r>
-                          <a:rPr lang="en-US" altLang="zh-CN" i="1">
-                            <a:latin typeface="Cambria Math" panose="02040503050406030204" pitchFamily="18" charset="0"/>
-                          </a:rPr>
-                          <m:t>𝑛</m:t>
-                        </m:r>
-                      </m:e>
-                      <m:sub>
-                        <m:r>
-                          <a:rPr lang="en-US" altLang="zh-CN" i="1">
-                            <a:latin typeface="Cambria Math" panose="02040503050406030204" pitchFamily="18" charset="0"/>
-                          </a:rPr>
-                          <m:t>𝑐</m:t>
-                        </m:r>
-                      </m:sub>
-                    </m:sSub>
-                    <m:r>
-                      <a:rPr lang="en-US" altLang="zh-CN" i="1">
-                        <a:latin typeface="Cambria Math" panose="02040503050406030204" pitchFamily="18" charset="0"/>
-                      </a:rPr>
-                      <m:t>, </m:t>
-                    </m:r>
-                    <m:sSub>
-                      <m:sSubPr>
-                        <m:ctrlPr>
-                          <a:rPr lang="en-US" altLang="zh-CN" i="1">
-                            <a:latin typeface="Cambria Math" panose="02040503050406030204" pitchFamily="18" charset="0"/>
-                          </a:rPr>
-                        </m:ctrlPr>
-                      </m:sSubPr>
-                      <m:e>
-                        <m:r>
-                          <a:rPr lang="en-US" altLang="zh-CN" i="1">
-                            <a:latin typeface="Cambria Math" panose="02040503050406030204" pitchFamily="18" charset="0"/>
-                          </a:rPr>
-                          <m:t>𝑛</m:t>
-                        </m:r>
-                      </m:e>
-                      <m:sub>
-                        <m:r>
-                          <a:rPr lang="en-US" altLang="zh-CN" i="1">
-                            <a:latin typeface="Cambria Math" panose="02040503050406030204" pitchFamily="18" charset="0"/>
-                          </a:rPr>
-                          <m:t>𝑡</m:t>
-                        </m:r>
-                      </m:sub>
-                    </m:sSub>
-                    <m:r>
-                      <a:rPr lang="en-US" altLang="zh-CN" i="1">
-                        <a:latin typeface="Cambria Math" panose="02040503050406030204" pitchFamily="18" charset="0"/>
-                      </a:rPr>
-                      <m:t>, </m:t>
-                    </m:r>
-                    <m:r>
-                      <a:rPr lang="en-US" altLang="zh-CN" i="1">
-                        <a:latin typeface="Cambria Math" panose="02040503050406030204" pitchFamily="18" charset="0"/>
-                      </a:rPr>
-                      <m:t>𝑏</m:t>
-                    </m:r>
-                    <m:r>
-                      <a:rPr lang="en-US" altLang="zh-CN" i="1">
-                        <a:latin typeface="Cambria Math" panose="02040503050406030204" pitchFamily="18" charset="0"/>
-                      </a:rPr>
-                      <m:t>,</m:t>
-                    </m:r>
-                    <m:sSub>
-                      <m:sSubPr>
-                        <m:ctrlPr>
-                          <a:rPr lang="en-US" altLang="zh-CN" i="1">
-                            <a:latin typeface="Cambria Math" panose="02040503050406030204" pitchFamily="18" charset="0"/>
-                          </a:rPr>
-                        </m:ctrlPr>
-                      </m:sSubPr>
-                      <m:e>
-                        <m:r>
-                          <a:rPr lang="en-US" altLang="zh-CN" i="1">
-                            <a:latin typeface="Cambria Math" panose="02040503050406030204" pitchFamily="18" charset="0"/>
-                          </a:rPr>
-                          <m:t>𝐺</m:t>
-                        </m:r>
-                      </m:e>
-                      <m:sub>
-                        <m:r>
-                          <a:rPr lang="en-US" altLang="zh-CN" i="1">
-                            <a:latin typeface="Cambria Math" panose="02040503050406030204" pitchFamily="18" charset="0"/>
-                          </a:rPr>
-                          <m:t>𝐻</m:t>
-                        </m:r>
-                      </m:sub>
-                    </m:sSub>
-                    <m:r>
-                      <a:rPr lang="en-US" altLang="zh-CN" i="1">
-                        <a:latin typeface="Cambria Math" panose="02040503050406030204" pitchFamily="18" charset="0"/>
-                      </a:rPr>
-                      <m:t>}</m:t>
-                    </m:r>
-                  </m:oMath>
-                </a14:m>
-                <a:endParaRPr lang="en-US" altLang="zh-CN" dirty="0">
-                  <a:latin typeface="微软雅黑" panose="020B0503020204020204" pitchFamily="34" charset="-122"/>
-                  <a:ea typeface="微软雅黑" panose="020B0503020204020204" pitchFamily="34" charset="-122"/>
-                </a:endParaRPr>
-              </a:p>
-              <a:p>
-                <a:pPr lvl="1"/>
-                <a:r>
-                  <a:rPr lang="en-US" altLang="zh-CN" dirty="0" smtClean="0">
-                    <a:latin typeface="微软雅黑" panose="020B0503020204020204" pitchFamily="34" charset="-122"/>
-                    <a:ea typeface="微软雅黑" panose="020B0503020204020204" pitchFamily="34" charset="-122"/>
-                  </a:rPr>
-                  <a:t>Number </a:t>
-                </a:r>
-                <a:r>
-                  <a:rPr lang="en-US" altLang="zh-CN" dirty="0">
-                    <a:latin typeface="微软雅黑" panose="020B0503020204020204" pitchFamily="34" charset="-122"/>
-                    <a:ea typeface="微软雅黑" panose="020B0503020204020204" pitchFamily="34" charset="-122"/>
-                  </a:rPr>
-                  <a:t>of </a:t>
-                </a:r>
-                <a:r>
-                  <a:rPr lang="en-US" altLang="zh-CN" dirty="0" smtClean="0">
-                    <a:latin typeface="微软雅黑" panose="020B0503020204020204" pitchFamily="34" charset="-122"/>
-                    <a:ea typeface="微软雅黑" panose="020B0503020204020204" pitchFamily="34" charset="-122"/>
-                  </a:rPr>
-                  <a:t>PEs in PE array: </a:t>
-                </a:r>
-                <a14:m>
-                  <m:oMath xmlns:m="http://schemas.openxmlformats.org/officeDocument/2006/math">
-                    <m:sSub>
-                      <m:sSubPr>
-                        <m:ctrlPr>
-                          <a:rPr lang="en-US" altLang="zh-CN" i="1">
-                            <a:latin typeface="Cambria Math" panose="02040503050406030204" pitchFamily="18" charset="0"/>
-                          </a:rPr>
-                        </m:ctrlPr>
-                      </m:sSubPr>
-                      <m:e>
-                        <m:r>
-                          <a:rPr lang="en-US" altLang="zh-CN" i="1">
-                            <a:latin typeface="Cambria Math" panose="02040503050406030204" pitchFamily="18" charset="0"/>
-                          </a:rPr>
-                          <m:t>𝑛</m:t>
-                        </m:r>
-                      </m:e>
-                      <m:sub>
-                        <m:r>
-                          <a:rPr lang="en-US" altLang="zh-CN">
-                            <a:latin typeface="Cambria Math" panose="02040503050406030204" pitchFamily="18" charset="0"/>
-                          </a:rPr>
-                          <m:t>𝑐</m:t>
-                        </m:r>
-                      </m:sub>
-                    </m:sSub>
-                  </m:oMath>
-                </a14:m>
-                <a:r>
-                  <a:rPr lang="en-US" altLang="zh-CN" dirty="0" smtClean="0">
-                    <a:latin typeface="微软雅黑" panose="020B0503020204020204" pitchFamily="34" charset="-122"/>
-                    <a:ea typeface="微软雅黑" panose="020B0503020204020204" pitchFamily="34" charset="-122"/>
-                  </a:rPr>
-                  <a:t> = </a:t>
-                </a:r>
-                <a14:m>
-                  <m:oMath xmlns:m="http://schemas.openxmlformats.org/officeDocument/2006/math">
-                    <m:sSub>
-                      <m:sSubPr>
-                        <m:ctrlPr>
-                          <a:rPr lang="en-US" altLang="zh-CN" b="0" i="1" dirty="0" smtClean="0">
-                            <a:latin typeface="Cambria Math" panose="02040503050406030204" pitchFamily="18" charset="0"/>
-                          </a:rPr>
-                        </m:ctrlPr>
-                      </m:sSubPr>
-                      <m:e>
-                        <m:r>
-                          <m:rPr>
-                            <m:sty m:val="p"/>
-                          </m:rPr>
-                          <a:rPr lang="en-US" altLang="zh-CN" i="0" dirty="0">
-                            <a:latin typeface="Cambria Math" panose="02040503050406030204" pitchFamily="18" charset="0"/>
-                          </a:rPr>
-                          <m:t>PE</m:t>
-                        </m:r>
-                      </m:e>
-                      <m:sub>
-                        <m:r>
-                          <a:rPr lang="en-US" altLang="zh-CN" b="0" i="1" dirty="0" smtClean="0">
-                            <a:latin typeface="Cambria Math" panose="02040503050406030204" pitchFamily="18" charset="0"/>
-                          </a:rPr>
-                          <m:t>𝑥</m:t>
-                        </m:r>
-                      </m:sub>
-                    </m:sSub>
-                    <m:r>
-                      <a:rPr lang="en-US" altLang="zh-CN" b="0" i="1" dirty="0" smtClean="0">
-                        <a:latin typeface="Cambria Math" panose="02040503050406030204" pitchFamily="18" charset="0"/>
-                      </a:rPr>
-                      <m:t>∗</m:t>
-                    </m:r>
-                    <m:r>
-                      <a:rPr lang="en-US" altLang="zh-CN" b="0" i="1" dirty="0" smtClean="0">
-                        <a:latin typeface="Cambria Math" panose="02040503050406030204" pitchFamily="18" charset="0"/>
-                      </a:rPr>
-                      <m:t>𝑃</m:t>
-                    </m:r>
-                    <m:sSub>
-                      <m:sSubPr>
-                        <m:ctrlPr>
-                          <a:rPr lang="en-US" altLang="zh-CN" b="0" i="1" dirty="0" smtClean="0">
-                            <a:latin typeface="Cambria Math" panose="02040503050406030204" pitchFamily="18" charset="0"/>
-                          </a:rPr>
-                        </m:ctrlPr>
-                      </m:sSubPr>
-                      <m:e>
-                        <m:r>
-                          <a:rPr lang="en-US" altLang="zh-CN" b="0" i="1" dirty="0" smtClean="0">
-                            <a:latin typeface="Cambria Math" panose="02040503050406030204" pitchFamily="18" charset="0"/>
-                          </a:rPr>
-                          <m:t>𝐸</m:t>
-                        </m:r>
-                      </m:e>
-                      <m:sub>
-                        <m:r>
-                          <a:rPr lang="en-US" altLang="zh-CN" b="0" i="1" dirty="0" smtClean="0">
-                            <a:latin typeface="Cambria Math" panose="02040503050406030204" pitchFamily="18" charset="0"/>
-                          </a:rPr>
-                          <m:t>𝑦</m:t>
-                        </m:r>
-                      </m:sub>
-                    </m:sSub>
-                  </m:oMath>
-                </a14:m>
-                <a:endParaRPr lang="en-US" altLang="zh-CN" dirty="0" smtClean="0">
-                  <a:latin typeface="微软雅黑" panose="020B0503020204020204" pitchFamily="34" charset="-122"/>
-                  <a:ea typeface="微软雅黑" panose="020B0503020204020204" pitchFamily="34" charset="-122"/>
-                </a:endParaRPr>
-              </a:p>
-              <a:p>
-                <a:pPr lvl="1"/>
-                <a:r>
-                  <a:rPr lang="en-US" altLang="zh-CN" dirty="0" smtClean="0">
-                    <a:latin typeface="微软雅黑" panose="020B0503020204020204" pitchFamily="34" charset="-122"/>
-                    <a:ea typeface="微软雅黑" panose="020B0503020204020204" pitchFamily="34" charset="-122"/>
-                  </a:rPr>
-                  <a:t>Each PE has a Quantization rate q (related to computing time) </a:t>
-                </a:r>
-                <a:endParaRPr lang="en-US" altLang="zh-CN" dirty="0">
-                  <a:latin typeface="微软雅黑" panose="020B0503020204020204" pitchFamily="34" charset="-122"/>
-                  <a:ea typeface="微软雅黑" panose="020B0503020204020204" pitchFamily="34" charset="-122"/>
-                </a:endParaRPr>
-              </a:p>
-              <a:p>
-                <a:pPr lvl="2"/>
-                <a14:m>
-                  <m:oMath xmlns:m="http://schemas.openxmlformats.org/officeDocument/2006/math">
-                    <m:sSub>
-                      <m:sSubPr>
-                        <m:ctrlPr>
-                          <a:rPr lang="en-US" altLang="zh-CN" i="1">
-                            <a:latin typeface="Cambria Math" panose="02040503050406030204" pitchFamily="18" charset="0"/>
-                          </a:rPr>
-                        </m:ctrlPr>
-                      </m:sSubPr>
-                      <m:e>
-                        <m:r>
-                          <a:rPr lang="en-US" altLang="zh-CN">
-                            <a:latin typeface="Cambria Math" panose="02040503050406030204" pitchFamily="18" charset="0"/>
-                          </a:rPr>
-                          <m:t>𝑞</m:t>
-                        </m:r>
-                      </m:e>
-                      <m:sub>
-                        <m:r>
-                          <m:rPr>
-                            <m:sty m:val="p"/>
-                          </m:rPr>
-                          <a:rPr lang="en-US" altLang="zh-CN">
-                            <a:latin typeface="Cambria Math" panose="02040503050406030204" pitchFamily="18" charset="0"/>
-                          </a:rPr>
-                          <m:t>i</m:t>
-                        </m:r>
-                      </m:sub>
-                    </m:sSub>
-                    <m:r>
-                      <a:rPr lang="en-US" altLang="zh-CN">
-                        <a:latin typeface="Cambria Math" panose="02040503050406030204" pitchFamily="18" charset="0"/>
-                      </a:rPr>
-                      <m:t> </m:t>
-                    </m:r>
-                    <m:r>
-                      <a:rPr lang="en-US" altLang="zh-CN">
-                        <a:latin typeface="Cambria Math" panose="02040503050406030204" pitchFamily="18" charset="0"/>
-                      </a:rPr>
-                      <m:t>𝑏𝑖𝑡</m:t>
-                    </m:r>
-                    <m:r>
-                      <a:rPr lang="en-US" altLang="zh-CN">
-                        <a:latin typeface="Cambria Math" panose="02040503050406030204" pitchFamily="18" charset="0"/>
-                      </a:rPr>
-                      <m:t>, </m:t>
-                    </m:r>
-                    <m:sSub>
-                      <m:sSubPr>
-                        <m:ctrlPr>
-                          <a:rPr lang="en-US" altLang="zh-CN" i="1">
-                            <a:latin typeface="Cambria Math" panose="02040503050406030204" pitchFamily="18" charset="0"/>
-                          </a:rPr>
-                        </m:ctrlPr>
-                      </m:sSubPr>
-                      <m:e>
-                        <m:r>
-                          <m:rPr>
-                            <m:sty m:val="p"/>
-                          </m:rPr>
-                          <a:rPr lang="en-US" altLang="zh-CN">
-                            <a:latin typeface="Cambria Math" panose="02040503050406030204" pitchFamily="18" charset="0"/>
-                          </a:rPr>
-                          <m:t>i</m:t>
-                        </m:r>
-                        <m:r>
-                          <a:rPr lang="en-US" altLang="zh-CN" i="1">
-                            <a:latin typeface="Cambria Math" panose="02040503050406030204" pitchFamily="18" charset="0"/>
-                          </a:rPr>
-                          <m:t>∈</m:t>
-                        </m:r>
-                        <m:d>
-                          <m:dPr>
-                            <m:begChr m:val="["/>
-                            <m:endChr m:val="]"/>
-                            <m:ctrlPr>
-                              <a:rPr lang="en-US" altLang="zh-CN" i="1">
-                                <a:latin typeface="Cambria Math" panose="02040503050406030204" pitchFamily="18" charset="0"/>
-                              </a:rPr>
-                            </m:ctrlPr>
-                          </m:dPr>
-                          <m:e>
-                            <m:r>
-                              <a:rPr lang="en-US" altLang="zh-CN" i="1">
-                                <a:latin typeface="Cambria Math" panose="02040503050406030204" pitchFamily="18" charset="0"/>
-                              </a:rPr>
-                              <m:t>1,</m:t>
-                            </m:r>
-                            <m:sSub>
-                              <m:sSubPr>
-                                <m:ctrlPr>
-                                  <a:rPr lang="en-US" altLang="zh-CN" i="1">
-                                    <a:latin typeface="Cambria Math" panose="02040503050406030204" pitchFamily="18" charset="0"/>
-                                  </a:rPr>
-                                </m:ctrlPr>
-                              </m:sSubPr>
-                              <m:e>
-                                <m:r>
-                                  <a:rPr lang="en-US" altLang="zh-CN" i="1">
-                                    <a:latin typeface="Cambria Math" panose="02040503050406030204" pitchFamily="18" charset="0"/>
-                                  </a:rPr>
-                                  <m:t>𝑁</m:t>
-                                </m:r>
-                              </m:e>
-                              <m:sub>
-                                <m:r>
-                                  <a:rPr lang="en-US" altLang="zh-CN" i="1">
-                                    <a:latin typeface="Cambria Math" panose="02040503050406030204" pitchFamily="18" charset="0"/>
-                                  </a:rPr>
-                                  <m:t>𝐶</m:t>
-                                </m:r>
-                              </m:sub>
-                            </m:sSub>
-                          </m:e>
-                        </m:d>
-                        <m:r>
-                          <a:rPr lang="en-US" altLang="zh-CN" i="1">
-                            <a:latin typeface="Cambria Math" panose="02040503050406030204" pitchFamily="18" charset="0"/>
-                          </a:rPr>
-                          <m:t>,  </m:t>
-                        </m:r>
-                        <m:r>
-                          <m:rPr>
-                            <m:sty m:val="p"/>
-                          </m:rPr>
-                          <a:rPr lang="en-US" altLang="zh-CN">
-                            <a:latin typeface="Cambria Math" panose="02040503050406030204" pitchFamily="18" charset="0"/>
-                          </a:rPr>
-                          <m:t>q</m:t>
-                        </m:r>
-                      </m:e>
-                      <m:sub>
-                        <m:r>
-                          <m:rPr>
-                            <m:sty m:val="p"/>
-                          </m:rPr>
-                          <a:rPr lang="en-US" altLang="zh-CN">
-                            <a:latin typeface="Cambria Math" panose="02040503050406030204" pitchFamily="18" charset="0"/>
-                          </a:rPr>
-                          <m:t>i</m:t>
-                        </m:r>
-                      </m:sub>
-                    </m:sSub>
-                    <m:r>
-                      <a:rPr lang="en-US" altLang="zh-CN">
-                        <a:latin typeface="Cambria Math" panose="02040503050406030204" pitchFamily="18" charset="0"/>
-                      </a:rPr>
-                      <m:t>∈{8,16, 32}</m:t>
-                    </m:r>
-                    <m:r>
-                      <a:rPr lang="zh-CN" altLang="en-US" i="1">
-                        <a:latin typeface="Cambria Math" panose="02040503050406030204" pitchFamily="18" charset="0"/>
-                      </a:rPr>
-                      <m:t>，</m:t>
-                    </m:r>
-                  </m:oMath>
-                </a14:m>
-                <a:r>
-                  <a:rPr lang="en-US" altLang="zh-CN" dirty="0" smtClean="0">
-                    <a:latin typeface="微软雅黑" panose="020B0503020204020204" pitchFamily="34" charset="-122"/>
-                    <a:ea typeface="微软雅黑" panose="020B0503020204020204" pitchFamily="34" charset="-122"/>
-                  </a:rPr>
-                  <a:t>N is the number of PEs</a:t>
-                </a:r>
-                <a:endParaRPr lang="en-US" altLang="zh-CN" dirty="0">
-                  <a:latin typeface="微软雅黑" panose="020B0503020204020204" pitchFamily="34" charset="-122"/>
-                  <a:ea typeface="微软雅黑" panose="020B0503020204020204" pitchFamily="34" charset="-122"/>
-                </a:endParaRPr>
-              </a:p>
-              <a:p>
-                <a:pPr lvl="1"/>
-                <a:r>
-                  <a:rPr lang="en-US" altLang="zh-CN" dirty="0">
-                    <a:latin typeface="微软雅黑" panose="020B0503020204020204" pitchFamily="34" charset="-122"/>
-                    <a:ea typeface="微软雅黑" panose="020B0503020204020204" pitchFamily="34" charset="-122"/>
-                  </a:rPr>
-                  <a:t>Number of tile per </a:t>
-                </a:r>
-                <a:r>
-                  <a:rPr lang="en-US" altLang="zh-CN" dirty="0" err="1">
-                    <a:latin typeface="微软雅黑" panose="020B0503020204020204" pitchFamily="34" charset="-122"/>
-                    <a:ea typeface="微软雅黑" panose="020B0503020204020204" pitchFamily="34" charset="-122"/>
-                  </a:rPr>
-                  <a:t>chiplet</a:t>
-                </a:r>
-                <a:r>
-                  <a:rPr lang="en-US" altLang="zh-CN" dirty="0">
-                    <a:latin typeface="微软雅黑" panose="020B0503020204020204" pitchFamily="34" charset="-122"/>
-                    <a:ea typeface="微软雅黑" panose="020B0503020204020204" pitchFamily="34" charset="-122"/>
-                  </a:rPr>
-                  <a:t>: </a:t>
-                </a:r>
-                <a14:m>
-                  <m:oMath xmlns:m="http://schemas.openxmlformats.org/officeDocument/2006/math">
-                    <m:sSub>
-                      <m:sSubPr>
-                        <m:ctrlPr>
-                          <a:rPr lang="en-US" altLang="zh-CN" i="1">
-                            <a:latin typeface="Cambria Math" panose="02040503050406030204" pitchFamily="18" charset="0"/>
-                          </a:rPr>
-                        </m:ctrlPr>
-                      </m:sSubPr>
-                      <m:e>
-                        <m:r>
-                          <a:rPr lang="en-US" altLang="zh-CN" i="1">
-                            <a:latin typeface="Cambria Math" panose="02040503050406030204" pitchFamily="18" charset="0"/>
-                          </a:rPr>
-                          <m:t>𝑛</m:t>
-                        </m:r>
-                      </m:e>
-                      <m:sub>
-                        <m:r>
-                          <a:rPr lang="en-US" altLang="zh-CN" i="1">
-                            <a:latin typeface="Cambria Math" panose="02040503050406030204" pitchFamily="18" charset="0"/>
-                          </a:rPr>
-                          <m:t>𝑡</m:t>
-                        </m:r>
-                      </m:sub>
-                    </m:sSub>
-                  </m:oMath>
-                </a14:m>
-                <a:endParaRPr lang="en-US" altLang="zh-CN" dirty="0">
-                  <a:latin typeface="微软雅黑" panose="020B0503020204020204" pitchFamily="34" charset="-122"/>
-                  <a:ea typeface="微软雅黑" panose="020B0503020204020204" pitchFamily="34" charset="-122"/>
-                </a:endParaRPr>
-              </a:p>
-              <a:p>
-                <a:pPr lvl="1"/>
-                <a:r>
-                  <a:rPr lang="en-US" altLang="zh-CN" dirty="0" smtClean="0">
-                    <a:latin typeface="微软雅黑" panose="020B0503020204020204" pitchFamily="34" charset="-122"/>
-                    <a:ea typeface="微软雅黑" panose="020B0503020204020204" pitchFamily="34" charset="-122"/>
-                  </a:rPr>
-                  <a:t>CIM(Computing in Memory) type: </a:t>
-                </a:r>
-                <a14:m>
-                  <m:oMath xmlns:m="http://schemas.openxmlformats.org/officeDocument/2006/math">
-                    <m:sSub>
-                      <m:sSubPr>
-                        <m:ctrlPr>
-                          <a:rPr lang="en-US" altLang="zh-CN" b="0" i="1" smtClean="0">
-                            <a:latin typeface="Cambria Math" panose="02040503050406030204" pitchFamily="18" charset="0"/>
-                          </a:rPr>
-                        </m:ctrlPr>
-                      </m:sSubPr>
-                      <m:e>
-                        <m:r>
-                          <a:rPr lang="en-US" altLang="zh-CN" b="0" i="1" smtClean="0">
-                            <a:latin typeface="Cambria Math" panose="02040503050406030204" pitchFamily="18" charset="0"/>
-                          </a:rPr>
-                          <m:t>𝑡</m:t>
-                        </m:r>
-                      </m:e>
-                      <m:sub>
-                        <m:r>
-                          <a:rPr lang="en-US" altLang="zh-CN" b="0" i="1" smtClean="0">
-                            <a:latin typeface="Cambria Math" panose="02040503050406030204" pitchFamily="18" charset="0"/>
-                          </a:rPr>
-                          <m:t>𝑐</m:t>
-                        </m:r>
-                      </m:sub>
-                    </m:sSub>
-                    <m:r>
-                      <a:rPr lang="en-US" altLang="zh-CN" b="0" i="1" smtClean="0">
-                        <a:latin typeface="Cambria Math" panose="02040503050406030204" pitchFamily="18" charset="0"/>
-                      </a:rPr>
-                      <m:t>∈{</m:t>
-                    </m:r>
-                    <m:r>
-                      <a:rPr lang="en-US" altLang="zh-CN" b="0" i="1" smtClean="0">
-                        <a:latin typeface="Cambria Math" panose="02040503050406030204" pitchFamily="18" charset="0"/>
-                      </a:rPr>
-                      <m:t>𝑆𝑅𝐴𝑀</m:t>
-                    </m:r>
-                    <m:r>
-                      <a:rPr lang="en-US" altLang="zh-CN" b="0" i="1" smtClean="0">
-                        <a:latin typeface="Cambria Math" panose="02040503050406030204" pitchFamily="18" charset="0"/>
-                      </a:rPr>
-                      <m:t>, </m:t>
-                    </m:r>
-                    <m:r>
-                      <a:rPr lang="en-US" altLang="zh-CN" b="0" i="1" smtClean="0">
-                        <a:latin typeface="Cambria Math" panose="02040503050406030204" pitchFamily="18" charset="0"/>
-                      </a:rPr>
-                      <m:t>𝑅𝑒𝑅𝐴𝑀</m:t>
-                    </m:r>
-                    <m:r>
-                      <a:rPr lang="en-US" altLang="zh-CN" b="0" i="1" smtClean="0">
-                        <a:latin typeface="Cambria Math" panose="02040503050406030204" pitchFamily="18" charset="0"/>
-                      </a:rPr>
-                      <m:t>}</m:t>
-                    </m:r>
-                    <m:r>
-                      <a:rPr lang="en-US" altLang="zh-CN" b="0" i="0" smtClean="0">
-                        <a:latin typeface="Cambria Math" panose="02040503050406030204" pitchFamily="18" charset="0"/>
-                      </a:rPr>
-                      <m:t> </m:t>
-                    </m:r>
-                    <m:r>
-                      <m:rPr>
-                        <m:sty m:val="p"/>
-                      </m:rPr>
-                      <a:rPr lang="en-US" altLang="zh-CN" i="1">
-                        <a:latin typeface="Cambria Math" panose="02040503050406030204" pitchFamily="18" charset="0"/>
-                      </a:rPr>
-                      <m:t>is</m:t>
-                    </m:r>
-                  </m:oMath>
-                </a14:m>
-                <a:r>
-                  <a:rPr lang="en-US" altLang="zh-CN" dirty="0" smtClean="0">
-                    <a:latin typeface="微软雅黑" panose="020B0503020204020204" pitchFamily="34" charset="-122"/>
-                    <a:ea typeface="微软雅黑" panose="020B0503020204020204" pitchFamily="34" charset="-122"/>
-                  </a:rPr>
-                  <a:t> CIM type</a:t>
-                </a:r>
-              </a:p>
-              <a:p>
-                <a:pPr lvl="1"/>
-                <a:r>
-                  <a:rPr lang="en-US" altLang="zh-CN" dirty="0" smtClean="0">
-                    <a:latin typeface="微软雅黑" panose="020B0503020204020204" pitchFamily="34" charset="-122"/>
-                    <a:ea typeface="微软雅黑" panose="020B0503020204020204" pitchFamily="34" charset="-122"/>
-                  </a:rPr>
-                  <a:t>Buffer </a:t>
-                </a:r>
-                <a:r>
-                  <a:rPr lang="en-US" altLang="zh-CN" dirty="0">
-                    <a:latin typeface="微软雅黑" panose="020B0503020204020204" pitchFamily="34" charset="-122"/>
-                    <a:ea typeface="微软雅黑" panose="020B0503020204020204" pitchFamily="34" charset="-122"/>
-                  </a:rPr>
-                  <a:t>size of per </a:t>
-                </a:r>
-                <a:r>
-                  <a:rPr lang="en-US" altLang="zh-CN" dirty="0" err="1">
-                    <a:latin typeface="微软雅黑" panose="020B0503020204020204" pitchFamily="34" charset="-122"/>
-                    <a:ea typeface="微软雅黑" panose="020B0503020204020204" pitchFamily="34" charset="-122"/>
-                  </a:rPr>
-                  <a:t>chiplet</a:t>
-                </a:r>
-                <a:r>
-                  <a:rPr lang="en-US" altLang="zh-CN" dirty="0">
-                    <a:latin typeface="微软雅黑" panose="020B0503020204020204" pitchFamily="34" charset="-122"/>
-                    <a:ea typeface="微软雅黑" panose="020B0503020204020204" pitchFamily="34" charset="-122"/>
-                  </a:rPr>
-                  <a:t>: b</a:t>
-                </a:r>
-              </a:p>
-              <a:p>
-                <a:pPr lvl="1"/>
-                <a:r>
-                  <a:rPr lang="en-US" altLang="zh-CN" dirty="0">
-                    <a:latin typeface="微软雅黑" panose="020B0503020204020204" pitchFamily="34" charset="-122"/>
-                    <a:ea typeface="微软雅黑" panose="020B0503020204020204" pitchFamily="34" charset="-122"/>
-                  </a:rPr>
-                  <a:t>Hardware topology: </a:t>
-                </a:r>
-                <a14:m>
-                  <m:oMath xmlns:m="http://schemas.openxmlformats.org/officeDocument/2006/math">
-                    <m:sSub>
-                      <m:sSubPr>
-                        <m:ctrlPr>
-                          <a:rPr lang="en-US" altLang="zh-CN" i="1">
-                            <a:latin typeface="Cambria Math" panose="02040503050406030204" pitchFamily="18" charset="0"/>
-                          </a:rPr>
-                        </m:ctrlPr>
-                      </m:sSubPr>
-                      <m:e>
-                        <m:r>
-                          <a:rPr lang="en-US" altLang="zh-CN" i="1">
-                            <a:latin typeface="Cambria Math" panose="02040503050406030204" pitchFamily="18" charset="0"/>
-                          </a:rPr>
-                          <m:t>𝐺</m:t>
-                        </m:r>
-                      </m:e>
-                      <m:sub>
-                        <m:r>
-                          <a:rPr lang="en-US" altLang="zh-CN" i="1">
-                            <a:latin typeface="Cambria Math" panose="02040503050406030204" pitchFamily="18" charset="0"/>
-                          </a:rPr>
-                          <m:t>𝐻</m:t>
-                        </m:r>
-                      </m:sub>
-                    </m:sSub>
-                    <m:r>
-                      <a:rPr lang="en-US" altLang="zh-CN" i="1">
-                        <a:latin typeface="Cambria Math" panose="02040503050406030204" pitchFamily="18" charset="0"/>
-                      </a:rPr>
-                      <m:t>(</m:t>
-                    </m:r>
-                    <m:sSub>
-                      <m:sSubPr>
-                        <m:ctrlPr>
-                          <a:rPr lang="en-US" altLang="zh-CN" i="1">
-                            <a:latin typeface="Cambria Math" panose="02040503050406030204" pitchFamily="18" charset="0"/>
-                          </a:rPr>
-                        </m:ctrlPr>
-                      </m:sSubPr>
-                      <m:e>
-                        <m:r>
-                          <a:rPr lang="en-US" altLang="zh-CN" i="1">
-                            <a:latin typeface="Cambria Math" panose="02040503050406030204" pitchFamily="18" charset="0"/>
-                          </a:rPr>
-                          <m:t>𝑉</m:t>
-                        </m:r>
-                      </m:e>
-                      <m:sub>
-                        <m:r>
-                          <a:rPr lang="en-US" altLang="zh-CN" i="1">
-                            <a:latin typeface="Cambria Math" panose="02040503050406030204" pitchFamily="18" charset="0"/>
-                          </a:rPr>
-                          <m:t>𝐻</m:t>
-                        </m:r>
-                      </m:sub>
-                    </m:sSub>
-                    <m:r>
-                      <a:rPr lang="en-US" altLang="zh-CN" i="1">
-                        <a:latin typeface="Cambria Math" panose="02040503050406030204" pitchFamily="18" charset="0"/>
-                      </a:rPr>
-                      <m:t>,</m:t>
-                    </m:r>
-                    <m:sSub>
-                      <m:sSubPr>
-                        <m:ctrlPr>
-                          <a:rPr lang="en-US" altLang="zh-CN" i="1">
-                            <a:latin typeface="Cambria Math" panose="02040503050406030204" pitchFamily="18" charset="0"/>
-                          </a:rPr>
-                        </m:ctrlPr>
-                      </m:sSubPr>
-                      <m:e>
-                        <m:r>
-                          <a:rPr lang="en-US" altLang="zh-CN" i="1">
-                            <a:latin typeface="Cambria Math" panose="02040503050406030204" pitchFamily="18" charset="0"/>
-                          </a:rPr>
-                          <m:t>𝐸</m:t>
-                        </m:r>
-                      </m:e>
-                      <m:sub>
-                        <m:r>
-                          <a:rPr lang="en-US" altLang="zh-CN" i="1">
-                            <a:latin typeface="Cambria Math" panose="02040503050406030204" pitchFamily="18" charset="0"/>
-                          </a:rPr>
-                          <m:t>𝐻</m:t>
-                        </m:r>
-                      </m:sub>
-                    </m:sSub>
-                    <m:r>
-                      <a:rPr lang="en-US" altLang="zh-CN" i="1">
-                        <a:latin typeface="Cambria Math" panose="02040503050406030204" pitchFamily="18" charset="0"/>
-                      </a:rPr>
-                      <m:t>)</m:t>
-                    </m:r>
-                  </m:oMath>
-                </a14:m>
-                <a:r>
-                  <a:rPr lang="en-US" altLang="zh-CN" dirty="0">
-                    <a:latin typeface="微软雅黑" panose="020B0503020204020204" pitchFamily="34" charset="-122"/>
-                    <a:ea typeface="微软雅黑" panose="020B0503020204020204" pitchFamily="34" charset="-122"/>
-                  </a:rPr>
-                  <a:t>, </a:t>
-                </a:r>
-                <a14:m>
-                  <m:oMath xmlns:m="http://schemas.openxmlformats.org/officeDocument/2006/math">
-                    <m:sSub>
-                      <m:sSubPr>
-                        <m:ctrlPr>
-                          <a:rPr lang="en-US" altLang="zh-CN" i="1">
-                            <a:latin typeface="Cambria Math" panose="02040503050406030204" pitchFamily="18" charset="0"/>
-                          </a:rPr>
-                        </m:ctrlPr>
-                      </m:sSubPr>
-                      <m:e>
-                        <m:r>
-                          <a:rPr lang="en-US" altLang="zh-CN" i="1">
-                            <a:latin typeface="Cambria Math" panose="02040503050406030204" pitchFamily="18" charset="0"/>
-                          </a:rPr>
-                          <m:t>𝑉</m:t>
-                        </m:r>
-                      </m:e>
-                      <m:sub>
-                        <m:r>
-                          <a:rPr lang="en-US" altLang="zh-CN" i="1">
-                            <a:latin typeface="Cambria Math" panose="02040503050406030204" pitchFamily="18" charset="0"/>
-                          </a:rPr>
-                          <m:t>𝐻</m:t>
-                        </m:r>
-                      </m:sub>
-                    </m:sSub>
-                  </m:oMath>
-                </a14:m>
-                <a:r>
-                  <a:rPr lang="en-US" altLang="zh-CN" dirty="0" smtClean="0">
-                    <a:latin typeface="微软雅黑" panose="020B0503020204020204" pitchFamily="34" charset="-122"/>
-                    <a:ea typeface="微软雅黑" panose="020B0503020204020204" pitchFamily="34" charset="-122"/>
-                  </a:rPr>
-                  <a:t> is vertex set, </a:t>
-                </a:r>
-                <a14:m>
-                  <m:oMath xmlns:m="http://schemas.openxmlformats.org/officeDocument/2006/math">
-                    <m:sSub>
-                      <m:sSubPr>
-                        <m:ctrlPr>
-                          <a:rPr lang="en-US" altLang="zh-CN" i="1">
-                            <a:latin typeface="Cambria Math" panose="02040503050406030204" pitchFamily="18" charset="0"/>
-                          </a:rPr>
-                        </m:ctrlPr>
-                      </m:sSubPr>
-                      <m:e>
-                        <m:r>
-                          <m:rPr>
-                            <m:sty m:val="p"/>
-                          </m:rPr>
-                          <a:rPr lang="en-US" altLang="zh-CN" i="1">
-                            <a:latin typeface="Cambria Math" panose="02040503050406030204" pitchFamily="18" charset="0"/>
-                          </a:rPr>
-                          <m:t>E</m:t>
-                        </m:r>
-                      </m:e>
-                      <m:sub>
-                        <m:r>
-                          <a:rPr lang="en-US" altLang="zh-CN" i="1">
-                            <a:latin typeface="Cambria Math" panose="02040503050406030204" pitchFamily="18" charset="0"/>
-                          </a:rPr>
-                          <m:t>𝐻</m:t>
-                        </m:r>
-                      </m:sub>
-                    </m:sSub>
-                  </m:oMath>
-                </a14:m>
-                <a:r>
-                  <a:rPr lang="en-US" altLang="zh-CN" dirty="0" smtClean="0">
-                    <a:latin typeface="微软雅黑" panose="020B0503020204020204" pitchFamily="34" charset="-122"/>
-                    <a:ea typeface="微软雅黑" panose="020B0503020204020204" pitchFamily="34" charset="-122"/>
-                  </a:rPr>
-                  <a:t> is edge set (physical link)</a:t>
-                </a:r>
-                <a:endParaRPr lang="en-US" altLang="zh-CN" dirty="0">
-                  <a:latin typeface="微软雅黑" panose="020B0503020204020204" pitchFamily="34" charset="-122"/>
-                  <a:ea typeface="微软雅黑" panose="020B0503020204020204" pitchFamily="34" charset="-122"/>
-                </a:endParaRPr>
-              </a:p>
-              <a:p>
-                <a:pPr lvl="1"/>
-                <a:endParaRPr lang="en-US" altLang="zh-CN" dirty="0" smtClean="0">
-                  <a:latin typeface="微软雅黑" panose="020B0503020204020204" pitchFamily="34" charset="-122"/>
-                  <a:ea typeface="微软雅黑" panose="020B0503020204020204" pitchFamily="34" charset="-122"/>
-                </a:endParaRPr>
-              </a:p>
-            </p:txBody>
-          </p:sp>
-        </mc:Choice>
-        <mc:Fallback xmlns="">
-          <p:sp>
-            <p:nvSpPr>
-              <p:cNvPr id="7" name="内容占位符 2"/>
-              <p:cNvSpPr>
-                <a:spLocks noGrp="1" noRot="1" noChangeAspect="1" noMove="1" noResize="1" noEditPoints="1" noAdjustHandles="1" noChangeArrowheads="1" noChangeShapeType="1" noTextEdit="1"/>
-              </p:cNvSpPr>
-              <p:nvPr>
-                <p:ph idx="1"/>
-              </p:nvPr>
-            </p:nvSpPr>
-            <p:spPr>
-              <a:xfrm>
-                <a:off x="577850" y="1260974"/>
-                <a:ext cx="10515600" cy="4698005"/>
-              </a:xfrm>
-              <a:blipFill rotWithShape="0">
-                <a:blip r:embed="rId3"/>
-                <a:stretch>
-                  <a:fillRect l="-1043" t="-2335"/>
-                </a:stretch>
-              </a:blipFill>
-            </p:spPr>
-            <p:txBody>
-              <a:bodyPr/>
-              <a:lstStyle/>
-              <a:p>
-                <a:r>
-                  <a:rPr lang="zh-CN" altLang="en-US">
-                    <a:noFill/>
-                  </a:rPr>
-                  <a:t> </a:t>
-                </a:r>
-              </a:p>
-            </p:txBody>
-          </p:sp>
-        </mc:Fallback>
-      </mc:AlternateContent>
-      <p:sp>
-        <p:nvSpPr>
-          <p:cNvPr id="2" name="标题 1"/>
-          <p:cNvSpPr>
-            <a:spLocks noGrp="1"/>
-          </p:cNvSpPr>
-          <p:nvPr>
-            <p:ph type="title"/>
-          </p:nvPr>
-        </p:nvSpPr>
-        <p:spPr/>
-        <p:txBody>
-          <a:bodyPr/>
-          <a:lstStyle/>
-          <a:p>
-            <a:r>
-              <a:rPr lang="en-US" altLang="zh-CN" b="1" dirty="0" smtClean="0"/>
-              <a:t>Hardware Design Space</a:t>
-            </a:r>
-            <a:endParaRPr lang="zh-CN" altLang="en-US" b="1" dirty="0"/>
-          </a:p>
-        </p:txBody>
-      </p:sp>
-      <p:sp>
-        <p:nvSpPr>
-          <p:cNvPr id="11" name="灯片编号占位符 10"/>
-          <p:cNvSpPr>
-            <a:spLocks noGrp="1"/>
-          </p:cNvSpPr>
-          <p:nvPr>
-            <p:ph type="sldNum" sz="quarter" idx="12"/>
-          </p:nvPr>
-        </p:nvSpPr>
-        <p:spPr/>
-        <p:txBody>
-          <a:bodyPr/>
-          <a:lstStyle/>
-          <a:p>
-            <a:fld id="{C102C7BA-A18E-41F7-855F-B9281AA705A6}" type="slidenum">
-              <a:rPr lang="zh-CN" altLang="en-US" smtClean="0"/>
-              <a:t>10</a:t>
-            </a:fld>
-            <a:endParaRPr lang="zh-CN" altLang="en-US" dirty="0"/>
-          </a:p>
-        </p:txBody>
-      </p:sp>
-      <p:pic>
-        <p:nvPicPr>
-          <p:cNvPr id="12" name="图片 11" descr="31393938393834313b31393939353234333bcbaed6e9d0ce"/>
-          <p:cNvPicPr>
-            <a:picLocks noChangeAspect="1"/>
-          </p:cNvPicPr>
-          <p:nvPr/>
-        </p:nvPicPr>
-        <p:blipFill>
-          <a:blip r:embed="rId4">
-            <a:extLst>
-              <a:ext uri="{96DAC541-7B7A-43D3-8B79-37D633B846F1}">
-                <asvg:svgBlip xmlns:asvg="http://schemas.microsoft.com/office/drawing/2016/SVG/main" xmlns="" r:embed="rId5"/>
-              </a:ext>
-            </a:extLst>
-          </a:blip>
-          <a:stretch>
-            <a:fillRect/>
-          </a:stretch>
-        </p:blipFill>
-        <p:spPr>
-          <a:xfrm flipH="1">
-            <a:off x="676275" y="1279830"/>
-            <a:ext cx="243205" cy="243205"/>
-          </a:xfrm>
-          <a:prstGeom prst="rect">
-            <a:avLst/>
-          </a:prstGeom>
-        </p:spPr>
-      </p:pic>
-      <p:pic>
-        <p:nvPicPr>
-          <p:cNvPr id="9" name="图片 8" descr="31393938393834313b31393939353234333bcbaed6e9d0ce"/>
-          <p:cNvPicPr>
-            <a:picLocks noChangeAspect="1"/>
-          </p:cNvPicPr>
-          <p:nvPr/>
-        </p:nvPicPr>
-        <p:blipFill>
-          <a:blip r:embed="rId4">
-            <a:extLst>
-              <a:ext uri="{96DAC541-7B7A-43D3-8B79-37D633B846F1}">
-                <asvg:svgBlip xmlns:asvg="http://schemas.microsoft.com/office/drawing/2016/SVG/main" xmlns="" r:embed="rId5"/>
-              </a:ext>
-            </a:extLst>
-          </a:blip>
-          <a:stretch>
-            <a:fillRect/>
-          </a:stretch>
-        </p:blipFill>
-        <p:spPr>
-          <a:xfrm flipH="1">
-            <a:off x="633229" y="1855276"/>
-            <a:ext cx="243205" cy="243205"/>
-          </a:xfrm>
-          <a:prstGeom prst="rect">
-            <a:avLst/>
-          </a:prstGeom>
-        </p:spPr>
-      </p:pic>
-    </p:spTree>
-    <p:extLst>
-      <p:ext uri="{BB962C8B-B14F-4D97-AF65-F5344CB8AC3E}">
-        <p14:creationId xmlns:p14="http://schemas.microsoft.com/office/powerpoint/2010/main" val="926928832"/>
-      </p:ext>
-    </p:extLst>
-  </p:cSld>
-  <p:clrMapOvr>
-    <a:masterClrMapping/>
-  </p:clrMapOvr>
-  <mc:AlternateContent xmlns:mc="http://schemas.openxmlformats.org/markup-compatibility/2006" xmlns:p14="http://schemas.microsoft.com/office/powerpoint/2010/main">
-    <mc:Choice Requires="p14">
-      <p:transition spd="slow" p14:dur="2000" advTm="3640"/>
-    </mc:Choice>
-    <mc:Fallback xmlns="">
-      <p:transition spd="slow" advTm="3640"/>
-    </mc:Fallback>
-  </mc:AlternateContent>
-  <p:timing>
-    <p:tnLst>
-      <p:par>
-        <p:cTn id="1" dur="indefinite" restart="never" nodeType="tmRoot"/>
-      </p:par>
-    </p:tnLst>
-  </p:timing>
-</p:sld>
-</file>
-
-<file path=ppt/slides/slide11.xml><?xml version="1.0" encoding="utf-8"?>
-<p:sld xmlns:a="http://schemas.openxmlformats.org/drawingml/2006/main" xmlns:r="http://schemas.openxmlformats.org/officeDocument/2006/relationships" xmlns:p="http://schemas.openxmlformats.org/presentationml/2006/main">
-  <p:cSld>
-    <p:spTree>
-      <p:nvGrpSpPr>
-        <p:cNvPr id="1" name=""/>
-        <p:cNvGrpSpPr/>
-        <p:nvPr/>
-      </p:nvGrpSpPr>
-      <p:grpSpPr>
-        <a:xfrm>
-          <a:off x="0" y="0"/>
-          <a:ext cx="0" cy="0"/>
-          <a:chOff x="0" y="0"/>
-          <a:chExt cx="0" cy="0"/>
-        </a:xfrm>
-      </p:grpSpPr>
-      <mc:AlternateContent xmlns:mc="http://schemas.openxmlformats.org/markup-compatibility/2006" xmlns:a14="http://schemas.microsoft.com/office/drawing/2010/main">
-        <mc:Choice Requires="a14">
-          <p:sp>
-            <p:nvSpPr>
-              <p:cNvPr id="7" name="内容占位符 2"/>
-              <p:cNvSpPr>
-                <a:spLocks noGrp="1"/>
-              </p:cNvSpPr>
-              <p:nvPr>
-                <p:ph idx="1"/>
-              </p:nvPr>
-            </p:nvSpPr>
-            <p:spPr>
-              <a:xfrm>
-                <a:off x="577850" y="1260974"/>
-                <a:ext cx="10515600" cy="4698005"/>
-              </a:xfrm>
-            </p:spPr>
-            <p:txBody>
-              <a:bodyPr>
                 <a:normAutofit fontScale="62500" lnSpcReduction="20000"/>
               </a:bodyPr>
               <a:lstStyle/>
@@ -7264,7 +6224,7 @@
           <a:p>
             <a:fld id="{C102C7BA-A18E-41F7-855F-B9281AA705A6}" type="slidenum">
               <a:rPr lang="zh-CN" altLang="en-US" smtClean="0"/>
-              <a:t>11</a:t>
+              <a:t>10</a:t>
             </a:fld>
             <a:endParaRPr lang="zh-CN" altLang="en-US" dirty="0"/>
           </a:p>
@@ -9052,7 +8012,7 @@
 </p:sld>
 </file>
 
-<file path=ppt/slides/slide12.xml><?xml version="1.0" encoding="utf-8"?>
+<file path=ppt/slides/slide11.xml><?xml version="1.0" encoding="utf-8"?>
 <p:sld xmlns:a="http://schemas.openxmlformats.org/drawingml/2006/main" xmlns:r="http://schemas.openxmlformats.org/officeDocument/2006/relationships" xmlns:p="http://schemas.openxmlformats.org/presentationml/2006/main">
   <p:cSld>
     <p:spTree>
@@ -10044,12 +9004,31 @@
                       </a:rPr>
                       <m:t>×</m:t>
                     </m:r>
-                    <m:r>
-                      <a:rPr lang="en-US" altLang="zh-CN" sz="2200" i="1">
-                        <a:latin typeface="Cambria Math" panose="02040503050406030204" pitchFamily="18" charset="0"/>
-                      </a:rPr>
-                      <m:t>𝑁𝑡</m:t>
-                    </m:r>
+                    <m:sSub>
+                      <m:sSubPr>
+                        <m:ctrlPr>
+                          <a:rPr lang="en-US" altLang="zh-CN" sz="2200" b="0" i="1" smtClean="0">
+                            <a:latin typeface="Cambria Math" panose="02040503050406030204" pitchFamily="18" charset="0"/>
+                          </a:rPr>
+                        </m:ctrlPr>
+                      </m:sSubPr>
+                      <m:e>
+                        <m:r>
+                          <a:rPr lang="en-US" altLang="zh-CN" sz="2200" i="1">
+                            <a:latin typeface="Cambria Math" panose="02040503050406030204" pitchFamily="18" charset="0"/>
+                          </a:rPr>
+                          <m:t>𝑁</m:t>
+                        </m:r>
+                      </m:e>
+                      <m:sub>
+                        <m:r>
+                          <a:rPr lang="en-US" altLang="zh-CN" sz="2200" b="0" i="1" smtClean="0">
+                            <a:latin typeface="Cambria Math" panose="02040503050406030204" pitchFamily="18" charset="0"/>
+                          </a:rPr>
+                          <m:t>𝑡</m:t>
+                        </m:r>
+                      </m:sub>
+                    </m:sSub>
                     <m:r>
                       <a:rPr lang="en-US" altLang="zh-CN" sz="2200" i="1">
                         <a:latin typeface="Cambria Math" panose="02040503050406030204" pitchFamily="18" charset="0"/>
@@ -10128,24 +9107,62 @@
                       </a:rPr>
                       <m:t>×</m:t>
                     </m:r>
-                    <m:r>
-                      <a:rPr lang="en-US" altLang="zh-CN" sz="2200" i="1">
-                        <a:latin typeface="Cambria Math" panose="02040503050406030204" pitchFamily="18" charset="0"/>
-                      </a:rPr>
-                      <m:t>𝑁𝑡</m:t>
-                    </m:r>
+                    <m:sSub>
+                      <m:sSubPr>
+                        <m:ctrlPr>
+                          <a:rPr lang="en-US" altLang="zh-CN" sz="2200" b="0" i="1" smtClean="0">
+                            <a:latin typeface="Cambria Math" panose="02040503050406030204" pitchFamily="18" charset="0"/>
+                          </a:rPr>
+                        </m:ctrlPr>
+                      </m:sSubPr>
+                      <m:e>
+                        <m:r>
+                          <a:rPr lang="en-US" altLang="zh-CN" sz="2200" i="1">
+                            <a:latin typeface="Cambria Math" panose="02040503050406030204" pitchFamily="18" charset="0"/>
+                          </a:rPr>
+                          <m:t>𝑁</m:t>
+                        </m:r>
+                      </m:e>
+                      <m:sub>
+                        <m:r>
+                          <a:rPr lang="en-US" altLang="zh-CN" sz="2200" b="0" i="1" smtClean="0">
+                            <a:latin typeface="Cambria Math" panose="02040503050406030204" pitchFamily="18" charset="0"/>
+                          </a:rPr>
+                          <m:t>𝑐</m:t>
+                        </m:r>
+                      </m:sub>
+                    </m:sSub>
                     <m:r>
                       <a:rPr lang="en-US" altLang="zh-CN" sz="2200" i="1">
                         <a:latin typeface="Cambria Math" panose="02040503050406030204" pitchFamily="18" charset="0"/>
                       </a:rPr>
                       <m:t> ×</m:t>
                     </m:r>
-                    <m:r>
-                      <a:rPr lang="en-US" altLang="zh-CN" sz="2200" i="1">
-                        <a:latin typeface="Cambria Math" panose="02040503050406030204" pitchFamily="18" charset="0"/>
-                      </a:rPr>
-                      <m:t>𝑃𝑟𝑜𝑢𝑡𝑒𝑟</m:t>
-                    </m:r>
+                    <m:sSub>
+                      <m:sSubPr>
+                        <m:ctrlPr>
+                          <a:rPr lang="en-US" altLang="zh-CN" sz="2200" b="0" i="1" smtClean="0">
+                            <a:latin typeface="Cambria Math" panose="02040503050406030204" pitchFamily="18" charset="0"/>
+                          </a:rPr>
+                        </m:ctrlPr>
+                      </m:sSubPr>
+                      <m:e>
+                        <m:r>
+                          <a:rPr lang="en-US" altLang="zh-CN" sz="2200" i="1">
+                            <a:latin typeface="Cambria Math" panose="02040503050406030204" pitchFamily="18" charset="0"/>
+                          </a:rPr>
+                          <m:t>𝑃</m:t>
+                        </m:r>
+                      </m:e>
+                      <m:sub>
+                        <m:r>
+                          <a:rPr lang="en-US" altLang="zh-CN" sz="2200" b="0" i="1" smtClean="0">
+                            <a:latin typeface="Cambria Math" panose="02040503050406030204" pitchFamily="18" charset="0"/>
+                          </a:rPr>
+                          <m:t>𝑟𝑜𝑢𝑡𝑒𝑟</m:t>
+                        </m:r>
+                      </m:sub>
+                    </m:sSub>
                   </m:oMath>
                 </a14:m>
                 <a:r>
@@ -10274,7 +9291,7 @@
           <a:p>
             <a:fld id="{C102C7BA-A18E-41F7-855F-B9281AA705A6}" type="slidenum">
               <a:rPr lang="zh-CN" altLang="en-US" smtClean="0"/>
-              <a:t>12</a:t>
+              <a:t>11</a:t>
             </a:fld>
             <a:endParaRPr lang="zh-CN" altLang="en-US" dirty="0"/>
           </a:p>
@@ -10398,7 +9415,2329 @@
 </p:sld>
 </file>
 
+<file path=ppt/slides/slide12.xml><?xml version="1.0" encoding="utf-8"?>
+<p:sld xmlns:a="http://schemas.openxmlformats.org/drawingml/2006/main" xmlns:r="http://schemas.openxmlformats.org/officeDocument/2006/relationships" xmlns:p="http://schemas.openxmlformats.org/presentationml/2006/main">
+  <p:cSld>
+    <p:spTree>
+      <p:nvGrpSpPr>
+        <p:cNvPr id="1" name=""/>
+        <p:cNvGrpSpPr/>
+        <p:nvPr/>
+      </p:nvGrpSpPr>
+      <p:grpSpPr>
+        <a:xfrm>
+          <a:off x="0" y="0"/>
+          <a:ext cx="0" cy="0"/>
+          <a:chOff x="0" y="0"/>
+          <a:chExt cx="0" cy="0"/>
+        </a:xfrm>
+      </p:grpSpPr>
+      <mc:AlternateContent xmlns:mc="http://schemas.openxmlformats.org/markup-compatibility/2006" xmlns:a14="http://schemas.microsoft.com/office/drawing/2010/main">
+        <mc:Choice Requires="a14">
+          <p:sp>
+            <p:nvSpPr>
+              <p:cNvPr id="7" name="内容占位符 2"/>
+              <p:cNvSpPr>
+                <a:spLocks noGrp="1"/>
+              </p:cNvSpPr>
+              <p:nvPr>
+                <p:ph idx="1"/>
+              </p:nvPr>
+            </p:nvSpPr>
+            <p:spPr>
+              <a:xfrm>
+                <a:off x="577850" y="1260974"/>
+                <a:ext cx="10515600" cy="4698005"/>
+              </a:xfrm>
+            </p:spPr>
+            <p:txBody>
+              <a:bodyPr>
+                <a:normAutofit/>
+              </a:bodyPr>
+              <a:lstStyle/>
+              <a:p>
+                <a:pPr marL="0" indent="0">
+                  <a:buNone/>
+                </a:pPr>
+                <a:r>
+                  <a:rPr lang="en-US" altLang="zh-CN" dirty="0" smtClean="0">
+                    <a:latin typeface="微软雅黑" panose="020B0503020204020204" pitchFamily="34" charset="-122"/>
+                    <a:ea typeface="微软雅黑" panose="020B0503020204020204" pitchFamily="34" charset="-122"/>
+                  </a:rPr>
+                  <a:t>    Area</a:t>
+                </a:r>
+                <a:r>
+                  <a:rPr lang="en-US" altLang="zh-CN" sz="2200" dirty="0" smtClean="0">
+                    <a:latin typeface="微软雅黑" panose="020B0503020204020204" pitchFamily="34" charset="-122"/>
+                    <a:ea typeface="微软雅黑" panose="020B0503020204020204" pitchFamily="34" charset="-122"/>
+                  </a:rPr>
+                  <a:t> </a:t>
+                </a:r>
+              </a:p>
+              <a:p>
+                <a:pPr lvl="1"/>
+                <a14:m>
+                  <m:oMath xmlns:m="http://schemas.openxmlformats.org/officeDocument/2006/math">
+                    <m:sSubSup>
+                      <m:sSubSupPr>
+                        <m:ctrlPr>
+                          <a:rPr lang="en-US" altLang="zh-CN" sz="2200" i="1">
+                            <a:latin typeface="Cambria Math" panose="02040503050406030204" pitchFamily="18" charset="0"/>
+                          </a:rPr>
+                        </m:ctrlPr>
+                      </m:sSubSupPr>
+                      <m:e>
+                        <m:r>
+                          <a:rPr lang="en-US" altLang="zh-CN" sz="2200" i="1">
+                            <a:latin typeface="Cambria Math" panose="02040503050406030204" pitchFamily="18" charset="0"/>
+                          </a:rPr>
+                          <m:t>𝐴</m:t>
+                        </m:r>
+                      </m:e>
+                      <m:sub>
+                        <m:r>
+                          <a:rPr lang="en-US" altLang="zh-CN" sz="2200" i="1">
+                            <a:latin typeface="Cambria Math" panose="02040503050406030204" pitchFamily="18" charset="0"/>
+                          </a:rPr>
+                          <m:t>𝑡𝑖𝑙𝑒</m:t>
+                        </m:r>
+                      </m:sub>
+                      <m:sup>
+                        <m:r>
+                          <a:rPr lang="en-US" altLang="zh-CN" sz="2200" b="0" i="1" smtClean="0">
+                            <a:latin typeface="Cambria Math" panose="02040503050406030204" pitchFamily="18" charset="0"/>
+                          </a:rPr>
+                          <m:t>𝑇𝑜𝑡</m:t>
+                        </m:r>
+                      </m:sup>
+                    </m:sSubSup>
+                  </m:oMath>
+                </a14:m>
+                <a:endParaRPr lang="en-US" altLang="zh-CN" sz="2200" dirty="0" smtClean="0">
+                  <a:latin typeface="微软雅黑" panose="020B0503020204020204" pitchFamily="34" charset="-122"/>
+                  <a:ea typeface="微软雅黑" panose="020B0503020204020204" pitchFamily="34" charset="-122"/>
+                </a:endParaRPr>
+              </a:p>
+              <a:p>
+                <a:pPr lvl="1"/>
+                <a14:m>
+                  <m:oMath xmlns:m="http://schemas.openxmlformats.org/officeDocument/2006/math">
+                    <m:sSubSup>
+                      <m:sSubSupPr>
+                        <m:ctrlPr>
+                          <a:rPr lang="en-US" altLang="zh-CN" sz="2200" i="1" smtClean="0">
+                            <a:latin typeface="Cambria Math" panose="02040503050406030204" pitchFamily="18" charset="0"/>
+                          </a:rPr>
+                        </m:ctrlPr>
+                      </m:sSubSupPr>
+                      <m:e>
+                        <m:r>
+                          <a:rPr lang="en-US" altLang="zh-CN" sz="2200" i="1">
+                            <a:latin typeface="Cambria Math" panose="02040503050406030204" pitchFamily="18" charset="0"/>
+                          </a:rPr>
+                          <m:t>𝐴</m:t>
+                        </m:r>
+                      </m:e>
+                      <m:sub>
+                        <m:r>
+                          <a:rPr lang="en-US" altLang="zh-CN" sz="2200" i="1">
+                            <a:latin typeface="Cambria Math" panose="02040503050406030204" pitchFamily="18" charset="0"/>
+                          </a:rPr>
+                          <m:t>𝑟𝑜𝑢𝑡𝑒𝑟</m:t>
+                        </m:r>
+                      </m:sub>
+                      <m:sup>
+                        <m:r>
+                          <a:rPr lang="en-US" altLang="zh-CN" sz="2200" b="0" i="1" smtClean="0">
+                            <a:latin typeface="Cambria Math" panose="02040503050406030204" pitchFamily="18" charset="0"/>
+                          </a:rPr>
+                          <m:t>𝑇𝑜𝑡</m:t>
+                        </m:r>
+                      </m:sup>
+                    </m:sSubSup>
+                  </m:oMath>
+                </a14:m>
+                <a:endParaRPr lang="en-US" altLang="zh-CN" sz="2200" dirty="0" smtClean="0">
+                  <a:latin typeface="微软雅黑" panose="020B0503020204020204" pitchFamily="34" charset="-122"/>
+                </a:endParaRPr>
+              </a:p>
+              <a:p>
+                <a:pPr lvl="1"/>
+                <a:r>
+                  <a:rPr lang="en-US" altLang="zh-CN" sz="2200" dirty="0" smtClean="0">
+                    <a:latin typeface="微软雅黑" panose="020B0503020204020204" pitchFamily="34" charset="-122"/>
+                    <a:ea typeface="微软雅黑" panose="020B0503020204020204" pitchFamily="34" charset="-122"/>
+                  </a:rPr>
+                  <a:t> </a:t>
+                </a:r>
+                <a14:m>
+                  <m:oMath xmlns:m="http://schemas.openxmlformats.org/officeDocument/2006/math">
+                    <m:sSubSup>
+                      <m:sSubSupPr>
+                        <m:ctrlPr>
+                          <a:rPr lang="en-US" altLang="zh-CN" sz="2200" b="0" i="1" smtClean="0">
+                            <a:latin typeface="Cambria Math" panose="02040503050406030204" pitchFamily="18" charset="0"/>
+                          </a:rPr>
+                        </m:ctrlPr>
+                      </m:sSubSupPr>
+                      <m:e>
+                        <m:r>
+                          <a:rPr lang="en-US" altLang="zh-CN" sz="2200" i="1">
+                            <a:latin typeface="Cambria Math" panose="02040503050406030204" pitchFamily="18" charset="0"/>
+                          </a:rPr>
+                          <m:t>𝐴</m:t>
+                        </m:r>
+                      </m:e>
+                      <m:sub>
+                        <m:r>
+                          <a:rPr lang="en-US" altLang="zh-CN" sz="2200" i="1">
+                            <a:latin typeface="Cambria Math" panose="02040503050406030204" pitchFamily="18" charset="0"/>
+                          </a:rPr>
+                          <m:t>𝑝𝑒𝑟𝑖𝑝h𝑒𝑟𝑦</m:t>
+                        </m:r>
+                      </m:sub>
+                      <m:sup>
+                        <m:r>
+                          <a:rPr lang="en-US" altLang="zh-CN" sz="2200" b="0" i="1" smtClean="0">
+                            <a:latin typeface="Cambria Math" panose="02040503050406030204" pitchFamily="18" charset="0"/>
+                          </a:rPr>
+                          <m:t>𝑇𝑜𝑡</m:t>
+                        </m:r>
+                      </m:sup>
+                    </m:sSubSup>
+                  </m:oMath>
+                </a14:m>
+                <a:endParaRPr lang="en-US" altLang="zh-CN" sz="2200" dirty="0" smtClean="0">
+                  <a:latin typeface="微软雅黑" panose="020B0503020204020204" pitchFamily="34" charset="-122"/>
+                </a:endParaRPr>
+              </a:p>
+              <a:p>
+                <a:pPr marL="457200" lvl="1" indent="0">
+                  <a:buNone/>
+                </a:pPr>
+                <a:r>
+                  <a:rPr lang="en-US" altLang="zh-CN" sz="2200" dirty="0">
+                    <a:latin typeface="微软雅黑" panose="020B0503020204020204" pitchFamily="34" charset="-122"/>
+                    <a:ea typeface="微软雅黑" panose="020B0503020204020204" pitchFamily="34" charset="-122"/>
+                  </a:rPr>
+                  <a:t> </a:t>
+                </a:r>
+                <a:endParaRPr lang="en-US" altLang="zh-CN" sz="2200" dirty="0" smtClean="0">
+                  <a:latin typeface="微软雅黑" panose="020B0503020204020204" pitchFamily="34" charset="-122"/>
+                  <a:ea typeface="微软雅黑" panose="020B0503020204020204" pitchFamily="34" charset="-122"/>
+                </a:endParaRPr>
+              </a:p>
+              <a:p>
+                <a:pPr marL="457200" lvl="1" indent="0">
+                  <a:buNone/>
+                </a:pPr>
+                <a:r>
+                  <a:rPr lang="en-US" altLang="zh-CN" dirty="0" smtClean="0">
+                    <a:latin typeface="微软雅黑" panose="020B0503020204020204" pitchFamily="34" charset="-122"/>
+                    <a:ea typeface="微软雅黑" panose="020B0503020204020204" pitchFamily="34" charset="-122"/>
+                  </a:rPr>
+                  <a:t>Power</a:t>
+                </a:r>
+                <a:endParaRPr lang="en-US" altLang="zh-CN" dirty="0">
+                  <a:latin typeface="微软雅黑" panose="020B0503020204020204" pitchFamily="34" charset="-122"/>
+                  <a:ea typeface="微软雅黑" panose="020B0503020204020204" pitchFamily="34" charset="-122"/>
+                </a:endParaRPr>
+              </a:p>
+              <a:p>
+                <a:pPr lvl="1"/>
+                <a14:m>
+                  <m:oMath xmlns:m="http://schemas.openxmlformats.org/officeDocument/2006/math">
+                    <m:sSubSup>
+                      <m:sSubSupPr>
+                        <m:ctrlPr>
+                          <a:rPr lang="en-US" altLang="zh-CN" sz="2200" i="1">
+                            <a:latin typeface="Cambria Math" panose="02040503050406030204" pitchFamily="18" charset="0"/>
+                          </a:rPr>
+                        </m:ctrlPr>
+                      </m:sSubSupPr>
+                      <m:e>
+                        <m:r>
+                          <a:rPr lang="en-US" altLang="zh-CN" sz="2200" i="1">
+                            <a:latin typeface="Cambria Math" panose="02040503050406030204" pitchFamily="18" charset="0"/>
+                          </a:rPr>
+                          <m:t>𝑃</m:t>
+                        </m:r>
+                      </m:e>
+                      <m:sub>
+                        <m:r>
+                          <m:rPr>
+                            <m:sty m:val="p"/>
+                          </m:rPr>
+                          <a:rPr lang="en-US" altLang="zh-CN" sz="2200" i="1">
+                            <a:latin typeface="Cambria Math" panose="02040503050406030204" pitchFamily="18" charset="0"/>
+                          </a:rPr>
+                          <m:t>tile</m:t>
+                        </m:r>
+                      </m:sub>
+                      <m:sup>
+                        <m:r>
+                          <a:rPr lang="en-US" altLang="zh-CN" sz="2200" i="1">
+                            <a:latin typeface="Cambria Math" panose="02040503050406030204" pitchFamily="18" charset="0"/>
+                          </a:rPr>
+                          <m:t>𝑇</m:t>
+                        </m:r>
+                        <m:r>
+                          <m:rPr>
+                            <m:sty m:val="p"/>
+                          </m:rPr>
+                          <a:rPr lang="en-US" altLang="zh-CN" sz="2200" i="1">
+                            <a:latin typeface="Cambria Math" panose="02040503050406030204" pitchFamily="18" charset="0"/>
+                          </a:rPr>
+                          <m:t>ot</m:t>
+                        </m:r>
+                      </m:sup>
+                    </m:sSubSup>
+                  </m:oMath>
+                </a14:m>
+                <a:endParaRPr lang="en-US" altLang="zh-CN" sz="2200" i="1" dirty="0" smtClean="0">
+                  <a:latin typeface="Cambria Math" panose="02040503050406030204" pitchFamily="18" charset="0"/>
+                </a:endParaRPr>
+              </a:p>
+              <a:p>
+                <a:pPr lvl="1"/>
+                <a14:m>
+                  <m:oMath xmlns:m="http://schemas.openxmlformats.org/officeDocument/2006/math">
+                    <m:sSubSup>
+                      <m:sSubSupPr>
+                        <m:ctrlPr>
+                          <a:rPr lang="en-US" altLang="zh-CN" sz="2200" i="1">
+                            <a:latin typeface="Cambria Math" panose="02040503050406030204" pitchFamily="18" charset="0"/>
+                          </a:rPr>
+                        </m:ctrlPr>
+                      </m:sSubSupPr>
+                      <m:e>
+                        <m:r>
+                          <a:rPr lang="en-US" altLang="zh-CN" sz="2200" i="1">
+                            <a:latin typeface="Cambria Math" panose="02040503050406030204" pitchFamily="18" charset="0"/>
+                          </a:rPr>
+                          <m:t>𝑃</m:t>
+                        </m:r>
+                      </m:e>
+                      <m:sub>
+                        <m:r>
+                          <a:rPr lang="en-US" altLang="zh-CN" sz="2200" i="1">
+                            <a:latin typeface="Cambria Math" panose="02040503050406030204" pitchFamily="18" charset="0"/>
+                          </a:rPr>
+                          <m:t>𝑟𝑜𝑢𝑡𝑒𝑟</m:t>
+                        </m:r>
+                      </m:sub>
+                      <m:sup>
+                        <m:r>
+                          <a:rPr lang="en-US" altLang="zh-CN" sz="2200" i="1">
+                            <a:latin typeface="Cambria Math" panose="02040503050406030204" pitchFamily="18" charset="0"/>
+                          </a:rPr>
+                          <m:t>𝑇</m:t>
+                        </m:r>
+                        <m:r>
+                          <m:rPr>
+                            <m:sty m:val="p"/>
+                          </m:rPr>
+                          <a:rPr lang="en-US" altLang="zh-CN" sz="2200" i="1">
+                            <a:latin typeface="Cambria Math" panose="02040503050406030204" pitchFamily="18" charset="0"/>
+                          </a:rPr>
+                          <m:t>ot</m:t>
+                        </m:r>
+                      </m:sup>
+                    </m:sSubSup>
+                  </m:oMath>
+                </a14:m>
+                <a:endParaRPr lang="en-US" altLang="zh-CN" sz="2200" i="1" dirty="0" smtClean="0">
+                  <a:latin typeface="Cambria Math" panose="02040503050406030204" pitchFamily="18" charset="0"/>
+                </a:endParaRPr>
+              </a:p>
+              <a:p>
+                <a:pPr lvl="1"/>
+                <a14:m>
+                  <m:oMath xmlns:m="http://schemas.openxmlformats.org/officeDocument/2006/math">
+                    <m:sSubSup>
+                      <m:sSubSupPr>
+                        <m:ctrlPr>
+                          <a:rPr lang="en-US" altLang="zh-CN" sz="2200" b="0" i="1" smtClean="0">
+                            <a:latin typeface="Cambria Math" panose="02040503050406030204" pitchFamily="18" charset="0"/>
+                          </a:rPr>
+                        </m:ctrlPr>
+                      </m:sSubSupPr>
+                      <m:e>
+                        <m:r>
+                          <a:rPr lang="en-US" altLang="zh-CN" sz="2200" i="1">
+                            <a:latin typeface="Cambria Math" panose="02040503050406030204" pitchFamily="18" charset="0"/>
+                          </a:rPr>
+                          <m:t>𝑃</m:t>
+                        </m:r>
+                      </m:e>
+                      <m:sub>
+                        <m:r>
+                          <a:rPr lang="en-US" altLang="zh-CN" sz="2200" i="1">
+                            <a:latin typeface="Cambria Math" panose="02040503050406030204" pitchFamily="18" charset="0"/>
+                          </a:rPr>
+                          <m:t>𝑝𝑒𝑟𝑖𝑝h𝑒𝑟𝑦</m:t>
+                        </m:r>
+                      </m:sub>
+                      <m:sup>
+                        <m:r>
+                          <a:rPr lang="en-US" altLang="zh-CN" sz="2200" b="0" i="1" smtClean="0">
+                            <a:latin typeface="Cambria Math" panose="02040503050406030204" pitchFamily="18" charset="0"/>
+                          </a:rPr>
+                          <m:t>𝑇𝑜𝑡</m:t>
+                        </m:r>
+                      </m:sup>
+                    </m:sSubSup>
+                  </m:oMath>
+                </a14:m>
+                <a:endParaRPr lang="en-US" altLang="zh-CN" sz="2200" b="0" i="1" dirty="0" smtClean="0">
+                  <a:latin typeface="Cambria Math" panose="02040503050406030204" pitchFamily="18" charset="0"/>
+                </a:endParaRPr>
+              </a:p>
+              <a:p>
+                <a:pPr lvl="1"/>
+                <a:endParaRPr lang="en-US" altLang="zh-CN" sz="2200" i="1" dirty="0">
+                  <a:latin typeface="Cambria Math" panose="02040503050406030204" pitchFamily="18" charset="0"/>
+                </a:endParaRPr>
+              </a:p>
+              <a:p>
+                <a:pPr marL="457200" lvl="1" indent="0">
+                  <a:buFont typeface="Arial" panose="020B0604020202020204" pitchFamily="34" charset="0"/>
+                  <a:buNone/>
+                </a:pPr>
+                <a:r>
+                  <a:rPr lang="en-US" altLang="zh-CN" sz="2200" i="1" dirty="0">
+                    <a:latin typeface="Cambria Math" panose="02040503050406030204" pitchFamily="18" charset="0"/>
+                  </a:rPr>
+                  <a:t>    </a:t>
+                </a:r>
+              </a:p>
+            </p:txBody>
+          </p:sp>
+        </mc:Choice>
+        <mc:Fallback xmlns="">
+          <p:sp>
+            <p:nvSpPr>
+              <p:cNvPr id="7" name="内容占位符 2"/>
+              <p:cNvSpPr>
+                <a:spLocks noGrp="1" noRot="1" noChangeAspect="1" noMove="1" noResize="1" noEditPoints="1" noAdjustHandles="1" noChangeArrowheads="1" noChangeShapeType="1" noTextEdit="1"/>
+              </p:cNvSpPr>
+              <p:nvPr>
+                <p:ph idx="1"/>
+              </p:nvPr>
+            </p:nvSpPr>
+            <p:spPr>
+              <a:xfrm>
+                <a:off x="577850" y="1260974"/>
+                <a:ext cx="10515600" cy="4698005"/>
+              </a:xfrm>
+              <a:blipFill rotWithShape="0">
+                <a:blip r:embed="rId3"/>
+                <a:stretch>
+                  <a:fillRect t="-2335"/>
+                </a:stretch>
+              </a:blipFill>
+            </p:spPr>
+            <p:txBody>
+              <a:bodyPr/>
+              <a:lstStyle/>
+              <a:p>
+                <a:r>
+                  <a:rPr lang="zh-CN" altLang="en-US">
+                    <a:noFill/>
+                  </a:rPr>
+                  <a:t> </a:t>
+                </a:r>
+              </a:p>
+            </p:txBody>
+          </p:sp>
+        </mc:Fallback>
+      </mc:AlternateContent>
+      <p:sp>
+        <p:nvSpPr>
+          <p:cNvPr id="2" name="标题 1"/>
+          <p:cNvSpPr>
+            <a:spLocks noGrp="1"/>
+          </p:cNvSpPr>
+          <p:nvPr>
+            <p:ph type="title"/>
+          </p:nvPr>
+        </p:nvSpPr>
+        <p:spPr/>
+        <p:txBody>
+          <a:bodyPr/>
+          <a:lstStyle/>
+          <a:p>
+            <a:r>
+              <a:rPr lang="en-US" altLang="zh-CN" b="1" dirty="0" smtClean="0"/>
+              <a:t>Data for Constant Values</a:t>
+            </a:r>
+            <a:endParaRPr lang="zh-CN" altLang="en-US" b="1" dirty="0"/>
+          </a:p>
+        </p:txBody>
+      </p:sp>
+      <p:sp>
+        <p:nvSpPr>
+          <p:cNvPr id="11" name="灯片编号占位符 10"/>
+          <p:cNvSpPr>
+            <a:spLocks noGrp="1"/>
+          </p:cNvSpPr>
+          <p:nvPr>
+            <p:ph type="sldNum" sz="quarter" idx="12"/>
+          </p:nvPr>
+        </p:nvSpPr>
+        <p:spPr/>
+        <p:txBody>
+          <a:bodyPr/>
+          <a:lstStyle/>
+          <a:p>
+            <a:fld id="{C102C7BA-A18E-41F7-855F-B9281AA705A6}" type="slidenum">
+              <a:rPr lang="zh-CN" altLang="en-US" smtClean="0"/>
+              <a:t>12</a:t>
+            </a:fld>
+            <a:endParaRPr lang="zh-CN" altLang="en-US" dirty="0"/>
+          </a:p>
+        </p:txBody>
+      </p:sp>
+      <p:pic>
+        <p:nvPicPr>
+          <p:cNvPr id="12" name="图片 11" descr="31393938393834313b31393939353234333bcbaed6e9d0ce"/>
+          <p:cNvPicPr>
+            <a:picLocks noChangeAspect="1"/>
+          </p:cNvPicPr>
+          <p:nvPr/>
+        </p:nvPicPr>
+        <p:blipFill>
+          <a:blip r:embed="rId4">
+            <a:extLst>
+              <a:ext uri="{96DAC541-7B7A-43D3-8B79-37D633B846F1}">
+                <asvg:svgBlip xmlns:asvg="http://schemas.microsoft.com/office/drawing/2016/SVG/main" xmlns="" r:embed="rId5"/>
+              </a:ext>
+            </a:extLst>
+          </a:blip>
+          <a:stretch>
+            <a:fillRect/>
+          </a:stretch>
+        </p:blipFill>
+        <p:spPr>
+          <a:xfrm flipH="1">
+            <a:off x="676275" y="1247746"/>
+            <a:ext cx="243205" cy="243205"/>
+          </a:xfrm>
+          <a:prstGeom prst="rect">
+            <a:avLst/>
+          </a:prstGeom>
+        </p:spPr>
+      </p:pic>
+      <p:pic>
+        <p:nvPicPr>
+          <p:cNvPr id="9" name="图片 8" descr="31393938393834313b31393939353234333bcbaed6e9d0ce"/>
+          <p:cNvPicPr>
+            <a:picLocks noChangeAspect="1"/>
+          </p:cNvPicPr>
+          <p:nvPr/>
+        </p:nvPicPr>
+        <p:blipFill>
+          <a:blip r:embed="rId4">
+            <a:extLst>
+              <a:ext uri="{96DAC541-7B7A-43D3-8B79-37D633B846F1}">
+                <asvg:svgBlip xmlns:asvg="http://schemas.microsoft.com/office/drawing/2016/SVG/main" xmlns="" r:embed="rId5"/>
+              </a:ext>
+            </a:extLst>
+          </a:blip>
+          <a:stretch>
+            <a:fillRect/>
+          </a:stretch>
+        </p:blipFill>
+        <p:spPr>
+          <a:xfrm flipH="1">
+            <a:off x="681355" y="3347182"/>
+            <a:ext cx="243205" cy="243205"/>
+          </a:xfrm>
+          <a:prstGeom prst="rect">
+            <a:avLst/>
+          </a:prstGeom>
+        </p:spPr>
+      </p:pic>
+      <p:pic>
+        <p:nvPicPr>
+          <p:cNvPr id="13" name="图片 12"/>
+          <p:cNvPicPr>
+            <a:picLocks noChangeAspect="1"/>
+          </p:cNvPicPr>
+          <p:nvPr/>
+        </p:nvPicPr>
+        <p:blipFill>
+          <a:blip r:embed="rId6"/>
+          <a:stretch>
+            <a:fillRect/>
+          </a:stretch>
+        </p:blipFill>
+        <p:spPr>
+          <a:xfrm>
+            <a:off x="3901987" y="950927"/>
+            <a:ext cx="2761803" cy="3193865"/>
+          </a:xfrm>
+          <a:prstGeom prst="rect">
+            <a:avLst/>
+          </a:prstGeom>
+        </p:spPr>
+      </p:pic>
+      <p:sp>
+        <p:nvSpPr>
+          <p:cNvPr id="14" name="文本框 13"/>
+          <p:cNvSpPr txBox="1"/>
+          <p:nvPr/>
+        </p:nvSpPr>
+        <p:spPr>
+          <a:xfrm>
+            <a:off x="2951749" y="4211072"/>
+            <a:ext cx="4143454" cy="369332"/>
+          </a:xfrm>
+          <a:prstGeom prst="rect">
+            <a:avLst/>
+          </a:prstGeom>
+          <a:noFill/>
+        </p:spPr>
+        <p:txBody>
+          <a:bodyPr wrap="square" rtlCol="0">
+            <a:spAutoFit/>
+          </a:bodyPr>
+          <a:lstStyle/>
+          <a:p>
+            <a:r>
+              <a:rPr lang="en-US" altLang="zh-CN" dirty="0" smtClean="0"/>
+              <a:t>Fig. information from </a:t>
+            </a:r>
+            <a:r>
+              <a:rPr lang="en-US" altLang="zh-CN" dirty="0" err="1" smtClean="0"/>
+              <a:t>dsent</a:t>
+            </a:r>
+            <a:r>
+              <a:rPr lang="en-US" altLang="zh-CN" dirty="0" smtClean="0"/>
+              <a:t> for routers</a:t>
+            </a:r>
+            <a:endParaRPr lang="zh-CN" altLang="en-US" dirty="0"/>
+          </a:p>
+        </p:txBody>
+      </p:sp>
+      <p:pic>
+        <p:nvPicPr>
+          <p:cNvPr id="3" name="图片 2"/>
+          <p:cNvPicPr>
+            <a:picLocks noChangeAspect="1"/>
+          </p:cNvPicPr>
+          <p:nvPr/>
+        </p:nvPicPr>
+        <p:blipFill>
+          <a:blip r:embed="rId7"/>
+          <a:stretch>
+            <a:fillRect/>
+          </a:stretch>
+        </p:blipFill>
+        <p:spPr>
+          <a:xfrm>
+            <a:off x="7042483" y="829814"/>
+            <a:ext cx="4989095" cy="3268718"/>
+          </a:xfrm>
+          <a:prstGeom prst="rect">
+            <a:avLst/>
+          </a:prstGeom>
+        </p:spPr>
+      </p:pic>
+      <p:sp>
+        <p:nvSpPr>
+          <p:cNvPr id="16" name="文本框 15"/>
+          <p:cNvSpPr txBox="1"/>
+          <p:nvPr/>
+        </p:nvSpPr>
+        <p:spPr>
+          <a:xfrm>
+            <a:off x="7442464" y="4148909"/>
+            <a:ext cx="4397505" cy="369332"/>
+          </a:xfrm>
+          <a:prstGeom prst="rect">
+            <a:avLst/>
+          </a:prstGeom>
+          <a:noFill/>
+        </p:spPr>
+        <p:txBody>
+          <a:bodyPr wrap="square" rtlCol="0">
+            <a:spAutoFit/>
+          </a:bodyPr>
+          <a:lstStyle/>
+          <a:p>
+            <a:r>
+              <a:rPr lang="en-US" altLang="zh-CN" dirty="0" smtClean="0"/>
+              <a:t>Fig. configuration information for IMC</a:t>
+            </a:r>
+            <a:endParaRPr lang="zh-CN" altLang="en-US" dirty="0"/>
+          </a:p>
+        </p:txBody>
+      </p:sp>
+      <p:pic>
+        <p:nvPicPr>
+          <p:cNvPr id="5" name="图片 4"/>
+          <p:cNvPicPr>
+            <a:picLocks noChangeAspect="1"/>
+          </p:cNvPicPr>
+          <p:nvPr/>
+        </p:nvPicPr>
+        <p:blipFill>
+          <a:blip r:embed="rId8"/>
+          <a:stretch>
+            <a:fillRect/>
+          </a:stretch>
+        </p:blipFill>
+        <p:spPr>
+          <a:xfrm>
+            <a:off x="3901987" y="4646684"/>
+            <a:ext cx="4892464" cy="1478408"/>
+          </a:xfrm>
+          <a:prstGeom prst="rect">
+            <a:avLst/>
+          </a:prstGeom>
+        </p:spPr>
+      </p:pic>
+      <p:sp>
+        <p:nvSpPr>
+          <p:cNvPr id="17" name="文本框 16"/>
+          <p:cNvSpPr txBox="1"/>
+          <p:nvPr/>
+        </p:nvSpPr>
+        <p:spPr>
+          <a:xfrm>
+            <a:off x="4276492" y="6191372"/>
+            <a:ext cx="4143454" cy="369332"/>
+          </a:xfrm>
+          <a:prstGeom prst="rect">
+            <a:avLst/>
+          </a:prstGeom>
+          <a:noFill/>
+        </p:spPr>
+        <p:txBody>
+          <a:bodyPr wrap="square" rtlCol="0">
+            <a:spAutoFit/>
+          </a:bodyPr>
+          <a:lstStyle/>
+          <a:p>
+            <a:r>
+              <a:rPr lang="en-US" altLang="zh-CN" dirty="0" smtClean="0"/>
+              <a:t>Fig. information from cacti for SRAM</a:t>
+            </a:r>
+            <a:endParaRPr lang="zh-CN" altLang="en-US" dirty="0"/>
+          </a:p>
+        </p:txBody>
+      </p:sp>
+      <p:pic>
+        <p:nvPicPr>
+          <p:cNvPr id="4" name="图片 3"/>
+          <p:cNvPicPr>
+            <a:picLocks noChangeAspect="1"/>
+          </p:cNvPicPr>
+          <p:nvPr/>
+        </p:nvPicPr>
+        <p:blipFill>
+          <a:blip r:embed="rId9"/>
+          <a:stretch>
+            <a:fillRect/>
+          </a:stretch>
+        </p:blipFill>
+        <p:spPr>
+          <a:xfrm>
+            <a:off x="741757" y="4395738"/>
+            <a:ext cx="4419983" cy="1981372"/>
+          </a:xfrm>
+          <a:prstGeom prst="rect">
+            <a:avLst/>
+          </a:prstGeom>
+        </p:spPr>
+      </p:pic>
+    </p:spTree>
+    <p:extLst>
+      <p:ext uri="{BB962C8B-B14F-4D97-AF65-F5344CB8AC3E}">
+        <p14:creationId xmlns:p14="http://schemas.microsoft.com/office/powerpoint/2010/main" val="444585733"/>
+      </p:ext>
+    </p:extLst>
+  </p:cSld>
+  <p:clrMapOvr>
+    <a:masterClrMapping/>
+  </p:clrMapOvr>
+  <mc:AlternateContent xmlns:mc="http://schemas.openxmlformats.org/markup-compatibility/2006" xmlns:p14="http://schemas.microsoft.com/office/powerpoint/2010/main">
+    <mc:Choice Requires="p14">
+      <p:transition spd="slow" p14:dur="2000" advTm="3640"/>
+    </mc:Choice>
+    <mc:Fallback xmlns="">
+      <p:transition spd="slow" advTm="3640"/>
+    </mc:Fallback>
+  </mc:AlternateContent>
+  <p:timing>
+    <p:tnLst>
+      <p:par>
+        <p:cTn id="1" dur="indefinite" restart="never" nodeType="tmRoot"/>
+      </p:par>
+    </p:tnLst>
+  </p:timing>
+</p:sld>
+</file>
+
 <file path=ppt/slides/slide13.xml><?xml version="1.0" encoding="utf-8"?>
+<p:sld xmlns:a="http://schemas.openxmlformats.org/drawingml/2006/main" xmlns:r="http://schemas.openxmlformats.org/officeDocument/2006/relationships" xmlns:p="http://schemas.openxmlformats.org/presentationml/2006/main">
+  <p:cSld>
+    <p:spTree>
+      <p:nvGrpSpPr>
+        <p:cNvPr id="1" name=""/>
+        <p:cNvGrpSpPr/>
+        <p:nvPr/>
+      </p:nvGrpSpPr>
+      <p:grpSpPr>
+        <a:xfrm>
+          <a:off x="0" y="0"/>
+          <a:ext cx="0" cy="0"/>
+          <a:chOff x="0" y="0"/>
+          <a:chExt cx="0" cy="0"/>
+        </a:xfrm>
+      </p:grpSpPr>
+      <mc:AlternateContent xmlns:mc="http://schemas.openxmlformats.org/markup-compatibility/2006">
+        <mc:Choice xmlns:a14="http://schemas.microsoft.com/office/drawing/2010/main" Requires="a14">
+          <p:sp>
+            <p:nvSpPr>
+              <p:cNvPr id="7" name="内容占位符 2"/>
+              <p:cNvSpPr>
+                <a:spLocks noGrp="1"/>
+              </p:cNvSpPr>
+              <p:nvPr>
+                <p:ph idx="1"/>
+              </p:nvPr>
+            </p:nvSpPr>
+            <p:spPr>
+              <a:xfrm>
+                <a:off x="577850" y="1260974"/>
+                <a:ext cx="10515600" cy="4698005"/>
+              </a:xfrm>
+            </p:spPr>
+            <p:txBody>
+              <a:bodyPr>
+                <a:normAutofit lnSpcReduction="10000"/>
+              </a:bodyPr>
+              <a:lstStyle/>
+              <a:p>
+                <a:r>
+                  <a:rPr lang="en-US" altLang="zh-CN" dirty="0" smtClean="0">
+                    <a:latin typeface="微软雅黑" panose="020B0503020204020204" pitchFamily="34" charset="-122"/>
+                    <a:ea typeface="微软雅黑" panose="020B0503020204020204" pitchFamily="34" charset="-122"/>
+                  </a:rPr>
+                  <a:t>  Area</a:t>
+                </a:r>
+                <a:endParaRPr lang="en-US" altLang="zh-CN" dirty="0">
+                  <a:latin typeface="微软雅黑" panose="020B0503020204020204" pitchFamily="34" charset="-122"/>
+                  <a:ea typeface="微软雅黑" panose="020B0503020204020204" pitchFamily="34" charset="-122"/>
+                </a:endParaRPr>
+              </a:p>
+              <a:p>
+                <a:pPr lvl="1"/>
+                <a14:m>
+                  <m:oMath xmlns:m="http://schemas.openxmlformats.org/officeDocument/2006/math">
+                    <m:r>
+                      <a:rPr lang="en-US" altLang="zh-CN" sz="2200" i="1">
+                        <a:latin typeface="Cambria Math" panose="02040503050406030204" pitchFamily="18" charset="0"/>
+                      </a:rPr>
+                      <m:t>𝐴</m:t>
+                    </m:r>
+                    <m:r>
+                      <a:rPr lang="en-US" altLang="zh-CN" sz="2200" i="1">
+                        <a:latin typeface="Cambria Math" panose="02040503050406030204" pitchFamily="18" charset="0"/>
+                      </a:rPr>
+                      <m:t>= </m:t>
+                    </m:r>
+                    <m:sSubSup>
+                      <m:sSubSupPr>
+                        <m:ctrlPr>
+                          <a:rPr lang="en-US" altLang="zh-CN" sz="2200" i="1">
+                            <a:latin typeface="Cambria Math" panose="02040503050406030204" pitchFamily="18" charset="0"/>
+                          </a:rPr>
+                        </m:ctrlPr>
+                      </m:sSubSupPr>
+                      <m:e>
+                        <m:r>
+                          <a:rPr lang="en-US" altLang="zh-CN" sz="2200" i="1">
+                            <a:latin typeface="Cambria Math" panose="02040503050406030204" pitchFamily="18" charset="0"/>
+                          </a:rPr>
+                          <m:t>𝐴</m:t>
+                        </m:r>
+                      </m:e>
+                      <m:sub>
+                        <m:r>
+                          <m:rPr>
+                            <m:sty m:val="p"/>
+                          </m:rPr>
+                          <a:rPr lang="en-US" altLang="zh-CN" sz="2200" i="1">
+                            <a:latin typeface="Cambria Math" panose="02040503050406030204" pitchFamily="18" charset="0"/>
+                          </a:rPr>
+                          <m:t>tile</m:t>
+                        </m:r>
+                      </m:sub>
+                      <m:sup>
+                        <m:r>
+                          <a:rPr lang="en-US" altLang="zh-CN" sz="2200" i="1">
+                            <a:latin typeface="Cambria Math" panose="02040503050406030204" pitchFamily="18" charset="0"/>
+                          </a:rPr>
+                          <m:t>𝑇</m:t>
+                        </m:r>
+                        <m:r>
+                          <m:rPr>
+                            <m:sty m:val="p"/>
+                          </m:rPr>
+                          <a:rPr lang="en-US" altLang="zh-CN" sz="2200" i="1">
+                            <a:latin typeface="Cambria Math" panose="02040503050406030204" pitchFamily="18" charset="0"/>
+                          </a:rPr>
+                          <m:t>ot</m:t>
+                        </m:r>
+                      </m:sup>
+                    </m:sSubSup>
+                    <m:r>
+                      <a:rPr lang="en-US" altLang="zh-CN" sz="2200" i="1">
+                        <a:latin typeface="Cambria Math" panose="02040503050406030204" pitchFamily="18" charset="0"/>
+                      </a:rPr>
+                      <m:t>+</m:t>
+                    </m:r>
+                    <m:sSubSup>
+                      <m:sSubSupPr>
+                        <m:ctrlPr>
+                          <a:rPr lang="en-US" altLang="zh-CN" sz="2200" i="1">
+                            <a:latin typeface="Cambria Math" panose="02040503050406030204" pitchFamily="18" charset="0"/>
+                          </a:rPr>
+                        </m:ctrlPr>
+                      </m:sSubSupPr>
+                      <m:e>
+                        <m:r>
+                          <a:rPr lang="en-US" altLang="zh-CN" sz="2200" i="1">
+                            <a:latin typeface="Cambria Math" panose="02040503050406030204" pitchFamily="18" charset="0"/>
+                          </a:rPr>
+                          <m:t>𝐴</m:t>
+                        </m:r>
+                      </m:e>
+                      <m:sub>
+                        <m:r>
+                          <a:rPr lang="en-US" altLang="zh-CN" sz="2200" i="1">
+                            <a:latin typeface="Cambria Math" panose="02040503050406030204" pitchFamily="18" charset="0"/>
+                          </a:rPr>
+                          <m:t>𝑟𝑜𝑢𝑡𝑒𝑟</m:t>
+                        </m:r>
+                      </m:sub>
+                      <m:sup>
+                        <m:r>
+                          <a:rPr lang="en-US" altLang="zh-CN" sz="2200" i="1">
+                            <a:latin typeface="Cambria Math" panose="02040503050406030204" pitchFamily="18" charset="0"/>
+                          </a:rPr>
+                          <m:t>𝑇</m:t>
+                        </m:r>
+                        <m:r>
+                          <m:rPr>
+                            <m:sty m:val="p"/>
+                          </m:rPr>
+                          <a:rPr lang="en-US" altLang="zh-CN" sz="2200" i="1">
+                            <a:latin typeface="Cambria Math" panose="02040503050406030204" pitchFamily="18" charset="0"/>
+                          </a:rPr>
+                          <m:t>ot</m:t>
+                        </m:r>
+                      </m:sup>
+                    </m:sSubSup>
+                    <m:r>
+                      <a:rPr lang="en-US" altLang="zh-CN" sz="2200" i="1">
+                        <a:latin typeface="Cambria Math" panose="02040503050406030204" pitchFamily="18" charset="0"/>
+                      </a:rPr>
+                      <m:t>+</m:t>
+                    </m:r>
+                    <m:sSub>
+                      <m:sSubPr>
+                        <m:ctrlPr>
+                          <a:rPr lang="en-US" altLang="zh-CN" sz="2200" i="1">
+                            <a:latin typeface="Cambria Math" panose="02040503050406030204" pitchFamily="18" charset="0"/>
+                          </a:rPr>
+                        </m:ctrlPr>
+                      </m:sSubPr>
+                      <m:e>
+                        <m:r>
+                          <a:rPr lang="en-US" altLang="zh-CN" sz="2200" i="1">
+                            <a:latin typeface="Cambria Math" panose="02040503050406030204" pitchFamily="18" charset="0"/>
+                          </a:rPr>
+                          <m:t>𝐴</m:t>
+                        </m:r>
+                      </m:e>
+                      <m:sub>
+                        <m:r>
+                          <a:rPr lang="en-US" altLang="zh-CN" sz="2200" i="1">
+                            <a:latin typeface="Cambria Math" panose="02040503050406030204" pitchFamily="18" charset="0"/>
+                          </a:rPr>
+                          <m:t>𝑝𝑒𝑟𝑖𝑝h𝑒𝑟𝑦</m:t>
+                        </m:r>
+                      </m:sub>
+                    </m:sSub>
+                  </m:oMath>
+                </a14:m>
+                <a:endParaRPr lang="en-US" altLang="zh-CN" sz="2200" i="1" dirty="0">
+                  <a:latin typeface="微软雅黑" panose="020B0503020204020204" pitchFamily="34" charset="-122"/>
+                  <a:ea typeface="微软雅黑" panose="020B0503020204020204" pitchFamily="34" charset="-122"/>
+                </a:endParaRPr>
+              </a:p>
+              <a:p>
+                <a:pPr marL="457200" lvl="1" indent="0">
+                  <a:buNone/>
+                </a:pPr>
+                <a:r>
+                  <a:rPr lang="en-US" altLang="zh-CN" sz="2200" dirty="0">
+                    <a:latin typeface="微软雅黑" panose="020B0503020204020204" pitchFamily="34" charset="-122"/>
+                    <a:ea typeface="微软雅黑" panose="020B0503020204020204" pitchFamily="34" charset="-122"/>
+                  </a:rPr>
+                  <a:t>    </a:t>
+                </a:r>
+                <a14:m>
+                  <m:oMath xmlns:m="http://schemas.openxmlformats.org/officeDocument/2006/math">
+                    <m:r>
+                      <a:rPr lang="en-US" altLang="zh-CN" sz="2200">
+                        <a:latin typeface="Cambria Math" panose="02040503050406030204" pitchFamily="18" charset="0"/>
+                      </a:rPr>
+                      <m:t>    </m:t>
+                    </m:r>
+                    <m:r>
+                      <a:rPr lang="en-US" altLang="zh-CN" sz="2200" i="1">
+                        <a:latin typeface="Cambria Math" panose="02040503050406030204" pitchFamily="18" charset="0"/>
+                      </a:rPr>
+                      <m:t>=</m:t>
+                    </m:r>
+                    <m:sSub>
+                      <m:sSubPr>
+                        <m:ctrlPr>
+                          <a:rPr lang="en-US" altLang="zh-CN" sz="2200" i="1">
+                            <a:latin typeface="Cambria Math" panose="02040503050406030204" pitchFamily="18" charset="0"/>
+                          </a:rPr>
+                        </m:ctrlPr>
+                      </m:sSubPr>
+                      <m:e>
+                        <m:r>
+                          <a:rPr lang="en-US" altLang="zh-CN" sz="2200" i="1">
+                            <a:latin typeface="Cambria Math" panose="02040503050406030204" pitchFamily="18" charset="0"/>
+                          </a:rPr>
+                          <m:t>𝑁</m:t>
+                        </m:r>
+                      </m:e>
+                      <m:sub>
+                        <m:r>
+                          <a:rPr lang="en-US" altLang="zh-CN" sz="2200" i="1">
+                            <a:latin typeface="Cambria Math" panose="02040503050406030204" pitchFamily="18" charset="0"/>
+                          </a:rPr>
+                          <m:t>𝑐</m:t>
+                        </m:r>
+                      </m:sub>
+                    </m:sSub>
+                    <m:r>
+                      <a:rPr lang="en-US" altLang="zh-CN" sz="2200" i="1">
+                        <a:latin typeface="Cambria Math" panose="02040503050406030204" pitchFamily="18" charset="0"/>
+                        <a:ea typeface="Cambria Math" panose="02040503050406030204" pitchFamily="18" charset="0"/>
+                      </a:rPr>
+                      <m:t>×</m:t>
+                    </m:r>
+                    <m:r>
+                      <a:rPr lang="en-US" altLang="zh-CN" sz="2200" i="1">
+                        <a:latin typeface="Cambria Math" panose="02040503050406030204" pitchFamily="18" charset="0"/>
+                      </a:rPr>
+                      <m:t>𝑁</m:t>
+                    </m:r>
+                    <m:r>
+                      <a:rPr lang="en-US" altLang="zh-CN" sz="2200" i="1" baseline="-25000">
+                        <a:latin typeface="Cambria Math" panose="02040503050406030204" pitchFamily="18" charset="0"/>
+                      </a:rPr>
+                      <m:t>𝑡</m:t>
+                    </m:r>
+                    <m:r>
+                      <a:rPr lang="en-US" altLang="zh-CN" sz="2200" i="1">
+                        <a:latin typeface="Cambria Math" panose="02040503050406030204" pitchFamily="18" charset="0"/>
+                      </a:rPr>
+                      <m:t> </m:t>
+                    </m:r>
+                    <m:r>
+                      <a:rPr lang="en-US" altLang="zh-CN" sz="2200" i="1">
+                        <a:latin typeface="Cambria Math" panose="02040503050406030204" pitchFamily="18" charset="0"/>
+                        <a:ea typeface="Cambria Math" panose="02040503050406030204" pitchFamily="18" charset="0"/>
+                      </a:rPr>
+                      <m:t>×</m:t>
+                    </m:r>
+                    <m:sSub>
+                      <m:sSubPr>
+                        <m:ctrlPr>
+                          <a:rPr lang="en-US" altLang="zh-CN" sz="2200" i="1">
+                            <a:latin typeface="Cambria Math" panose="02040503050406030204" pitchFamily="18" charset="0"/>
+                            <a:ea typeface="Cambria Math" panose="02040503050406030204" pitchFamily="18" charset="0"/>
+                          </a:rPr>
+                        </m:ctrlPr>
+                      </m:sSubPr>
+                      <m:e>
+                        <m:r>
+                          <a:rPr lang="en-US" altLang="zh-CN" sz="2200" i="1">
+                            <a:latin typeface="Cambria Math" panose="02040503050406030204" pitchFamily="18" charset="0"/>
+                            <a:ea typeface="Cambria Math" panose="02040503050406030204" pitchFamily="18" charset="0"/>
+                          </a:rPr>
+                          <m:t>𝐴</m:t>
+                        </m:r>
+                      </m:e>
+                      <m:sub>
+                        <m:r>
+                          <a:rPr lang="en-US" altLang="zh-CN" sz="2200" i="1">
+                            <a:latin typeface="Cambria Math" panose="02040503050406030204" pitchFamily="18" charset="0"/>
+                            <a:ea typeface="Cambria Math" panose="02040503050406030204" pitchFamily="18" charset="0"/>
+                          </a:rPr>
+                          <m:t>𝑡𝑖𝑙𝑒</m:t>
+                        </m:r>
+                      </m:sub>
+                    </m:sSub>
+                  </m:oMath>
+                </a14:m>
+                <a:r>
+                  <a:rPr lang="en-US" altLang="zh-CN" sz="2200" dirty="0">
+                    <a:latin typeface="微软雅黑" panose="020B0503020204020204" pitchFamily="34" charset="-122"/>
+                    <a:ea typeface="微软雅黑" panose="020B0503020204020204" pitchFamily="34" charset="-122"/>
+                  </a:rPr>
+                  <a:t> </a:t>
+                </a:r>
+                <a14:m>
+                  <m:oMath xmlns:m="http://schemas.openxmlformats.org/officeDocument/2006/math">
+                    <m:sSub>
+                      <m:sSubPr>
+                        <m:ctrlPr>
+                          <a:rPr lang="en-US" altLang="zh-CN" sz="2200" i="1">
+                            <a:latin typeface="Cambria Math" panose="02040503050406030204" pitchFamily="18" charset="0"/>
+                          </a:rPr>
+                        </m:ctrlPr>
+                      </m:sSubPr>
+                      <m:e>
+                        <m:r>
+                          <a:rPr lang="en-US" altLang="zh-CN" sz="2200" i="1">
+                            <a:latin typeface="Cambria Math" panose="02040503050406030204" pitchFamily="18" charset="0"/>
+                          </a:rPr>
+                          <m:t>+</m:t>
+                        </m:r>
+                        <m:r>
+                          <a:rPr lang="en-US" altLang="zh-CN" sz="2200" i="1">
+                            <a:latin typeface="Cambria Math" panose="02040503050406030204" pitchFamily="18" charset="0"/>
+                          </a:rPr>
+                          <m:t>𝑁</m:t>
+                        </m:r>
+                      </m:e>
+                      <m:sub>
+                        <m:r>
+                          <a:rPr lang="en-US" altLang="zh-CN" sz="2200" i="1">
+                            <a:latin typeface="Cambria Math" panose="02040503050406030204" pitchFamily="18" charset="0"/>
+                          </a:rPr>
+                          <m:t>𝑐</m:t>
+                        </m:r>
+                      </m:sub>
+                    </m:sSub>
+                    <m:r>
+                      <a:rPr lang="en-US" altLang="zh-CN" sz="2200" i="1">
+                        <a:latin typeface="Cambria Math" panose="02040503050406030204" pitchFamily="18" charset="0"/>
+                        <a:ea typeface="Cambria Math" panose="02040503050406030204" pitchFamily="18" charset="0"/>
+                      </a:rPr>
+                      <m:t>×</m:t>
+                    </m:r>
+                    <m:r>
+                      <a:rPr lang="en-US" altLang="zh-CN" sz="2200" i="1">
+                        <a:latin typeface="Cambria Math" panose="02040503050406030204" pitchFamily="18" charset="0"/>
+                      </a:rPr>
+                      <m:t>𝑁</m:t>
+                    </m:r>
+                    <m:r>
+                      <a:rPr lang="en-US" altLang="zh-CN" sz="2200" i="1" baseline="-25000">
+                        <a:latin typeface="Cambria Math" panose="02040503050406030204" pitchFamily="18" charset="0"/>
+                      </a:rPr>
+                      <m:t>𝑡</m:t>
+                    </m:r>
+                    <m:r>
+                      <a:rPr lang="en-US" altLang="zh-CN" sz="2200" i="1">
+                        <a:latin typeface="Cambria Math" panose="02040503050406030204" pitchFamily="18" charset="0"/>
+                        <a:ea typeface="Cambria Math" panose="02040503050406030204" pitchFamily="18" charset="0"/>
+                      </a:rPr>
+                      <m:t>×</m:t>
+                    </m:r>
+                    <m:sSub>
+                      <m:sSubPr>
+                        <m:ctrlPr>
+                          <a:rPr lang="en-US" altLang="zh-CN" sz="2200" i="1">
+                            <a:latin typeface="Cambria Math" panose="02040503050406030204" pitchFamily="18" charset="0"/>
+                          </a:rPr>
+                        </m:ctrlPr>
+                      </m:sSubPr>
+                      <m:e>
+                        <m:r>
+                          <a:rPr lang="en-US" altLang="zh-CN" sz="2200" i="1">
+                            <a:latin typeface="Cambria Math" panose="02040503050406030204" pitchFamily="18" charset="0"/>
+                          </a:rPr>
+                          <m:t>𝐴</m:t>
+                        </m:r>
+                      </m:e>
+                      <m:sub>
+                        <m:r>
+                          <a:rPr lang="en-US" altLang="zh-CN" sz="2200" i="1">
+                            <a:latin typeface="Cambria Math" panose="02040503050406030204" pitchFamily="18" charset="0"/>
+                          </a:rPr>
+                          <m:t>𝑟𝑜𝑢𝑡𝑒𝑟</m:t>
+                        </m:r>
+                      </m:sub>
+                    </m:sSub>
+                  </m:oMath>
+                </a14:m>
+                <a:r>
+                  <a:rPr lang="en-US" altLang="zh-CN" sz="2200" i="1" baseline="-25000" dirty="0">
+                    <a:latin typeface="微软雅黑" panose="020B0503020204020204" pitchFamily="34" charset="-122"/>
+                    <a:ea typeface="微软雅黑" panose="020B0503020204020204" pitchFamily="34" charset="-122"/>
+                  </a:rPr>
+                  <a:t> </a:t>
+                </a:r>
+                <a14:m>
+                  <m:oMath xmlns:m="http://schemas.openxmlformats.org/officeDocument/2006/math">
+                    <m:r>
+                      <a:rPr lang="en-US" altLang="zh-CN" sz="2200" i="1">
+                        <a:latin typeface="Cambria Math" panose="02040503050406030204" pitchFamily="18" charset="0"/>
+                        <a:ea typeface="Cambria Math" panose="02040503050406030204" pitchFamily="18" charset="0"/>
+                      </a:rPr>
+                      <m:t>+</m:t>
+                    </m:r>
+                    <m:sSub>
+                      <m:sSubPr>
+                        <m:ctrlPr>
+                          <a:rPr lang="en-US" altLang="zh-CN" sz="2200" i="1">
+                            <a:latin typeface="Cambria Math" panose="02040503050406030204" pitchFamily="18" charset="0"/>
+                          </a:rPr>
+                        </m:ctrlPr>
+                      </m:sSubPr>
+                      <m:e>
+                        <m:r>
+                          <a:rPr lang="en-US" altLang="zh-CN" sz="2200" i="1">
+                            <a:latin typeface="Cambria Math" panose="02040503050406030204" pitchFamily="18" charset="0"/>
+                          </a:rPr>
+                          <m:t>𝐴</m:t>
+                        </m:r>
+                      </m:e>
+                      <m:sub>
+                        <m:r>
+                          <a:rPr lang="en-US" altLang="zh-CN" sz="2200" i="1">
+                            <a:latin typeface="Cambria Math" panose="02040503050406030204" pitchFamily="18" charset="0"/>
+                          </a:rPr>
+                          <m:t>𝑝𝑒𝑟𝑖𝑝h𝑒𝑟𝑦</m:t>
+                        </m:r>
+                      </m:sub>
+                    </m:sSub>
+                  </m:oMath>
+                </a14:m>
+                <a:endParaRPr lang="en-US" altLang="zh-CN" sz="2200" i="1" dirty="0" smtClean="0">
+                  <a:latin typeface="微软雅黑" panose="020B0503020204020204" pitchFamily="34" charset="-122"/>
+                </a:endParaRPr>
+              </a:p>
+              <a:p>
+                <a:pPr marL="457200" lvl="1" indent="0">
+                  <a:buNone/>
+                </a:pPr>
+                <a:r>
+                  <a:rPr lang="en-US" altLang="zh-CN" sz="2200" dirty="0" smtClean="0">
+                    <a:latin typeface="微软雅黑" panose="020B0503020204020204" pitchFamily="34" charset="-122"/>
+                    <a:ea typeface="微软雅黑" panose="020B0503020204020204" pitchFamily="34" charset="-122"/>
+                  </a:rPr>
+                  <a:t>	 </a:t>
+                </a:r>
+                <a14:m>
+                  <m:oMath xmlns:m="http://schemas.openxmlformats.org/officeDocument/2006/math">
+                    <m:r>
+                      <a:rPr lang="en-US" altLang="zh-CN" sz="2200" i="1">
+                        <a:latin typeface="Cambria Math" panose="02040503050406030204" pitchFamily="18" charset="0"/>
+                      </a:rPr>
+                      <m:t>=</m:t>
+                    </m:r>
+                    <m:sSub>
+                      <m:sSubPr>
+                        <m:ctrlPr>
+                          <a:rPr lang="en-US" altLang="zh-CN" sz="2200" i="1">
+                            <a:latin typeface="Cambria Math" panose="02040503050406030204" pitchFamily="18" charset="0"/>
+                          </a:rPr>
+                        </m:ctrlPr>
+                      </m:sSubPr>
+                      <m:e>
+                        <m:r>
+                          <a:rPr lang="en-US" altLang="zh-CN" sz="2200" i="1">
+                            <a:latin typeface="Cambria Math" panose="02040503050406030204" pitchFamily="18" charset="0"/>
+                          </a:rPr>
+                          <m:t>𝑁</m:t>
+                        </m:r>
+                      </m:e>
+                      <m:sub>
+                        <m:r>
+                          <a:rPr lang="en-US" altLang="zh-CN" sz="2200" i="1">
+                            <a:latin typeface="Cambria Math" panose="02040503050406030204" pitchFamily="18" charset="0"/>
+                          </a:rPr>
+                          <m:t>𝑐</m:t>
+                        </m:r>
+                      </m:sub>
+                    </m:sSub>
+                    <m:r>
+                      <a:rPr lang="en-US" altLang="zh-CN" sz="2200" i="1">
+                        <a:latin typeface="Cambria Math" panose="02040503050406030204" pitchFamily="18" charset="0"/>
+                        <a:ea typeface="Cambria Math" panose="02040503050406030204" pitchFamily="18" charset="0"/>
+                      </a:rPr>
+                      <m:t>×</m:t>
+                    </m:r>
+                    <m:r>
+                      <a:rPr lang="en-US" altLang="zh-CN" sz="2200" i="1">
+                        <a:latin typeface="Cambria Math" panose="02040503050406030204" pitchFamily="18" charset="0"/>
+                      </a:rPr>
+                      <m:t>𝑁</m:t>
+                    </m:r>
+                    <m:r>
+                      <a:rPr lang="en-US" altLang="zh-CN" sz="2200" i="1" baseline="-25000">
+                        <a:latin typeface="Cambria Math" panose="02040503050406030204" pitchFamily="18" charset="0"/>
+                      </a:rPr>
+                      <m:t>𝑡</m:t>
+                    </m:r>
+                    <m:r>
+                      <a:rPr lang="en-US" altLang="zh-CN" sz="2200" i="1">
+                        <a:latin typeface="Cambria Math" panose="02040503050406030204" pitchFamily="18" charset="0"/>
+                      </a:rPr>
+                      <m:t> </m:t>
+                    </m:r>
+                    <m:r>
+                      <a:rPr lang="en-US" altLang="zh-CN" sz="2200" i="1" smtClean="0">
+                        <a:latin typeface="Cambria Math" panose="02040503050406030204" pitchFamily="18" charset="0"/>
+                        <a:ea typeface="Cambria Math" panose="02040503050406030204" pitchFamily="18" charset="0"/>
+                      </a:rPr>
+                      <m:t>×</m:t>
+                    </m:r>
+                  </m:oMath>
+                </a14:m>
+                <a:r>
+                  <a:rPr lang="en-US" altLang="zh-CN" sz="2200" dirty="0" smtClean="0">
+                    <a:latin typeface="微软雅黑" panose="020B0503020204020204" pitchFamily="34" charset="-122"/>
+                    <a:ea typeface="微软雅黑" panose="020B0503020204020204" pitchFamily="34" charset="-122"/>
+                  </a:rPr>
+                  <a:t> </a:t>
+                </a:r>
+                <a14:m>
+                  <m:oMath xmlns:m="http://schemas.openxmlformats.org/officeDocument/2006/math">
+                    <m:sSub>
+                      <m:sSubPr>
+                        <m:ctrlPr>
+                          <a:rPr lang="en-US" altLang="zh-CN" sz="2200" i="1">
+                            <a:latin typeface="Cambria Math" panose="02040503050406030204" pitchFamily="18" charset="0"/>
+                          </a:rPr>
+                        </m:ctrlPr>
+                      </m:sSubPr>
+                      <m:e>
+                        <m:r>
+                          <a:rPr lang="en-US" altLang="zh-CN" sz="2200" b="0" i="1" smtClean="0">
+                            <a:latin typeface="Cambria Math" panose="02040503050406030204" pitchFamily="18" charset="0"/>
+                          </a:rPr>
+                          <m:t>168.96∗</m:t>
+                        </m:r>
+                        <m:sSup>
+                          <m:sSupPr>
+                            <m:ctrlPr>
+                              <a:rPr lang="en-US" altLang="zh-CN" sz="2200" b="0" i="1" smtClean="0">
+                                <a:latin typeface="Cambria Math" panose="02040503050406030204" pitchFamily="18" charset="0"/>
+                              </a:rPr>
+                            </m:ctrlPr>
+                          </m:sSupPr>
+                          <m:e>
+                            <m:r>
+                              <a:rPr lang="en-US" altLang="zh-CN" sz="2200" b="0" i="1" smtClean="0">
+                                <a:latin typeface="Cambria Math" panose="02040503050406030204" pitchFamily="18" charset="0"/>
+                              </a:rPr>
+                              <m:t>10</m:t>
+                            </m:r>
+                          </m:e>
+                          <m:sup>
+                            <m:r>
+                              <a:rPr lang="en-US" altLang="zh-CN" sz="2200" b="0" i="1" smtClean="0">
+                                <a:latin typeface="Cambria Math" panose="02040503050406030204" pitchFamily="18" charset="0"/>
+                              </a:rPr>
+                              <m:t>−6</m:t>
+                            </m:r>
+                          </m:sup>
+                        </m:sSup>
+                        <m:r>
+                          <a:rPr lang="en-US" altLang="zh-CN" sz="2200" i="1">
+                            <a:latin typeface="Cambria Math" panose="02040503050406030204" pitchFamily="18" charset="0"/>
+                          </a:rPr>
+                          <m:t>+</m:t>
+                        </m:r>
+                        <m:r>
+                          <a:rPr lang="en-US" altLang="zh-CN" sz="2200" i="1">
+                            <a:latin typeface="Cambria Math" panose="02040503050406030204" pitchFamily="18" charset="0"/>
+                          </a:rPr>
+                          <m:t>𝑁</m:t>
+                        </m:r>
+                      </m:e>
+                      <m:sub>
+                        <m:r>
+                          <a:rPr lang="en-US" altLang="zh-CN" sz="2200" i="1">
+                            <a:latin typeface="Cambria Math" panose="02040503050406030204" pitchFamily="18" charset="0"/>
+                          </a:rPr>
+                          <m:t>𝑐</m:t>
+                        </m:r>
+                      </m:sub>
+                    </m:sSub>
+                    <m:r>
+                      <a:rPr lang="en-US" altLang="zh-CN" sz="2200" i="1">
+                        <a:latin typeface="Cambria Math" panose="02040503050406030204" pitchFamily="18" charset="0"/>
+                        <a:ea typeface="Cambria Math" panose="02040503050406030204" pitchFamily="18" charset="0"/>
+                      </a:rPr>
+                      <m:t>×</m:t>
+                    </m:r>
+                    <m:r>
+                      <a:rPr lang="en-US" altLang="zh-CN" sz="2200" i="1">
+                        <a:latin typeface="Cambria Math" panose="02040503050406030204" pitchFamily="18" charset="0"/>
+                      </a:rPr>
+                      <m:t>𝑁</m:t>
+                    </m:r>
+                    <m:r>
+                      <a:rPr lang="en-US" altLang="zh-CN" sz="2200" i="1" baseline="-25000">
+                        <a:latin typeface="Cambria Math" panose="02040503050406030204" pitchFamily="18" charset="0"/>
+                      </a:rPr>
+                      <m:t>𝑡</m:t>
+                    </m:r>
+                    <m:r>
+                      <a:rPr lang="en-US" altLang="zh-CN" sz="2200" i="1">
+                        <a:latin typeface="Cambria Math" panose="02040503050406030204" pitchFamily="18" charset="0"/>
+                        <a:ea typeface="Cambria Math" panose="02040503050406030204" pitchFamily="18" charset="0"/>
+                      </a:rPr>
+                      <m:t>×</m:t>
+                    </m:r>
+                    <m:r>
+                      <a:rPr lang="en-US" altLang="zh-CN" sz="2200" b="0" i="1" smtClean="0">
+                        <a:latin typeface="Cambria Math" panose="02040503050406030204" pitchFamily="18" charset="0"/>
+                      </a:rPr>
+                      <m:t>7.131∗</m:t>
+                    </m:r>
+                    <m:sSup>
+                      <m:sSupPr>
+                        <m:ctrlPr>
+                          <a:rPr lang="en-US" altLang="zh-CN" sz="2200" b="0" i="1" smtClean="0">
+                            <a:latin typeface="Cambria Math" panose="02040503050406030204" pitchFamily="18" charset="0"/>
+                          </a:rPr>
+                        </m:ctrlPr>
+                      </m:sSupPr>
+                      <m:e>
+                        <m:r>
+                          <a:rPr lang="en-US" altLang="zh-CN" sz="2200" b="0" i="1" smtClean="0">
+                            <a:latin typeface="Cambria Math" panose="02040503050406030204" pitchFamily="18" charset="0"/>
+                          </a:rPr>
+                          <m:t>10</m:t>
+                        </m:r>
+                      </m:e>
+                      <m:sup>
+                        <m:r>
+                          <a:rPr lang="en-US" altLang="zh-CN" sz="2200" b="0" i="1" smtClean="0">
+                            <a:latin typeface="Cambria Math" panose="02040503050406030204" pitchFamily="18" charset="0"/>
+                          </a:rPr>
+                          <m:t>−8</m:t>
+                        </m:r>
+                      </m:sup>
+                    </m:sSup>
+                  </m:oMath>
+                </a14:m>
+                <a:r>
+                  <a:rPr lang="en-US" altLang="zh-CN" sz="2200" i="1" baseline="-25000" dirty="0">
+                    <a:latin typeface="微软雅黑" panose="020B0503020204020204" pitchFamily="34" charset="-122"/>
+                    <a:ea typeface="微软雅黑" panose="020B0503020204020204" pitchFamily="34" charset="-122"/>
+                  </a:rPr>
+                  <a:t> </a:t>
+                </a:r>
+                <a14:m>
+                  <m:oMath xmlns:m="http://schemas.openxmlformats.org/officeDocument/2006/math">
+                    <m:r>
+                      <a:rPr lang="en-US" altLang="zh-CN" sz="2200" i="1">
+                        <a:latin typeface="Cambria Math" panose="02040503050406030204" pitchFamily="18" charset="0"/>
+                        <a:ea typeface="Cambria Math" panose="02040503050406030204" pitchFamily="18" charset="0"/>
+                      </a:rPr>
+                      <m:t>+</m:t>
+                    </m:r>
+                    <m:r>
+                      <a:rPr lang="en-US" altLang="zh-CN" sz="2200" b="0" i="1" smtClean="0">
+                        <a:latin typeface="Cambria Math" panose="02040503050406030204" pitchFamily="18" charset="0"/>
+                        <a:ea typeface="Cambria Math" panose="02040503050406030204" pitchFamily="18" charset="0"/>
+                      </a:rPr>
+                      <m:t>5.8∗</m:t>
+                    </m:r>
+                    <m:sSup>
+                      <m:sSupPr>
+                        <m:ctrlPr>
+                          <a:rPr lang="en-US" altLang="zh-CN" sz="2200" b="0" i="1" smtClean="0">
+                            <a:latin typeface="Cambria Math" panose="02040503050406030204" pitchFamily="18" charset="0"/>
+                            <a:ea typeface="Cambria Math" panose="02040503050406030204" pitchFamily="18" charset="0"/>
+                          </a:rPr>
+                        </m:ctrlPr>
+                      </m:sSupPr>
+                      <m:e>
+                        <m:r>
+                          <a:rPr lang="en-US" altLang="zh-CN" sz="2200" b="0" i="1" smtClean="0">
+                            <a:latin typeface="Cambria Math" panose="02040503050406030204" pitchFamily="18" charset="0"/>
+                            <a:ea typeface="Cambria Math" panose="02040503050406030204" pitchFamily="18" charset="0"/>
+                          </a:rPr>
+                          <m:t>10</m:t>
+                        </m:r>
+                      </m:e>
+                      <m:sup>
+                        <m:r>
+                          <a:rPr lang="en-US" altLang="zh-CN" sz="2200" b="0" i="1" smtClean="0">
+                            <a:latin typeface="Cambria Math" panose="02040503050406030204" pitchFamily="18" charset="0"/>
+                            <a:ea typeface="Cambria Math" panose="02040503050406030204" pitchFamily="18" charset="0"/>
+                          </a:rPr>
+                          <m:t>−8</m:t>
+                        </m:r>
+                      </m:sup>
+                    </m:sSup>
+                    <m:r>
+                      <a:rPr lang="en-US" altLang="zh-CN" sz="2200" b="0" i="0" smtClean="0">
+                        <a:latin typeface="Cambria Math" panose="02040503050406030204" pitchFamily="18" charset="0"/>
+                        <a:ea typeface="Cambria Math" panose="02040503050406030204" pitchFamily="18" charset="0"/>
+                      </a:rPr>
+                      <m:t>(</m:t>
+                    </m:r>
+                    <m:sSup>
+                      <m:sSupPr>
+                        <m:ctrlPr>
+                          <a:rPr lang="en-US" altLang="zh-CN" sz="2200" b="0" i="0" smtClean="0">
+                            <a:latin typeface="Cambria Math" panose="02040503050406030204" pitchFamily="18" charset="0"/>
+                            <a:ea typeface="Cambria Math" panose="02040503050406030204" pitchFamily="18" charset="0"/>
+                          </a:rPr>
+                        </m:ctrlPr>
+                      </m:sSupPr>
+                      <m:e>
+                        <m:r>
+                          <m:rPr>
+                            <m:sty m:val="p"/>
+                          </m:rPr>
+                          <a:rPr lang="en-US" altLang="zh-CN" sz="2200" b="0" i="0" smtClean="0">
+                            <a:latin typeface="Cambria Math" panose="02040503050406030204" pitchFamily="18" charset="0"/>
+                            <a:ea typeface="Cambria Math" panose="02040503050406030204" pitchFamily="18" charset="0"/>
+                          </a:rPr>
+                          <m:t>m</m:t>
+                        </m:r>
+                      </m:e>
+                      <m:sup>
+                        <m:r>
+                          <a:rPr lang="en-US" altLang="zh-CN" sz="2200" b="0" i="0" smtClean="0">
+                            <a:latin typeface="Cambria Math" panose="02040503050406030204" pitchFamily="18" charset="0"/>
+                            <a:ea typeface="Cambria Math" panose="02040503050406030204" pitchFamily="18" charset="0"/>
+                          </a:rPr>
+                          <m:t>2</m:t>
+                        </m:r>
+                      </m:sup>
+                    </m:sSup>
+                    <m:r>
+                      <a:rPr lang="en-US" altLang="zh-CN" sz="2200" b="0" i="0" smtClean="0">
+                        <a:latin typeface="Cambria Math" panose="02040503050406030204" pitchFamily="18" charset="0"/>
+                        <a:ea typeface="Cambria Math" panose="02040503050406030204" pitchFamily="18" charset="0"/>
+                      </a:rPr>
+                      <m:t>)</m:t>
+                    </m:r>
+                  </m:oMath>
+                </a14:m>
+                <a:endParaRPr lang="en-US" altLang="zh-CN" sz="2200" dirty="0">
+                  <a:latin typeface="微软雅黑" panose="020B0503020204020204" pitchFamily="34" charset="-122"/>
+                  <a:ea typeface="微软雅黑" panose="020B0503020204020204" pitchFamily="34" charset="-122"/>
+                </a:endParaRPr>
+              </a:p>
+              <a:p>
+                <a:pPr marL="457200" lvl="1" indent="0">
+                  <a:buNone/>
+                </a:pPr>
+                <a:r>
+                  <a:rPr lang="en-US" altLang="zh-CN" dirty="0" smtClean="0">
+                    <a:latin typeface="微软雅黑" panose="020B0503020204020204" pitchFamily="34" charset="-122"/>
+                    <a:ea typeface="微软雅黑" panose="020B0503020204020204" pitchFamily="34" charset="-122"/>
+                  </a:rPr>
+                  <a:t>Accuracy</a:t>
+                </a:r>
+                <a:endParaRPr lang="en-US" altLang="zh-CN" dirty="0">
+                  <a:latin typeface="微软雅黑" panose="020B0503020204020204" pitchFamily="34" charset="-122"/>
+                  <a:ea typeface="微软雅黑" panose="020B0503020204020204" pitchFamily="34" charset="-122"/>
+                </a:endParaRPr>
+              </a:p>
+              <a:p>
+                <a:pPr lvl="1"/>
+                <a:r>
+                  <a:rPr lang="en-US" altLang="zh-CN" dirty="0" err="1">
+                    <a:latin typeface="微软雅黑" panose="020B0503020204020204" pitchFamily="34" charset="-122"/>
+                    <a:ea typeface="微软雅黑" panose="020B0503020204020204" pitchFamily="34" charset="-122"/>
+                  </a:rPr>
+                  <a:t>Acc</a:t>
+                </a:r>
+                <a:r>
+                  <a:rPr lang="en-US" altLang="zh-CN" dirty="0">
+                    <a:latin typeface="微软雅黑" panose="020B0503020204020204" pitchFamily="34" charset="-122"/>
+                    <a:ea typeface="微软雅黑" panose="020B0503020204020204" pitchFamily="34" charset="-122"/>
+                  </a:rPr>
+                  <a:t>(</a:t>
+                </a:r>
+                <a:r>
+                  <a:rPr lang="en-US" altLang="zh-CN" dirty="0" err="1">
+                    <a:latin typeface="微软雅黑" panose="020B0503020204020204" pitchFamily="34" charset="-122"/>
+                    <a:ea typeface="微软雅黑" panose="020B0503020204020204" pitchFamily="34" charset="-122"/>
+                  </a:rPr>
+                  <a:t>Gnet</a:t>
+                </a:r>
+                <a:r>
+                  <a:rPr lang="en-US" altLang="zh-CN" dirty="0">
+                    <a:latin typeface="微软雅黑" panose="020B0503020204020204" pitchFamily="34" charset="-122"/>
+                    <a:ea typeface="微软雅黑" panose="020B0503020204020204" pitchFamily="34" charset="-122"/>
+                  </a:rPr>
+                  <a:t>(B,D, ACT, AGG), q) (</a:t>
+                </a:r>
+                <a:r>
+                  <a:rPr lang="zh-CN" altLang="en-US" dirty="0">
+                    <a:latin typeface="微软雅黑" panose="020B0503020204020204" pitchFamily="34" charset="-122"/>
+                    <a:ea typeface="微软雅黑" panose="020B0503020204020204" pitchFamily="34" charset="-122"/>
+                  </a:rPr>
+                  <a:t>准确率与</a:t>
+                </a:r>
+                <a:r>
+                  <a:rPr lang="en-US" altLang="zh-CN" dirty="0">
+                    <a:latin typeface="微软雅黑" panose="020B0503020204020204" pitchFamily="34" charset="-122"/>
+                    <a:ea typeface="微软雅黑" panose="020B0503020204020204" pitchFamily="34" charset="-122"/>
+                  </a:rPr>
+                  <a:t>GNN</a:t>
+                </a:r>
+                <a:r>
+                  <a:rPr lang="zh-CN" altLang="en-US" dirty="0">
+                    <a:latin typeface="微软雅黑" panose="020B0503020204020204" pitchFamily="34" charset="-122"/>
+                    <a:ea typeface="微软雅黑" panose="020B0503020204020204" pitchFamily="34" charset="-122"/>
+                  </a:rPr>
+                  <a:t>网络结构和</a:t>
+                </a:r>
+                <a:r>
+                  <a:rPr lang="en-US" altLang="zh-CN" dirty="0">
+                    <a:latin typeface="微软雅黑" panose="020B0503020204020204" pitchFamily="34" charset="-122"/>
+                    <a:ea typeface="微软雅黑" panose="020B0503020204020204" pitchFamily="34" charset="-122"/>
+                  </a:rPr>
+                  <a:t>quantization</a:t>
+                </a:r>
+                <a:r>
+                  <a:rPr lang="zh-CN" altLang="en-US" dirty="0">
+                    <a:latin typeface="微软雅黑" panose="020B0503020204020204" pitchFamily="34" charset="-122"/>
+                    <a:ea typeface="微软雅黑" panose="020B0503020204020204" pitchFamily="34" charset="-122"/>
+                  </a:rPr>
+                  <a:t>相关</a:t>
+                </a:r>
+                <a:r>
+                  <a:rPr lang="en-US" altLang="zh-CN" dirty="0">
+                    <a:latin typeface="微软雅黑" panose="020B0503020204020204" pitchFamily="34" charset="-122"/>
+                    <a:ea typeface="微软雅黑" panose="020B0503020204020204" pitchFamily="34" charset="-122"/>
+                  </a:rPr>
+                  <a:t>)</a:t>
+                </a:r>
+              </a:p>
+              <a:p>
+                <a:pPr lvl="1"/>
+                <a:r>
+                  <a:rPr lang="zh-CN" altLang="en-US" dirty="0">
+                    <a:latin typeface="微软雅黑" panose="020B0503020204020204" pitchFamily="34" charset="-122"/>
+                    <a:ea typeface="微软雅黑" panose="020B0503020204020204" pitchFamily="34" charset="-122"/>
+                  </a:rPr>
+                  <a:t>其中</a:t>
+                </a:r>
+                <a:r>
+                  <a:rPr lang="en-US" altLang="zh-CN" dirty="0" err="1">
+                    <a:latin typeface="微软雅黑" panose="020B0503020204020204" pitchFamily="34" charset="-122"/>
+                    <a:ea typeface="微软雅黑" panose="020B0503020204020204" pitchFamily="34" charset="-122"/>
+                  </a:rPr>
+                  <a:t>Acc</a:t>
+                </a:r>
+                <a:r>
+                  <a:rPr lang="zh-CN" altLang="en-US" dirty="0">
+                    <a:latin typeface="微软雅黑" panose="020B0503020204020204" pitchFamily="34" charset="-122"/>
+                    <a:ea typeface="微软雅黑" panose="020B0503020204020204" pitchFamily="34" charset="-122"/>
+                  </a:rPr>
+                  <a:t>是一个以</a:t>
+                </a:r>
+                <a:r>
+                  <a:rPr lang="en-US" altLang="zh-CN" dirty="0">
+                    <a:latin typeface="微软雅黑" panose="020B0503020204020204" pitchFamily="34" charset="-122"/>
+                    <a:ea typeface="微软雅黑" panose="020B0503020204020204" pitchFamily="34" charset="-122"/>
+                  </a:rPr>
+                  <a:t>[B, D, ACT, AGG, q]</a:t>
+                </a:r>
+                <a:r>
+                  <a:rPr lang="zh-CN" altLang="en-US" dirty="0">
+                    <a:latin typeface="微软雅黑" panose="020B0503020204020204" pitchFamily="34" charset="-122"/>
+                    <a:ea typeface="微软雅黑" panose="020B0503020204020204" pitchFamily="34" charset="-122"/>
+                  </a:rPr>
+                  <a:t>为自变量，</a:t>
+                </a:r>
+                <a:r>
+                  <a:rPr lang="en-US" altLang="zh-CN" dirty="0">
+                    <a:latin typeface="微软雅黑" panose="020B0503020204020204" pitchFamily="34" charset="-122"/>
+                    <a:ea typeface="微软雅黑" panose="020B0503020204020204" pitchFamily="34" charset="-122"/>
+                  </a:rPr>
+                  <a:t>GNN</a:t>
+                </a:r>
+                <a:r>
+                  <a:rPr lang="zh-CN" altLang="en-US" dirty="0">
+                    <a:latin typeface="微软雅黑" panose="020B0503020204020204" pitchFamily="34" charset="-122"/>
+                    <a:ea typeface="微软雅黑" panose="020B0503020204020204" pitchFamily="34" charset="-122"/>
+                  </a:rPr>
+                  <a:t>在目标数据集上的准确率</a:t>
+                </a:r>
+                <a:r>
+                  <a:rPr lang="en-US" altLang="zh-CN" dirty="0">
+                    <a:latin typeface="微软雅黑" panose="020B0503020204020204" pitchFamily="34" charset="-122"/>
+                    <a:ea typeface="微软雅黑" panose="020B0503020204020204" pitchFamily="34" charset="-122"/>
+                  </a:rPr>
+                  <a:t>accuracy</a:t>
+                </a:r>
+                <a:r>
+                  <a:rPr lang="zh-CN" altLang="en-US" dirty="0">
+                    <a:latin typeface="微软雅黑" panose="020B0503020204020204" pitchFamily="34" charset="-122"/>
+                    <a:ea typeface="微软雅黑" panose="020B0503020204020204" pitchFamily="34" charset="-122"/>
+                  </a:rPr>
+                  <a:t>为因变量的函数（拟合得到）</a:t>
+                </a:r>
+                <a:r>
+                  <a:rPr lang="en-US" altLang="zh-CN" dirty="0">
+                    <a:latin typeface="微软雅黑" panose="020B0503020204020204" pitchFamily="34" charset="-122"/>
+                    <a:ea typeface="微软雅黑" panose="020B0503020204020204" pitchFamily="34" charset="-122"/>
+                  </a:rPr>
+                  <a:t> </a:t>
+                </a:r>
+              </a:p>
+              <a:p>
+                <a:r>
+                  <a:rPr lang="en-US" altLang="zh-CN" dirty="0" smtClean="0">
+                    <a:latin typeface="微软雅黑" panose="020B0503020204020204" pitchFamily="34" charset="-122"/>
+                    <a:ea typeface="微软雅黑" panose="020B0503020204020204" pitchFamily="34" charset="-122"/>
+                  </a:rPr>
+                  <a:t>  Power</a:t>
+                </a:r>
+                <a:endParaRPr lang="en-US" altLang="zh-CN" dirty="0">
+                  <a:latin typeface="微软雅黑" panose="020B0503020204020204" pitchFamily="34" charset="-122"/>
+                  <a:ea typeface="微软雅黑" panose="020B0503020204020204" pitchFamily="34" charset="-122"/>
+                </a:endParaRPr>
+              </a:p>
+              <a:p>
+                <a:pPr lvl="1"/>
+                <a:r>
+                  <a:rPr lang="en-US" altLang="zh-CN" sz="2200" i="1" dirty="0">
+                    <a:latin typeface="Cambria Math" panose="02040503050406030204" pitchFamily="18" charset="0"/>
+                  </a:rPr>
+                  <a:t>P</a:t>
+                </a:r>
+                <a14:m>
+                  <m:oMath xmlns:m="http://schemas.openxmlformats.org/officeDocument/2006/math">
+                    <m:r>
+                      <a:rPr lang="en-US" altLang="zh-CN" sz="2200" i="1">
+                        <a:latin typeface="Cambria Math" panose="02040503050406030204" pitchFamily="18" charset="0"/>
+                      </a:rPr>
+                      <m:t> = </m:t>
+                    </m:r>
+                    <m:sSubSup>
+                      <m:sSubSupPr>
+                        <m:ctrlPr>
+                          <a:rPr lang="en-US" altLang="zh-CN" sz="2200" i="1">
+                            <a:latin typeface="Cambria Math" panose="02040503050406030204" pitchFamily="18" charset="0"/>
+                          </a:rPr>
+                        </m:ctrlPr>
+                      </m:sSubSupPr>
+                      <m:e>
+                        <m:r>
+                          <a:rPr lang="en-US" altLang="zh-CN" sz="2200" i="1">
+                            <a:latin typeface="Cambria Math" panose="02040503050406030204" pitchFamily="18" charset="0"/>
+                          </a:rPr>
+                          <m:t>𝑃</m:t>
+                        </m:r>
+                      </m:e>
+                      <m:sub>
+                        <m:r>
+                          <m:rPr>
+                            <m:sty m:val="p"/>
+                          </m:rPr>
+                          <a:rPr lang="en-US" altLang="zh-CN" sz="2200" i="1">
+                            <a:latin typeface="Cambria Math" panose="02040503050406030204" pitchFamily="18" charset="0"/>
+                          </a:rPr>
+                          <m:t>tile</m:t>
+                        </m:r>
+                      </m:sub>
+                      <m:sup>
+                        <m:r>
+                          <a:rPr lang="en-US" altLang="zh-CN" sz="2200" i="1">
+                            <a:latin typeface="Cambria Math" panose="02040503050406030204" pitchFamily="18" charset="0"/>
+                          </a:rPr>
+                          <m:t>𝑇</m:t>
+                        </m:r>
+                        <m:r>
+                          <m:rPr>
+                            <m:sty m:val="p"/>
+                          </m:rPr>
+                          <a:rPr lang="en-US" altLang="zh-CN" sz="2200" i="1">
+                            <a:latin typeface="Cambria Math" panose="02040503050406030204" pitchFamily="18" charset="0"/>
+                          </a:rPr>
+                          <m:t>ot</m:t>
+                        </m:r>
+                      </m:sup>
+                    </m:sSubSup>
+                    <m:r>
+                      <a:rPr lang="en-US" altLang="zh-CN" sz="2200" i="1">
+                        <a:latin typeface="Cambria Math" panose="02040503050406030204" pitchFamily="18" charset="0"/>
+                      </a:rPr>
+                      <m:t>+</m:t>
+                    </m:r>
+                    <m:sSubSup>
+                      <m:sSubSupPr>
+                        <m:ctrlPr>
+                          <a:rPr lang="en-US" altLang="zh-CN" sz="2200" i="1">
+                            <a:latin typeface="Cambria Math" panose="02040503050406030204" pitchFamily="18" charset="0"/>
+                          </a:rPr>
+                        </m:ctrlPr>
+                      </m:sSubSupPr>
+                      <m:e>
+                        <m:r>
+                          <a:rPr lang="en-US" altLang="zh-CN" sz="2200" i="1">
+                            <a:latin typeface="Cambria Math" panose="02040503050406030204" pitchFamily="18" charset="0"/>
+                          </a:rPr>
+                          <m:t>𝑃</m:t>
+                        </m:r>
+                      </m:e>
+                      <m:sub>
+                        <m:r>
+                          <a:rPr lang="en-US" altLang="zh-CN" sz="2200" i="1">
+                            <a:latin typeface="Cambria Math" panose="02040503050406030204" pitchFamily="18" charset="0"/>
+                          </a:rPr>
+                          <m:t>𝑟𝑜𝑢𝑡𝑒𝑟</m:t>
+                        </m:r>
+                      </m:sub>
+                      <m:sup>
+                        <m:r>
+                          <a:rPr lang="en-US" altLang="zh-CN" sz="2200" i="1">
+                            <a:latin typeface="Cambria Math" panose="02040503050406030204" pitchFamily="18" charset="0"/>
+                          </a:rPr>
+                          <m:t>𝑇</m:t>
+                        </m:r>
+                        <m:r>
+                          <m:rPr>
+                            <m:sty m:val="p"/>
+                          </m:rPr>
+                          <a:rPr lang="en-US" altLang="zh-CN" sz="2200" i="1">
+                            <a:latin typeface="Cambria Math" panose="02040503050406030204" pitchFamily="18" charset="0"/>
+                          </a:rPr>
+                          <m:t>ot</m:t>
+                        </m:r>
+                      </m:sup>
+                    </m:sSubSup>
+                    <m:r>
+                      <a:rPr lang="en-US" altLang="zh-CN" sz="2200" i="1">
+                        <a:latin typeface="Cambria Math" panose="02040503050406030204" pitchFamily="18" charset="0"/>
+                      </a:rPr>
+                      <m:t>+</m:t>
+                    </m:r>
+                    <m:sSub>
+                      <m:sSubPr>
+                        <m:ctrlPr>
+                          <a:rPr lang="en-US" altLang="zh-CN" sz="2200" i="1">
+                            <a:latin typeface="Cambria Math" panose="02040503050406030204" pitchFamily="18" charset="0"/>
+                          </a:rPr>
+                        </m:ctrlPr>
+                      </m:sSubPr>
+                      <m:e>
+                        <m:r>
+                          <a:rPr lang="en-US" altLang="zh-CN" sz="2200" i="1">
+                            <a:latin typeface="Cambria Math" panose="02040503050406030204" pitchFamily="18" charset="0"/>
+                          </a:rPr>
+                          <m:t>𝑃</m:t>
+                        </m:r>
+                      </m:e>
+                      <m:sub>
+                        <m:r>
+                          <a:rPr lang="en-US" altLang="zh-CN" sz="2200" i="1">
+                            <a:latin typeface="Cambria Math" panose="02040503050406030204" pitchFamily="18" charset="0"/>
+                          </a:rPr>
+                          <m:t>𝑝𝑒𝑟𝑖𝑝h𝑒𝑟𝑦</m:t>
+                        </m:r>
+                      </m:sub>
+                    </m:sSub>
+                  </m:oMath>
+                </a14:m>
+                <a:endParaRPr lang="en-US" altLang="zh-CN" sz="2200" i="1" dirty="0">
+                  <a:latin typeface="Cambria Math" panose="02040503050406030204" pitchFamily="18" charset="0"/>
+                </a:endParaRPr>
+              </a:p>
+              <a:p>
+                <a:pPr marL="457200" lvl="1" indent="0">
+                  <a:buFont typeface="Arial" panose="020B0604020202020204" pitchFamily="34" charset="0"/>
+                  <a:buNone/>
+                </a:pPr>
+                <a:r>
+                  <a:rPr lang="en-US" altLang="zh-CN" sz="2200" i="1" dirty="0">
+                    <a:latin typeface="Cambria Math" panose="02040503050406030204" pitchFamily="18" charset="0"/>
+                  </a:rPr>
+                  <a:t>    </a:t>
+                </a:r>
+                <a14:m>
+                  <m:oMath xmlns:m="http://schemas.openxmlformats.org/officeDocument/2006/math">
+                    <m:r>
+                      <a:rPr lang="en-US" altLang="zh-CN" sz="2200" i="1">
+                        <a:latin typeface="Cambria Math" panose="02040503050406030204" pitchFamily="18" charset="0"/>
+                      </a:rPr>
+                      <m:t>    =</m:t>
+                    </m:r>
+                    <m:sSub>
+                      <m:sSubPr>
+                        <m:ctrlPr>
+                          <a:rPr lang="en-US" altLang="zh-CN" sz="2200" i="1">
+                            <a:latin typeface="Cambria Math" panose="02040503050406030204" pitchFamily="18" charset="0"/>
+                          </a:rPr>
+                        </m:ctrlPr>
+                      </m:sSubPr>
+                      <m:e>
+                        <m:r>
+                          <a:rPr lang="en-US" altLang="zh-CN" sz="2200" i="1">
+                            <a:latin typeface="Cambria Math" panose="02040503050406030204" pitchFamily="18" charset="0"/>
+                          </a:rPr>
+                          <m:t>𝑁</m:t>
+                        </m:r>
+                      </m:e>
+                      <m:sub>
+                        <m:r>
+                          <a:rPr lang="en-US" altLang="zh-CN" sz="2200" i="1">
+                            <a:latin typeface="Cambria Math" panose="02040503050406030204" pitchFamily="18" charset="0"/>
+                          </a:rPr>
+                          <m:t>𝑐</m:t>
+                        </m:r>
+                      </m:sub>
+                    </m:sSub>
+                    <m:r>
+                      <a:rPr lang="en-US" altLang="zh-CN" sz="2200" i="1">
+                        <a:latin typeface="Cambria Math" panose="02040503050406030204" pitchFamily="18" charset="0"/>
+                      </a:rPr>
+                      <m:t>×</m:t>
+                    </m:r>
+                    <m:sSub>
+                      <m:sSubPr>
+                        <m:ctrlPr>
+                          <a:rPr lang="en-US" altLang="zh-CN" sz="2200" b="0" i="1" smtClean="0">
+                            <a:latin typeface="Cambria Math" panose="02040503050406030204" pitchFamily="18" charset="0"/>
+                          </a:rPr>
+                        </m:ctrlPr>
+                      </m:sSubPr>
+                      <m:e>
+                        <m:r>
+                          <a:rPr lang="en-US" altLang="zh-CN" sz="2200" i="1">
+                            <a:latin typeface="Cambria Math" panose="02040503050406030204" pitchFamily="18" charset="0"/>
+                          </a:rPr>
+                          <m:t>𝑁</m:t>
+                        </m:r>
+                      </m:e>
+                      <m:sub>
+                        <m:r>
+                          <a:rPr lang="en-US" altLang="zh-CN" sz="2200" b="0" i="1" smtClean="0">
+                            <a:latin typeface="Cambria Math" panose="02040503050406030204" pitchFamily="18" charset="0"/>
+                          </a:rPr>
+                          <m:t>𝑡</m:t>
+                        </m:r>
+                      </m:sub>
+                    </m:sSub>
+                    <m:r>
+                      <a:rPr lang="en-US" altLang="zh-CN" sz="2200" i="1" smtClean="0">
+                        <a:latin typeface="Cambria Math" panose="02040503050406030204" pitchFamily="18" charset="0"/>
+                      </a:rPr>
+                      <m:t>×</m:t>
+                    </m:r>
+                    <m:sSub>
+                      <m:sSubPr>
+                        <m:ctrlPr>
+                          <a:rPr lang="en-US" altLang="zh-CN" sz="2200" i="1">
+                            <a:latin typeface="Cambria Math" panose="02040503050406030204" pitchFamily="18" charset="0"/>
+                          </a:rPr>
+                        </m:ctrlPr>
+                      </m:sSubPr>
+                      <m:e>
+                        <m:r>
+                          <a:rPr lang="en-US" altLang="zh-CN" sz="2200" i="1">
+                            <a:latin typeface="Cambria Math" panose="02040503050406030204" pitchFamily="18" charset="0"/>
+                          </a:rPr>
+                          <m:t>𝑃</m:t>
+                        </m:r>
+                      </m:e>
+                      <m:sub>
+                        <m:r>
+                          <a:rPr lang="en-US" altLang="zh-CN" sz="2200" i="1">
+                            <a:latin typeface="Cambria Math" panose="02040503050406030204" pitchFamily="18" charset="0"/>
+                          </a:rPr>
+                          <m:t>𝑡𝑖𝑙𝑒</m:t>
+                        </m:r>
+                      </m:sub>
+                    </m:sSub>
+                  </m:oMath>
+                </a14:m>
+                <a:r>
+                  <a:rPr lang="en-US" altLang="zh-CN" sz="2200" i="1" dirty="0">
+                    <a:latin typeface="Cambria Math" panose="02040503050406030204" pitchFamily="18" charset="0"/>
+                  </a:rPr>
+                  <a:t> </a:t>
+                </a:r>
+                <a14:m>
+                  <m:oMath xmlns:m="http://schemas.openxmlformats.org/officeDocument/2006/math">
+                    <m:sSub>
+                      <m:sSubPr>
+                        <m:ctrlPr>
+                          <a:rPr lang="en-US" altLang="zh-CN" sz="2200" i="1">
+                            <a:latin typeface="Cambria Math" panose="02040503050406030204" pitchFamily="18" charset="0"/>
+                          </a:rPr>
+                        </m:ctrlPr>
+                      </m:sSubPr>
+                      <m:e>
+                        <m:r>
+                          <a:rPr lang="en-US" altLang="zh-CN" sz="2200" i="1">
+                            <a:latin typeface="Cambria Math" panose="02040503050406030204" pitchFamily="18" charset="0"/>
+                          </a:rPr>
+                          <m:t>+</m:t>
+                        </m:r>
+                        <m:r>
+                          <a:rPr lang="en-US" altLang="zh-CN" sz="2200" i="1">
+                            <a:latin typeface="Cambria Math" panose="02040503050406030204" pitchFamily="18" charset="0"/>
+                          </a:rPr>
+                          <m:t>𝑁</m:t>
+                        </m:r>
+                      </m:e>
+                      <m:sub>
+                        <m:r>
+                          <a:rPr lang="en-US" altLang="zh-CN" sz="2200" i="1">
+                            <a:latin typeface="Cambria Math" panose="02040503050406030204" pitchFamily="18" charset="0"/>
+                          </a:rPr>
+                          <m:t>𝑐</m:t>
+                        </m:r>
+                      </m:sub>
+                    </m:sSub>
+                    <m:r>
+                      <a:rPr lang="en-US" altLang="zh-CN" sz="2200" i="1">
+                        <a:latin typeface="Cambria Math" panose="02040503050406030204" pitchFamily="18" charset="0"/>
+                      </a:rPr>
+                      <m:t>×</m:t>
+                    </m:r>
+                    <m:sSub>
+                      <m:sSubPr>
+                        <m:ctrlPr>
+                          <a:rPr lang="en-US" altLang="zh-CN" sz="2200" b="0" i="1" smtClean="0">
+                            <a:latin typeface="Cambria Math" panose="02040503050406030204" pitchFamily="18" charset="0"/>
+                          </a:rPr>
+                        </m:ctrlPr>
+                      </m:sSubPr>
+                      <m:e>
+                        <m:r>
+                          <a:rPr lang="en-US" altLang="zh-CN" sz="2200" i="1">
+                            <a:latin typeface="Cambria Math" panose="02040503050406030204" pitchFamily="18" charset="0"/>
+                          </a:rPr>
+                          <m:t>𝑁</m:t>
+                        </m:r>
+                      </m:e>
+                      <m:sub>
+                        <m:r>
+                          <a:rPr lang="en-US" altLang="zh-CN" sz="2200" b="0" i="1" smtClean="0">
+                            <a:latin typeface="Cambria Math" panose="02040503050406030204" pitchFamily="18" charset="0"/>
+                          </a:rPr>
+                          <m:t>𝑡</m:t>
+                        </m:r>
+                      </m:sub>
+                    </m:sSub>
+                    <m:r>
+                      <a:rPr lang="en-US" altLang="zh-CN" sz="2200" i="1">
+                        <a:latin typeface="Cambria Math" panose="02040503050406030204" pitchFamily="18" charset="0"/>
+                      </a:rPr>
+                      <m:t> ×</m:t>
+                    </m:r>
+                    <m:r>
+                      <a:rPr lang="en-US" altLang="zh-CN" sz="2200" b="0" i="1" smtClean="0">
+                        <a:latin typeface="Cambria Math" panose="02040503050406030204" pitchFamily="18" charset="0"/>
+                      </a:rPr>
+                      <m:t>3.188∗</m:t>
+                    </m:r>
+                    <m:sSup>
+                      <m:sSupPr>
+                        <m:ctrlPr>
+                          <a:rPr lang="en-US" altLang="zh-CN" sz="2200" b="0" i="1" smtClean="0">
+                            <a:latin typeface="Cambria Math" panose="02040503050406030204" pitchFamily="18" charset="0"/>
+                          </a:rPr>
+                        </m:ctrlPr>
+                      </m:sSupPr>
+                      <m:e>
+                        <m:r>
+                          <a:rPr lang="en-US" altLang="zh-CN" sz="2200" b="0" i="1" smtClean="0">
+                            <a:latin typeface="Cambria Math" panose="02040503050406030204" pitchFamily="18" charset="0"/>
+                          </a:rPr>
+                          <m:t>10</m:t>
+                        </m:r>
+                      </m:e>
+                      <m:sup>
+                        <m:r>
+                          <a:rPr lang="en-US" altLang="zh-CN" sz="2200" b="0" i="1" smtClean="0">
+                            <a:latin typeface="Cambria Math" panose="02040503050406030204" pitchFamily="18" charset="0"/>
+                          </a:rPr>
+                          <m:t>−2</m:t>
+                        </m:r>
+                      </m:sup>
+                    </m:sSup>
+                  </m:oMath>
+                </a14:m>
+                <a:r>
+                  <a:rPr lang="en-US" altLang="zh-CN" sz="2200" i="1" dirty="0">
+                    <a:latin typeface="Cambria Math" panose="02040503050406030204" pitchFamily="18" charset="0"/>
+                  </a:rPr>
+                  <a:t> </a:t>
+                </a:r>
+                <a14:m>
+                  <m:oMath xmlns:m="http://schemas.openxmlformats.org/officeDocument/2006/math">
+                    <m:r>
+                      <a:rPr lang="en-US" altLang="zh-CN" sz="2200" i="1">
+                        <a:latin typeface="Cambria Math" panose="02040503050406030204" pitchFamily="18" charset="0"/>
+                      </a:rPr>
+                      <m:t>+</m:t>
+                    </m:r>
+                    <m:sSub>
+                      <m:sSubPr>
+                        <m:ctrlPr>
+                          <a:rPr lang="en-US" altLang="zh-CN" sz="2200" i="1">
+                            <a:latin typeface="Cambria Math" panose="02040503050406030204" pitchFamily="18" charset="0"/>
+                          </a:rPr>
+                        </m:ctrlPr>
+                      </m:sSubPr>
+                      <m:e>
+                        <m:r>
+                          <a:rPr lang="en-US" altLang="zh-CN" sz="2200" i="1">
+                            <a:latin typeface="Cambria Math" panose="02040503050406030204" pitchFamily="18" charset="0"/>
+                          </a:rPr>
+                          <m:t>𝑃</m:t>
+                        </m:r>
+                      </m:e>
+                      <m:sub>
+                        <m:r>
+                          <a:rPr lang="en-US" altLang="zh-CN" sz="2200" i="1">
+                            <a:latin typeface="Cambria Math" panose="02040503050406030204" pitchFamily="18" charset="0"/>
+                          </a:rPr>
+                          <m:t>𝑝𝑒𝑟𝑖𝑝h𝑒𝑟𝑦</m:t>
+                        </m:r>
+                      </m:sub>
+                    </m:sSub>
+                  </m:oMath>
+                </a14:m>
+                <a:r>
+                  <a:rPr lang="en-US" altLang="zh-CN" sz="2200" dirty="0" smtClean="0">
+                    <a:latin typeface="Cambria Math" panose="02040503050406030204" pitchFamily="18" charset="0"/>
+                  </a:rPr>
+                  <a:t>()</a:t>
+                </a:r>
+                <a:endParaRPr lang="en-US" altLang="zh-CN" sz="2200" dirty="0">
+                  <a:latin typeface="Cambria Math" panose="02040503050406030204" pitchFamily="18" charset="0"/>
+                </a:endParaRPr>
+              </a:p>
+            </p:txBody>
+          </p:sp>
+        </mc:Choice>
+        <mc:Fallback>
+          <p:sp>
+            <p:nvSpPr>
+              <p:cNvPr id="7" name="内容占位符 2"/>
+              <p:cNvSpPr>
+                <a:spLocks noGrp="1" noRot="1" noChangeAspect="1" noMove="1" noResize="1" noEditPoints="1" noAdjustHandles="1" noChangeArrowheads="1" noChangeShapeType="1" noTextEdit="1"/>
+              </p:cNvSpPr>
+              <p:nvPr>
+                <p:ph idx="1"/>
+              </p:nvPr>
+            </p:nvSpPr>
+            <p:spPr>
+              <a:xfrm>
+                <a:off x="577850" y="1260974"/>
+                <a:ext cx="10515600" cy="4698005"/>
+              </a:xfrm>
+              <a:blipFill rotWithShape="0">
+                <a:blip r:embed="rId3"/>
+                <a:stretch>
+                  <a:fillRect l="-1043" t="-3243"/>
+                </a:stretch>
+              </a:blipFill>
+            </p:spPr>
+            <p:txBody>
+              <a:bodyPr/>
+              <a:lstStyle/>
+              <a:p>
+                <a:r>
+                  <a:rPr lang="zh-CN" altLang="en-US">
+                    <a:noFill/>
+                  </a:rPr>
+                  <a:t> </a:t>
+                </a:r>
+              </a:p>
+            </p:txBody>
+          </p:sp>
+        </mc:Fallback>
+      </mc:AlternateContent>
+      <p:sp>
+        <p:nvSpPr>
+          <p:cNvPr id="2" name="标题 1"/>
+          <p:cNvSpPr>
+            <a:spLocks noGrp="1"/>
+          </p:cNvSpPr>
+          <p:nvPr>
+            <p:ph type="title"/>
+          </p:nvPr>
+        </p:nvSpPr>
+        <p:spPr/>
+        <p:txBody>
+          <a:bodyPr/>
+          <a:lstStyle/>
+          <a:p>
+            <a:r>
+              <a:rPr lang="en-US" altLang="zh-CN" b="1" dirty="0" smtClean="0"/>
+              <a:t>Constraints</a:t>
+            </a:r>
+            <a:endParaRPr lang="zh-CN" altLang="en-US" b="1" dirty="0"/>
+          </a:p>
+        </p:txBody>
+      </p:sp>
+      <p:sp>
+        <p:nvSpPr>
+          <p:cNvPr id="11" name="灯片编号占位符 10"/>
+          <p:cNvSpPr>
+            <a:spLocks noGrp="1"/>
+          </p:cNvSpPr>
+          <p:nvPr>
+            <p:ph type="sldNum" sz="quarter" idx="12"/>
+          </p:nvPr>
+        </p:nvSpPr>
+        <p:spPr/>
+        <p:txBody>
+          <a:bodyPr/>
+          <a:lstStyle/>
+          <a:p>
+            <a:fld id="{C102C7BA-A18E-41F7-855F-B9281AA705A6}" type="slidenum">
+              <a:rPr lang="zh-CN" altLang="en-US" smtClean="0"/>
+              <a:t>13</a:t>
+            </a:fld>
+            <a:endParaRPr lang="zh-CN" altLang="en-US" dirty="0"/>
+          </a:p>
+        </p:txBody>
+      </p:sp>
+      <p:pic>
+        <p:nvPicPr>
+          <p:cNvPr id="12" name="图片 11" descr="31393938393834313b31393939353234333bcbaed6e9d0ce"/>
+          <p:cNvPicPr>
+            <a:picLocks noChangeAspect="1"/>
+          </p:cNvPicPr>
+          <p:nvPr/>
+        </p:nvPicPr>
+        <p:blipFill>
+          <a:blip r:embed="rId4">
+            <a:extLst>
+              <a:ext uri="{96DAC541-7B7A-43D3-8B79-37D633B846F1}">
+                <asvg:svgBlip xmlns:asvg="http://schemas.microsoft.com/office/drawing/2016/SVG/main" xmlns="" r:embed="rId5"/>
+              </a:ext>
+            </a:extLst>
+          </a:blip>
+          <a:stretch>
+            <a:fillRect/>
+          </a:stretch>
+        </p:blipFill>
+        <p:spPr>
+          <a:xfrm flipH="1">
+            <a:off x="676275" y="1247746"/>
+            <a:ext cx="243205" cy="243205"/>
+          </a:xfrm>
+          <a:prstGeom prst="rect">
+            <a:avLst/>
+          </a:prstGeom>
+        </p:spPr>
+      </p:pic>
+      <p:pic>
+        <p:nvPicPr>
+          <p:cNvPr id="9" name="图片 8" descr="31393938393834313b31393939353234333bcbaed6e9d0ce"/>
+          <p:cNvPicPr>
+            <a:picLocks noChangeAspect="1"/>
+          </p:cNvPicPr>
+          <p:nvPr/>
+        </p:nvPicPr>
+        <p:blipFill>
+          <a:blip r:embed="rId4">
+            <a:extLst>
+              <a:ext uri="{96DAC541-7B7A-43D3-8B79-37D633B846F1}">
+                <asvg:svgBlip xmlns:asvg="http://schemas.microsoft.com/office/drawing/2016/SVG/main" xmlns="" r:embed="rId5"/>
+              </a:ext>
+            </a:extLst>
+          </a:blip>
+          <a:stretch>
+            <a:fillRect/>
+          </a:stretch>
+        </p:blipFill>
+        <p:spPr>
+          <a:xfrm flipH="1">
+            <a:off x="681355" y="3347182"/>
+            <a:ext cx="243205" cy="243205"/>
+          </a:xfrm>
+          <a:prstGeom prst="rect">
+            <a:avLst/>
+          </a:prstGeom>
+        </p:spPr>
+      </p:pic>
+      <p:pic>
+        <p:nvPicPr>
+          <p:cNvPr id="8" name="图片 7" descr="31393938393834313b31393939353234333bcbaed6e9d0ce"/>
+          <p:cNvPicPr>
+            <a:picLocks noChangeAspect="1"/>
+          </p:cNvPicPr>
+          <p:nvPr/>
+        </p:nvPicPr>
+        <p:blipFill>
+          <a:blip r:embed="rId4">
+            <a:extLst>
+              <a:ext uri="{96DAC541-7B7A-43D3-8B79-37D633B846F1}">
+                <asvg:svgBlip xmlns:asvg="http://schemas.microsoft.com/office/drawing/2016/SVG/main" xmlns="" r:embed="rId5"/>
+              </a:ext>
+            </a:extLst>
+          </a:blip>
+          <a:stretch>
+            <a:fillRect/>
+          </a:stretch>
+        </p:blipFill>
+        <p:spPr>
+          <a:xfrm flipH="1">
+            <a:off x="675474" y="4772715"/>
+            <a:ext cx="243205" cy="243205"/>
+          </a:xfrm>
+          <a:prstGeom prst="rect">
+            <a:avLst/>
+          </a:prstGeom>
+        </p:spPr>
+      </p:pic>
+    </p:spTree>
+    <p:extLst>
+      <p:ext uri="{BB962C8B-B14F-4D97-AF65-F5344CB8AC3E}">
+        <p14:creationId xmlns:p14="http://schemas.microsoft.com/office/powerpoint/2010/main" val="878182960"/>
+      </p:ext>
+    </p:extLst>
+  </p:cSld>
+  <p:clrMapOvr>
+    <a:masterClrMapping/>
+  </p:clrMapOvr>
+  <mc:AlternateContent xmlns:mc="http://schemas.openxmlformats.org/markup-compatibility/2006" xmlns:p14="http://schemas.microsoft.com/office/powerpoint/2010/main">
+    <mc:Choice Requires="p14">
+      <p:transition spd="slow" p14:dur="2000" advTm="3640"/>
+    </mc:Choice>
+    <mc:Fallback xmlns="">
+      <p:transition spd="slow" advTm="3640"/>
+    </mc:Fallback>
+  </mc:AlternateContent>
+  <p:timing>
+    <p:tnLst>
+      <p:par>
+        <p:cTn id="1" dur="indefinite" restart="never" nodeType="tmRoot"/>
+      </p:par>
+    </p:tnLst>
+  </p:timing>
+</p:sld>
+</file>
+
+<file path=ppt/slides/slide14.xml><?xml version="1.0" encoding="utf-8"?>
 <p:sld xmlns:a="http://schemas.openxmlformats.org/drawingml/2006/main" xmlns:r="http://schemas.openxmlformats.org/officeDocument/2006/relationships" xmlns:p="http://schemas.openxmlformats.org/presentationml/2006/main">
   <p:cSld>
     <p:spTree>
@@ -11152,7 +12491,7 @@
           <a:p>
             <a:fld id="{C102C7BA-A18E-41F7-855F-B9281AA705A6}" type="slidenum">
               <a:rPr lang="zh-CN" altLang="en-US" smtClean="0"/>
-              <a:t>13</a:t>
+              <a:t>14</a:t>
             </a:fld>
             <a:endParaRPr lang="zh-CN" altLang="en-US" dirty="0"/>
           </a:p>
@@ -11263,747 +12602,6 @@
     <p:extLst>
       <p:ext uri="{BB962C8B-B14F-4D97-AF65-F5344CB8AC3E}">
         <p14:creationId xmlns:p14="http://schemas.microsoft.com/office/powerpoint/2010/main" val="1665172392"/>
-      </p:ext>
-    </p:extLst>
-  </p:cSld>
-  <p:clrMapOvr>
-    <a:masterClrMapping/>
-  </p:clrMapOvr>
-  <mc:AlternateContent xmlns:mc="http://schemas.openxmlformats.org/markup-compatibility/2006" xmlns:p14="http://schemas.microsoft.com/office/powerpoint/2010/main">
-    <mc:Choice Requires="p14">
-      <p:transition spd="slow" p14:dur="2000" advTm="3640"/>
-    </mc:Choice>
-    <mc:Fallback xmlns="">
-      <p:transition spd="slow" advTm="3640"/>
-    </mc:Fallback>
-  </mc:AlternateContent>
-  <p:timing>
-    <p:tnLst>
-      <p:par>
-        <p:cTn id="1" dur="indefinite" restart="never" nodeType="tmRoot"/>
-      </p:par>
-    </p:tnLst>
-  </p:timing>
-</p:sld>
-</file>
-
-<file path=ppt/slides/slide14.xml><?xml version="1.0" encoding="utf-8"?>
-<p:sld xmlns:a="http://schemas.openxmlformats.org/drawingml/2006/main" xmlns:r="http://schemas.openxmlformats.org/officeDocument/2006/relationships" xmlns:p="http://schemas.openxmlformats.org/presentationml/2006/main">
-  <p:cSld>
-    <p:spTree>
-      <p:nvGrpSpPr>
-        <p:cNvPr id="1" name=""/>
-        <p:cNvGrpSpPr/>
-        <p:nvPr/>
-      </p:nvGrpSpPr>
-      <p:grpSpPr>
-        <a:xfrm>
-          <a:off x="0" y="0"/>
-          <a:ext cx="0" cy="0"/>
-          <a:chOff x="0" y="0"/>
-          <a:chExt cx="0" cy="0"/>
-        </a:xfrm>
-      </p:grpSpPr>
-      <mc:AlternateContent xmlns:mc="http://schemas.openxmlformats.org/markup-compatibility/2006" xmlns:a14="http://schemas.microsoft.com/office/drawing/2010/main">
-        <mc:Choice Requires="a14">
-          <p:sp>
-            <p:nvSpPr>
-              <p:cNvPr id="7" name="内容占位符 2"/>
-              <p:cNvSpPr>
-                <a:spLocks noGrp="1"/>
-              </p:cNvSpPr>
-              <p:nvPr>
-                <p:ph idx="1"/>
-              </p:nvPr>
-            </p:nvSpPr>
-            <p:spPr>
-              <a:xfrm>
-                <a:off x="577850" y="1260974"/>
-                <a:ext cx="10515600" cy="4698005"/>
-              </a:xfrm>
-            </p:spPr>
-            <p:txBody>
-              <a:bodyPr>
-                <a:normAutofit/>
-              </a:bodyPr>
-              <a:lstStyle/>
-              <a:p>
-                <a:pPr marL="0" indent="0">
-                  <a:buNone/>
-                </a:pPr>
-                <a:r>
-                  <a:rPr lang="en-US" altLang="zh-CN" dirty="0" smtClean="0">
-                    <a:latin typeface="微软雅黑" panose="020B0503020204020204" pitchFamily="34" charset="-122"/>
-                    <a:ea typeface="微软雅黑" panose="020B0503020204020204" pitchFamily="34" charset="-122"/>
-                  </a:rPr>
-                  <a:t>    Area</a:t>
-                </a:r>
-                <a:r>
-                  <a:rPr lang="en-US" altLang="zh-CN" sz="2200" dirty="0" smtClean="0">
-                    <a:latin typeface="微软雅黑" panose="020B0503020204020204" pitchFamily="34" charset="-122"/>
-                    <a:ea typeface="微软雅黑" panose="020B0503020204020204" pitchFamily="34" charset="-122"/>
-                  </a:rPr>
-                  <a:t> </a:t>
-                </a:r>
-              </a:p>
-              <a:p>
-                <a:pPr lvl="1"/>
-                <a14:m>
-                  <m:oMath xmlns:m="http://schemas.openxmlformats.org/officeDocument/2006/math">
-                    <m:sSubSup>
-                      <m:sSubSupPr>
-                        <m:ctrlPr>
-                          <a:rPr lang="en-US" altLang="zh-CN" sz="2200" i="1">
-                            <a:latin typeface="Cambria Math" panose="02040503050406030204" pitchFamily="18" charset="0"/>
-                          </a:rPr>
-                        </m:ctrlPr>
-                      </m:sSubSupPr>
-                      <m:e>
-                        <m:r>
-                          <a:rPr lang="en-US" altLang="zh-CN" sz="2200" i="1">
-                            <a:latin typeface="Cambria Math" panose="02040503050406030204" pitchFamily="18" charset="0"/>
-                          </a:rPr>
-                          <m:t>𝐴</m:t>
-                        </m:r>
-                      </m:e>
-                      <m:sub>
-                        <m:r>
-                          <a:rPr lang="en-US" altLang="zh-CN" sz="2200" i="1">
-                            <a:latin typeface="Cambria Math" panose="02040503050406030204" pitchFamily="18" charset="0"/>
-                          </a:rPr>
-                          <m:t>𝑡𝑖𝑙𝑒</m:t>
-                        </m:r>
-                      </m:sub>
-                      <m:sup>
-                        <m:r>
-                          <a:rPr lang="en-US" altLang="zh-CN" sz="2200" b="0" i="1" smtClean="0">
-                            <a:latin typeface="Cambria Math" panose="02040503050406030204" pitchFamily="18" charset="0"/>
-                          </a:rPr>
-                          <m:t>𝑇𝑜𝑡</m:t>
-                        </m:r>
-                      </m:sup>
-                    </m:sSubSup>
-                  </m:oMath>
-                </a14:m>
-                <a:endParaRPr lang="en-US" altLang="zh-CN" sz="2200" dirty="0" smtClean="0">
-                  <a:latin typeface="微软雅黑" panose="020B0503020204020204" pitchFamily="34" charset="-122"/>
-                  <a:ea typeface="微软雅黑" panose="020B0503020204020204" pitchFamily="34" charset="-122"/>
-                </a:endParaRPr>
-              </a:p>
-              <a:p>
-                <a:pPr lvl="1"/>
-                <a14:m>
-                  <m:oMath xmlns:m="http://schemas.openxmlformats.org/officeDocument/2006/math">
-                    <m:sSubSup>
-                      <m:sSubSupPr>
-                        <m:ctrlPr>
-                          <a:rPr lang="en-US" altLang="zh-CN" sz="2200" i="1" smtClean="0">
-                            <a:latin typeface="Cambria Math" panose="02040503050406030204" pitchFamily="18" charset="0"/>
-                          </a:rPr>
-                        </m:ctrlPr>
-                      </m:sSubSupPr>
-                      <m:e>
-                        <m:r>
-                          <a:rPr lang="en-US" altLang="zh-CN" sz="2200" i="1">
-                            <a:latin typeface="Cambria Math" panose="02040503050406030204" pitchFamily="18" charset="0"/>
-                          </a:rPr>
-                          <m:t>𝐴</m:t>
-                        </m:r>
-                      </m:e>
-                      <m:sub>
-                        <m:r>
-                          <a:rPr lang="en-US" altLang="zh-CN" sz="2200" i="1">
-                            <a:latin typeface="Cambria Math" panose="02040503050406030204" pitchFamily="18" charset="0"/>
-                          </a:rPr>
-                          <m:t>𝑟𝑜𝑢𝑡𝑒𝑟</m:t>
-                        </m:r>
-                      </m:sub>
-                      <m:sup>
-                        <m:r>
-                          <a:rPr lang="en-US" altLang="zh-CN" sz="2200" b="0" i="1" smtClean="0">
-                            <a:latin typeface="Cambria Math" panose="02040503050406030204" pitchFamily="18" charset="0"/>
-                          </a:rPr>
-                          <m:t>𝑇𝑜𝑡</m:t>
-                        </m:r>
-                      </m:sup>
-                    </m:sSubSup>
-                  </m:oMath>
-                </a14:m>
-                <a:endParaRPr lang="en-US" altLang="zh-CN" sz="2200" dirty="0" smtClean="0">
-                  <a:latin typeface="微软雅黑" panose="020B0503020204020204" pitchFamily="34" charset="-122"/>
-                </a:endParaRPr>
-              </a:p>
-              <a:p>
-                <a:pPr lvl="1"/>
-                <a:r>
-                  <a:rPr lang="en-US" altLang="zh-CN" sz="2200" dirty="0" smtClean="0">
-                    <a:latin typeface="微软雅黑" panose="020B0503020204020204" pitchFamily="34" charset="-122"/>
-                    <a:ea typeface="微软雅黑" panose="020B0503020204020204" pitchFamily="34" charset="-122"/>
-                  </a:rPr>
-                  <a:t> </a:t>
-                </a:r>
-                <a14:m>
-                  <m:oMath xmlns:m="http://schemas.openxmlformats.org/officeDocument/2006/math">
-                    <m:sSubSup>
-                      <m:sSubSupPr>
-                        <m:ctrlPr>
-                          <a:rPr lang="en-US" altLang="zh-CN" sz="2200" b="0" i="1" smtClean="0">
-                            <a:latin typeface="Cambria Math" panose="02040503050406030204" pitchFamily="18" charset="0"/>
-                          </a:rPr>
-                        </m:ctrlPr>
-                      </m:sSubSupPr>
-                      <m:e>
-                        <m:r>
-                          <a:rPr lang="en-US" altLang="zh-CN" sz="2200" i="1">
-                            <a:latin typeface="Cambria Math" panose="02040503050406030204" pitchFamily="18" charset="0"/>
-                          </a:rPr>
-                          <m:t>𝐴</m:t>
-                        </m:r>
-                      </m:e>
-                      <m:sub>
-                        <m:r>
-                          <a:rPr lang="en-US" altLang="zh-CN" sz="2200" i="1">
-                            <a:latin typeface="Cambria Math" panose="02040503050406030204" pitchFamily="18" charset="0"/>
-                          </a:rPr>
-                          <m:t>𝑝𝑒𝑟𝑖𝑝h𝑒𝑟𝑦</m:t>
-                        </m:r>
-                      </m:sub>
-                      <m:sup>
-                        <m:r>
-                          <a:rPr lang="en-US" altLang="zh-CN" sz="2200" b="0" i="1" smtClean="0">
-                            <a:latin typeface="Cambria Math" panose="02040503050406030204" pitchFamily="18" charset="0"/>
-                          </a:rPr>
-                          <m:t>𝑇𝑜𝑡</m:t>
-                        </m:r>
-                      </m:sup>
-                    </m:sSubSup>
-                  </m:oMath>
-                </a14:m>
-                <a:endParaRPr lang="en-US" altLang="zh-CN" sz="2200" dirty="0" smtClean="0">
-                  <a:latin typeface="微软雅黑" panose="020B0503020204020204" pitchFamily="34" charset="-122"/>
-                </a:endParaRPr>
-              </a:p>
-              <a:p>
-                <a:pPr marL="457200" lvl="1" indent="0">
-                  <a:buNone/>
-                </a:pPr>
-                <a:r>
-                  <a:rPr lang="en-US" altLang="zh-CN" sz="2200" dirty="0">
-                    <a:latin typeface="微软雅黑" panose="020B0503020204020204" pitchFamily="34" charset="-122"/>
-                    <a:ea typeface="微软雅黑" panose="020B0503020204020204" pitchFamily="34" charset="-122"/>
-                  </a:rPr>
-                  <a:t> </a:t>
-                </a:r>
-                <a:endParaRPr lang="en-US" altLang="zh-CN" sz="2200" dirty="0" smtClean="0">
-                  <a:latin typeface="微软雅黑" panose="020B0503020204020204" pitchFamily="34" charset="-122"/>
-                  <a:ea typeface="微软雅黑" panose="020B0503020204020204" pitchFamily="34" charset="-122"/>
-                </a:endParaRPr>
-              </a:p>
-              <a:p>
-                <a:pPr marL="457200" lvl="1" indent="0">
-                  <a:buNone/>
-                </a:pPr>
-                <a:r>
-                  <a:rPr lang="en-US" altLang="zh-CN" dirty="0" smtClean="0">
-                    <a:latin typeface="微软雅黑" panose="020B0503020204020204" pitchFamily="34" charset="-122"/>
-                    <a:ea typeface="微软雅黑" panose="020B0503020204020204" pitchFamily="34" charset="-122"/>
-                  </a:rPr>
-                  <a:t>Power</a:t>
-                </a:r>
-                <a:endParaRPr lang="en-US" altLang="zh-CN" dirty="0">
-                  <a:latin typeface="微软雅黑" panose="020B0503020204020204" pitchFamily="34" charset="-122"/>
-                  <a:ea typeface="微软雅黑" panose="020B0503020204020204" pitchFamily="34" charset="-122"/>
-                </a:endParaRPr>
-              </a:p>
-              <a:p>
-                <a:pPr lvl="1"/>
-                <a14:m>
-                  <m:oMath xmlns:m="http://schemas.openxmlformats.org/officeDocument/2006/math">
-                    <m:sSubSup>
-                      <m:sSubSupPr>
-                        <m:ctrlPr>
-                          <a:rPr lang="en-US" altLang="zh-CN" sz="2200" i="1">
-                            <a:latin typeface="Cambria Math" panose="02040503050406030204" pitchFamily="18" charset="0"/>
-                          </a:rPr>
-                        </m:ctrlPr>
-                      </m:sSubSupPr>
-                      <m:e>
-                        <m:r>
-                          <a:rPr lang="en-US" altLang="zh-CN" sz="2200" i="1">
-                            <a:latin typeface="Cambria Math" panose="02040503050406030204" pitchFamily="18" charset="0"/>
-                          </a:rPr>
-                          <m:t>𝑃</m:t>
-                        </m:r>
-                      </m:e>
-                      <m:sub>
-                        <m:r>
-                          <m:rPr>
-                            <m:sty m:val="p"/>
-                          </m:rPr>
-                          <a:rPr lang="en-US" altLang="zh-CN" sz="2200" i="1">
-                            <a:latin typeface="Cambria Math" panose="02040503050406030204" pitchFamily="18" charset="0"/>
-                          </a:rPr>
-                          <m:t>tile</m:t>
-                        </m:r>
-                      </m:sub>
-                      <m:sup>
-                        <m:r>
-                          <a:rPr lang="en-US" altLang="zh-CN" sz="2200" i="1">
-                            <a:latin typeface="Cambria Math" panose="02040503050406030204" pitchFamily="18" charset="0"/>
-                          </a:rPr>
-                          <m:t>𝑇</m:t>
-                        </m:r>
-                        <m:r>
-                          <m:rPr>
-                            <m:sty m:val="p"/>
-                          </m:rPr>
-                          <a:rPr lang="en-US" altLang="zh-CN" sz="2200" i="1">
-                            <a:latin typeface="Cambria Math" panose="02040503050406030204" pitchFamily="18" charset="0"/>
-                          </a:rPr>
-                          <m:t>ot</m:t>
-                        </m:r>
-                      </m:sup>
-                    </m:sSubSup>
-                  </m:oMath>
-                </a14:m>
-                <a:endParaRPr lang="en-US" altLang="zh-CN" sz="2200" i="1" dirty="0" smtClean="0">
-                  <a:latin typeface="Cambria Math" panose="02040503050406030204" pitchFamily="18" charset="0"/>
-                </a:endParaRPr>
-              </a:p>
-              <a:p>
-                <a:pPr lvl="1"/>
-                <a14:m>
-                  <m:oMath xmlns:m="http://schemas.openxmlformats.org/officeDocument/2006/math">
-                    <m:sSubSup>
-                      <m:sSubSupPr>
-                        <m:ctrlPr>
-                          <a:rPr lang="en-US" altLang="zh-CN" sz="2200" i="1">
-                            <a:latin typeface="Cambria Math" panose="02040503050406030204" pitchFamily="18" charset="0"/>
-                          </a:rPr>
-                        </m:ctrlPr>
-                      </m:sSubSupPr>
-                      <m:e>
-                        <m:r>
-                          <a:rPr lang="en-US" altLang="zh-CN" sz="2200" i="1">
-                            <a:latin typeface="Cambria Math" panose="02040503050406030204" pitchFamily="18" charset="0"/>
-                          </a:rPr>
-                          <m:t>𝑃</m:t>
-                        </m:r>
-                      </m:e>
-                      <m:sub>
-                        <m:r>
-                          <a:rPr lang="en-US" altLang="zh-CN" sz="2200" i="1">
-                            <a:latin typeface="Cambria Math" panose="02040503050406030204" pitchFamily="18" charset="0"/>
-                          </a:rPr>
-                          <m:t>𝑟𝑜𝑢𝑡𝑒𝑟</m:t>
-                        </m:r>
-                      </m:sub>
-                      <m:sup>
-                        <m:r>
-                          <a:rPr lang="en-US" altLang="zh-CN" sz="2200" i="1">
-                            <a:latin typeface="Cambria Math" panose="02040503050406030204" pitchFamily="18" charset="0"/>
-                          </a:rPr>
-                          <m:t>𝑇</m:t>
-                        </m:r>
-                        <m:r>
-                          <m:rPr>
-                            <m:sty m:val="p"/>
-                          </m:rPr>
-                          <a:rPr lang="en-US" altLang="zh-CN" sz="2200" i="1">
-                            <a:latin typeface="Cambria Math" panose="02040503050406030204" pitchFamily="18" charset="0"/>
-                          </a:rPr>
-                          <m:t>ot</m:t>
-                        </m:r>
-                      </m:sup>
-                    </m:sSubSup>
-                  </m:oMath>
-                </a14:m>
-                <a:endParaRPr lang="en-US" altLang="zh-CN" sz="2200" i="1" dirty="0" smtClean="0">
-                  <a:latin typeface="Cambria Math" panose="02040503050406030204" pitchFamily="18" charset="0"/>
-                </a:endParaRPr>
-              </a:p>
-              <a:p>
-                <a:pPr lvl="1"/>
-                <a14:m>
-                  <m:oMath xmlns:m="http://schemas.openxmlformats.org/officeDocument/2006/math">
-                    <m:sSubSup>
-                      <m:sSubSupPr>
-                        <m:ctrlPr>
-                          <a:rPr lang="en-US" altLang="zh-CN" sz="2200" b="0" i="1" smtClean="0">
-                            <a:latin typeface="Cambria Math" panose="02040503050406030204" pitchFamily="18" charset="0"/>
-                          </a:rPr>
-                        </m:ctrlPr>
-                      </m:sSubSupPr>
-                      <m:e>
-                        <m:r>
-                          <a:rPr lang="en-US" altLang="zh-CN" sz="2200" i="1">
-                            <a:latin typeface="Cambria Math" panose="02040503050406030204" pitchFamily="18" charset="0"/>
-                          </a:rPr>
-                          <m:t>𝑃</m:t>
-                        </m:r>
-                      </m:e>
-                      <m:sub>
-                        <m:r>
-                          <a:rPr lang="en-US" altLang="zh-CN" sz="2200" i="1">
-                            <a:latin typeface="Cambria Math" panose="02040503050406030204" pitchFamily="18" charset="0"/>
-                          </a:rPr>
-                          <m:t>𝑝𝑒𝑟𝑖𝑝h𝑒𝑟𝑦</m:t>
-                        </m:r>
-                      </m:sub>
-                      <m:sup>
-                        <m:r>
-                          <a:rPr lang="en-US" altLang="zh-CN" sz="2200" b="0" i="1" smtClean="0">
-                            <a:latin typeface="Cambria Math" panose="02040503050406030204" pitchFamily="18" charset="0"/>
-                          </a:rPr>
-                          <m:t>𝑇𝑜𝑡</m:t>
-                        </m:r>
-                      </m:sup>
-                    </m:sSubSup>
-                  </m:oMath>
-                </a14:m>
-                <a:endParaRPr lang="en-US" altLang="zh-CN" sz="2200" b="0" i="1" dirty="0" smtClean="0">
-                  <a:latin typeface="Cambria Math" panose="02040503050406030204" pitchFamily="18" charset="0"/>
-                </a:endParaRPr>
-              </a:p>
-              <a:p>
-                <a:pPr lvl="1"/>
-                <a:endParaRPr lang="en-US" altLang="zh-CN" sz="2200" i="1" dirty="0">
-                  <a:latin typeface="Cambria Math" panose="02040503050406030204" pitchFamily="18" charset="0"/>
-                </a:endParaRPr>
-              </a:p>
-              <a:p>
-                <a:pPr marL="457200" lvl="1" indent="0">
-                  <a:buFont typeface="Arial" panose="020B0604020202020204" pitchFamily="34" charset="0"/>
-                  <a:buNone/>
-                </a:pPr>
-                <a:r>
-                  <a:rPr lang="en-US" altLang="zh-CN" sz="2200" i="1" dirty="0">
-                    <a:latin typeface="Cambria Math" panose="02040503050406030204" pitchFamily="18" charset="0"/>
-                  </a:rPr>
-                  <a:t>    </a:t>
-                </a:r>
-              </a:p>
-            </p:txBody>
-          </p:sp>
-        </mc:Choice>
-        <mc:Fallback xmlns="">
-          <p:sp>
-            <p:nvSpPr>
-              <p:cNvPr id="7" name="内容占位符 2"/>
-              <p:cNvSpPr>
-                <a:spLocks noGrp="1" noRot="1" noChangeAspect="1" noMove="1" noResize="1" noEditPoints="1" noAdjustHandles="1" noChangeArrowheads="1" noChangeShapeType="1" noTextEdit="1"/>
-              </p:cNvSpPr>
-              <p:nvPr>
-                <p:ph idx="1"/>
-              </p:nvPr>
-            </p:nvSpPr>
-            <p:spPr>
-              <a:xfrm>
-                <a:off x="577850" y="1260974"/>
-                <a:ext cx="10515600" cy="4698005"/>
-              </a:xfrm>
-              <a:blipFill rotWithShape="0">
-                <a:blip r:embed="rId3"/>
-                <a:stretch>
-                  <a:fillRect t="-2335"/>
-                </a:stretch>
-              </a:blipFill>
-            </p:spPr>
-            <p:txBody>
-              <a:bodyPr/>
-              <a:lstStyle/>
-              <a:p>
-                <a:r>
-                  <a:rPr lang="zh-CN" altLang="en-US">
-                    <a:noFill/>
-                  </a:rPr>
-                  <a:t> </a:t>
-                </a:r>
-              </a:p>
-            </p:txBody>
-          </p:sp>
-        </mc:Fallback>
-      </mc:AlternateContent>
-      <p:sp>
-        <p:nvSpPr>
-          <p:cNvPr id="2" name="标题 1"/>
-          <p:cNvSpPr>
-            <a:spLocks noGrp="1"/>
-          </p:cNvSpPr>
-          <p:nvPr>
-            <p:ph type="title"/>
-          </p:nvPr>
-        </p:nvSpPr>
-        <p:spPr/>
-        <p:txBody>
-          <a:bodyPr/>
-          <a:lstStyle/>
-          <a:p>
-            <a:r>
-              <a:rPr lang="en-US" altLang="zh-CN" b="1" dirty="0" smtClean="0"/>
-              <a:t>Data for Constant Values</a:t>
-            </a:r>
-            <a:endParaRPr lang="zh-CN" altLang="en-US" b="1" dirty="0"/>
-          </a:p>
-        </p:txBody>
-      </p:sp>
-      <p:sp>
-        <p:nvSpPr>
-          <p:cNvPr id="11" name="灯片编号占位符 10"/>
-          <p:cNvSpPr>
-            <a:spLocks noGrp="1"/>
-          </p:cNvSpPr>
-          <p:nvPr>
-            <p:ph type="sldNum" sz="quarter" idx="12"/>
-          </p:nvPr>
-        </p:nvSpPr>
-        <p:spPr/>
-        <p:txBody>
-          <a:bodyPr/>
-          <a:lstStyle/>
-          <a:p>
-            <a:fld id="{C102C7BA-A18E-41F7-855F-B9281AA705A6}" type="slidenum">
-              <a:rPr lang="zh-CN" altLang="en-US" smtClean="0"/>
-              <a:t>14</a:t>
-            </a:fld>
-            <a:endParaRPr lang="zh-CN" altLang="en-US" dirty="0"/>
-          </a:p>
-        </p:txBody>
-      </p:sp>
-      <p:pic>
-        <p:nvPicPr>
-          <p:cNvPr id="12" name="图片 11" descr="31393938393834313b31393939353234333bcbaed6e9d0ce"/>
-          <p:cNvPicPr>
-            <a:picLocks noChangeAspect="1"/>
-          </p:cNvPicPr>
-          <p:nvPr/>
-        </p:nvPicPr>
-        <p:blipFill>
-          <a:blip r:embed="rId4">
-            <a:extLst>
-              <a:ext uri="{96DAC541-7B7A-43D3-8B79-37D633B846F1}">
-                <asvg:svgBlip xmlns:asvg="http://schemas.microsoft.com/office/drawing/2016/SVG/main" xmlns="" r:embed="rId5"/>
-              </a:ext>
-            </a:extLst>
-          </a:blip>
-          <a:stretch>
-            <a:fillRect/>
-          </a:stretch>
-        </p:blipFill>
-        <p:spPr>
-          <a:xfrm flipH="1">
-            <a:off x="676275" y="1247746"/>
-            <a:ext cx="243205" cy="243205"/>
-          </a:xfrm>
-          <a:prstGeom prst="rect">
-            <a:avLst/>
-          </a:prstGeom>
-        </p:spPr>
-      </p:pic>
-      <p:pic>
-        <p:nvPicPr>
-          <p:cNvPr id="9" name="图片 8" descr="31393938393834313b31393939353234333bcbaed6e9d0ce"/>
-          <p:cNvPicPr>
-            <a:picLocks noChangeAspect="1"/>
-          </p:cNvPicPr>
-          <p:nvPr/>
-        </p:nvPicPr>
-        <p:blipFill>
-          <a:blip r:embed="rId4">
-            <a:extLst>
-              <a:ext uri="{96DAC541-7B7A-43D3-8B79-37D633B846F1}">
-                <asvg:svgBlip xmlns:asvg="http://schemas.microsoft.com/office/drawing/2016/SVG/main" xmlns="" r:embed="rId5"/>
-              </a:ext>
-            </a:extLst>
-          </a:blip>
-          <a:stretch>
-            <a:fillRect/>
-          </a:stretch>
-        </p:blipFill>
-        <p:spPr>
-          <a:xfrm flipH="1">
-            <a:off x="681355" y="3347182"/>
-            <a:ext cx="243205" cy="243205"/>
-          </a:xfrm>
-          <a:prstGeom prst="rect">
-            <a:avLst/>
-          </a:prstGeom>
-        </p:spPr>
-      </p:pic>
-      <p:pic>
-        <p:nvPicPr>
-          <p:cNvPr id="13" name="图片 12"/>
-          <p:cNvPicPr>
-            <a:picLocks noChangeAspect="1"/>
-          </p:cNvPicPr>
-          <p:nvPr/>
-        </p:nvPicPr>
-        <p:blipFill>
-          <a:blip r:embed="rId6"/>
-          <a:stretch>
-            <a:fillRect/>
-          </a:stretch>
-        </p:blipFill>
-        <p:spPr>
-          <a:xfrm>
-            <a:off x="3901987" y="950927"/>
-            <a:ext cx="2761803" cy="3193865"/>
-          </a:xfrm>
-          <a:prstGeom prst="rect">
-            <a:avLst/>
-          </a:prstGeom>
-        </p:spPr>
-      </p:pic>
-      <p:sp>
-        <p:nvSpPr>
-          <p:cNvPr id="14" name="文本框 13"/>
-          <p:cNvSpPr txBox="1"/>
-          <p:nvPr/>
-        </p:nvSpPr>
-        <p:spPr>
-          <a:xfrm>
-            <a:off x="2951749" y="4211072"/>
-            <a:ext cx="4143454" cy="369332"/>
-          </a:xfrm>
-          <a:prstGeom prst="rect">
-            <a:avLst/>
-          </a:prstGeom>
-          <a:noFill/>
-        </p:spPr>
-        <p:txBody>
-          <a:bodyPr wrap="square" rtlCol="0">
-            <a:spAutoFit/>
-          </a:bodyPr>
-          <a:lstStyle/>
-          <a:p>
-            <a:r>
-              <a:rPr lang="en-US" altLang="zh-CN" dirty="0" smtClean="0"/>
-              <a:t>Fig. information from </a:t>
-            </a:r>
-            <a:r>
-              <a:rPr lang="en-US" altLang="zh-CN" dirty="0" err="1" smtClean="0"/>
-              <a:t>dsent</a:t>
-            </a:r>
-            <a:r>
-              <a:rPr lang="en-US" altLang="zh-CN" dirty="0" smtClean="0"/>
-              <a:t> for routers</a:t>
-            </a:r>
-            <a:endParaRPr lang="zh-CN" altLang="en-US" dirty="0"/>
-          </a:p>
-        </p:txBody>
-      </p:sp>
-      <p:pic>
-        <p:nvPicPr>
-          <p:cNvPr id="3" name="图片 2"/>
-          <p:cNvPicPr>
-            <a:picLocks noChangeAspect="1"/>
-          </p:cNvPicPr>
-          <p:nvPr/>
-        </p:nvPicPr>
-        <p:blipFill>
-          <a:blip r:embed="rId7"/>
-          <a:stretch>
-            <a:fillRect/>
-          </a:stretch>
-        </p:blipFill>
-        <p:spPr>
-          <a:xfrm>
-            <a:off x="7042483" y="829814"/>
-            <a:ext cx="4989095" cy="3268718"/>
-          </a:xfrm>
-          <a:prstGeom prst="rect">
-            <a:avLst/>
-          </a:prstGeom>
-        </p:spPr>
-      </p:pic>
-      <p:sp>
-        <p:nvSpPr>
-          <p:cNvPr id="16" name="文本框 15"/>
-          <p:cNvSpPr txBox="1"/>
-          <p:nvPr/>
-        </p:nvSpPr>
-        <p:spPr>
-          <a:xfrm>
-            <a:off x="7442464" y="4148909"/>
-            <a:ext cx="4397505" cy="369332"/>
-          </a:xfrm>
-          <a:prstGeom prst="rect">
-            <a:avLst/>
-          </a:prstGeom>
-          <a:noFill/>
-        </p:spPr>
-        <p:txBody>
-          <a:bodyPr wrap="square" rtlCol="0">
-            <a:spAutoFit/>
-          </a:bodyPr>
-          <a:lstStyle/>
-          <a:p>
-            <a:r>
-              <a:rPr lang="en-US" altLang="zh-CN" dirty="0" smtClean="0"/>
-              <a:t>Fig. configuration information for IMC</a:t>
-            </a:r>
-            <a:endParaRPr lang="zh-CN" altLang="en-US" dirty="0"/>
-          </a:p>
-        </p:txBody>
-      </p:sp>
-      <p:pic>
-        <p:nvPicPr>
-          <p:cNvPr id="5" name="图片 4"/>
-          <p:cNvPicPr>
-            <a:picLocks noChangeAspect="1"/>
-          </p:cNvPicPr>
-          <p:nvPr/>
-        </p:nvPicPr>
-        <p:blipFill>
-          <a:blip r:embed="rId8"/>
-          <a:stretch>
-            <a:fillRect/>
-          </a:stretch>
-        </p:blipFill>
-        <p:spPr>
-          <a:xfrm>
-            <a:off x="3901987" y="4646684"/>
-            <a:ext cx="4892464" cy="1478408"/>
-          </a:xfrm>
-          <a:prstGeom prst="rect">
-            <a:avLst/>
-          </a:prstGeom>
-        </p:spPr>
-      </p:pic>
-      <p:sp>
-        <p:nvSpPr>
-          <p:cNvPr id="17" name="文本框 16"/>
-          <p:cNvSpPr txBox="1"/>
-          <p:nvPr/>
-        </p:nvSpPr>
-        <p:spPr>
-          <a:xfrm>
-            <a:off x="4276492" y="6191372"/>
-            <a:ext cx="4143454" cy="369332"/>
-          </a:xfrm>
-          <a:prstGeom prst="rect">
-            <a:avLst/>
-          </a:prstGeom>
-          <a:noFill/>
-        </p:spPr>
-        <p:txBody>
-          <a:bodyPr wrap="square" rtlCol="0">
-            <a:spAutoFit/>
-          </a:bodyPr>
-          <a:lstStyle/>
-          <a:p>
-            <a:r>
-              <a:rPr lang="en-US" altLang="zh-CN" dirty="0" smtClean="0"/>
-              <a:t>Fig. information from cacti for SRAM</a:t>
-            </a:r>
-            <a:endParaRPr lang="zh-CN" altLang="en-US" dirty="0"/>
-          </a:p>
-        </p:txBody>
-      </p:sp>
-    </p:spTree>
-    <p:extLst>
-      <p:ext uri="{BB962C8B-B14F-4D97-AF65-F5344CB8AC3E}">
-        <p14:creationId xmlns:p14="http://schemas.microsoft.com/office/powerpoint/2010/main" val="444585733"/>
       </p:ext>
     </p:extLst>
   </p:cSld>
@@ -14026,6 +14624,483 @@
           <a:chExt cx="0" cy="0"/>
         </a:xfrm>
       </p:grpSpPr>
+      <mc:AlternateContent xmlns:mc="http://schemas.openxmlformats.org/markup-compatibility/2006" xmlns:a14="http://schemas.microsoft.com/office/drawing/2010/main">
+        <mc:Choice Requires="a14">
+          <p:sp>
+            <p:nvSpPr>
+              <p:cNvPr id="15" name="内容占位符 2"/>
+              <p:cNvSpPr txBox="1">
+                <a:spLocks/>
+              </p:cNvSpPr>
+              <p:nvPr/>
+            </p:nvSpPr>
+            <p:spPr>
+              <a:xfrm>
+                <a:off x="577850" y="1199555"/>
+                <a:ext cx="10515600" cy="4351338"/>
+              </a:xfrm>
+              <a:prstGeom prst="rect">
+                <a:avLst/>
+              </a:prstGeom>
+            </p:spPr>
+            <p:txBody>
+              <a:bodyPr vert="horz" lIns="91440" tIns="45720" rIns="91440" bIns="45720" rtlCol="0">
+                <a:normAutofit/>
+              </a:bodyPr>
+              <a:lstStyle>
+                <a:lvl1pPr marL="228600" indent="-228600" algn="l" defTabSz="914400" rtl="0" eaLnBrk="1" latinLnBrk="0" hangingPunct="1">
+                  <a:lnSpc>
+                    <a:spcPct val="90000"/>
+                  </a:lnSpc>
+                  <a:spcBef>
+                    <a:spcPts val="1000"/>
+                  </a:spcBef>
+                  <a:buFont typeface="Arial" panose="020B0604020202020204" pitchFamily="34" charset="0"/>
+                  <a:buChar char="•"/>
+                  <a:defRPr sz="2800" kern="1200">
+                    <a:solidFill>
+                      <a:schemeClr val="tx1"/>
+                    </a:solidFill>
+                    <a:latin typeface="黑体" panose="02010609060101010101" pitchFamily="49" charset="-122"/>
+                    <a:ea typeface="黑体" panose="02010609060101010101" pitchFamily="49" charset="-122"/>
+                    <a:cs typeface="+mn-cs"/>
+                  </a:defRPr>
+                </a:lvl1pPr>
+                <a:lvl2pPr marL="685800" indent="-228600" algn="l" defTabSz="914400" rtl="0" eaLnBrk="1" latinLnBrk="0" hangingPunct="1">
+                  <a:lnSpc>
+                    <a:spcPct val="90000"/>
+                  </a:lnSpc>
+                  <a:spcBef>
+                    <a:spcPts val="500"/>
+                  </a:spcBef>
+                  <a:buFont typeface="Arial" panose="020B0604020202020204" pitchFamily="34" charset="0"/>
+                  <a:buChar char="•"/>
+                  <a:defRPr sz="2400" kern="1200">
+                    <a:solidFill>
+                      <a:schemeClr val="tx1"/>
+                    </a:solidFill>
+                    <a:latin typeface="黑体" panose="02010609060101010101" pitchFamily="49" charset="-122"/>
+                    <a:ea typeface="黑体" panose="02010609060101010101" pitchFamily="49" charset="-122"/>
+                    <a:cs typeface="+mn-cs"/>
+                  </a:defRPr>
+                </a:lvl2pPr>
+                <a:lvl3pPr marL="1143000" indent="-228600" algn="l" defTabSz="914400" rtl="0" eaLnBrk="1" latinLnBrk="0" hangingPunct="1">
+                  <a:lnSpc>
+                    <a:spcPct val="90000"/>
+                  </a:lnSpc>
+                  <a:spcBef>
+                    <a:spcPts val="500"/>
+                  </a:spcBef>
+                  <a:buFont typeface="Arial" panose="020B0604020202020204" pitchFamily="34" charset="0"/>
+                  <a:buChar char="•"/>
+                  <a:defRPr sz="2000" kern="1200">
+                    <a:solidFill>
+                      <a:schemeClr val="tx1"/>
+                    </a:solidFill>
+                    <a:latin typeface="黑体" panose="02010609060101010101" pitchFamily="49" charset="-122"/>
+                    <a:ea typeface="黑体" panose="02010609060101010101" pitchFamily="49" charset="-122"/>
+                    <a:cs typeface="+mn-cs"/>
+                  </a:defRPr>
+                </a:lvl3pPr>
+                <a:lvl4pPr marL="1600200" indent="-228600" algn="l" defTabSz="914400" rtl="0" eaLnBrk="1" latinLnBrk="0" hangingPunct="1">
+                  <a:lnSpc>
+                    <a:spcPct val="90000"/>
+                  </a:lnSpc>
+                  <a:spcBef>
+                    <a:spcPts val="500"/>
+                  </a:spcBef>
+                  <a:buFont typeface="Arial" panose="020B0604020202020204" pitchFamily="34" charset="0"/>
+                  <a:buChar char="•"/>
+                  <a:defRPr sz="1800" kern="1200">
+                    <a:solidFill>
+                      <a:schemeClr val="tx1"/>
+                    </a:solidFill>
+                    <a:latin typeface="黑体" panose="02010609060101010101" pitchFamily="49" charset="-122"/>
+                    <a:ea typeface="黑体" panose="02010609060101010101" pitchFamily="49" charset="-122"/>
+                    <a:cs typeface="+mn-cs"/>
+                  </a:defRPr>
+                </a:lvl4pPr>
+                <a:lvl5pPr marL="2057400" indent="-228600" algn="l" defTabSz="914400" rtl="0" eaLnBrk="1" latinLnBrk="0" hangingPunct="1">
+                  <a:lnSpc>
+                    <a:spcPct val="90000"/>
+                  </a:lnSpc>
+                  <a:spcBef>
+                    <a:spcPts val="500"/>
+                  </a:spcBef>
+                  <a:buFont typeface="Arial" panose="020B0604020202020204" pitchFamily="34" charset="0"/>
+                  <a:buChar char="•"/>
+                  <a:defRPr sz="1800" kern="1200">
+                    <a:solidFill>
+                      <a:schemeClr val="tx1"/>
+                    </a:solidFill>
+                    <a:latin typeface="黑体" panose="02010609060101010101" pitchFamily="49" charset="-122"/>
+                    <a:ea typeface="黑体" panose="02010609060101010101" pitchFamily="49" charset="-122"/>
+                    <a:cs typeface="+mn-cs"/>
+                  </a:defRPr>
+                </a:lvl5pPr>
+                <a:lvl6pPr marL="2514600" indent="-228600" algn="l" defTabSz="914400" rtl="0" eaLnBrk="1" latinLnBrk="0" hangingPunct="1">
+                  <a:lnSpc>
+                    <a:spcPct val="90000"/>
+                  </a:lnSpc>
+                  <a:spcBef>
+                    <a:spcPts val="500"/>
+                  </a:spcBef>
+                  <a:buFont typeface="Arial" panose="020B0604020202020204" pitchFamily="34" charset="0"/>
+                  <a:buChar char="•"/>
+                  <a:defRPr sz="1800" kern="1200">
+                    <a:solidFill>
+                      <a:schemeClr val="tx1"/>
+                    </a:solidFill>
+                    <a:latin typeface="+mn-lt"/>
+                    <a:ea typeface="+mn-ea"/>
+                    <a:cs typeface="+mn-cs"/>
+                  </a:defRPr>
+                </a:lvl6pPr>
+                <a:lvl7pPr marL="2971800" indent="-228600" algn="l" defTabSz="914400" rtl="0" eaLnBrk="1" latinLnBrk="0" hangingPunct="1">
+                  <a:lnSpc>
+                    <a:spcPct val="90000"/>
+                  </a:lnSpc>
+                  <a:spcBef>
+                    <a:spcPts val="500"/>
+                  </a:spcBef>
+                  <a:buFont typeface="Arial" panose="020B0604020202020204" pitchFamily="34" charset="0"/>
+                  <a:buChar char="•"/>
+                  <a:defRPr sz="1800" kern="1200">
+                    <a:solidFill>
+                      <a:schemeClr val="tx1"/>
+                    </a:solidFill>
+                    <a:latin typeface="+mn-lt"/>
+                    <a:ea typeface="+mn-ea"/>
+                    <a:cs typeface="+mn-cs"/>
+                  </a:defRPr>
+                </a:lvl7pPr>
+                <a:lvl8pPr marL="3429000" indent="-228600" algn="l" defTabSz="914400" rtl="0" eaLnBrk="1" latinLnBrk="0" hangingPunct="1">
+                  <a:lnSpc>
+                    <a:spcPct val="90000"/>
+                  </a:lnSpc>
+                  <a:spcBef>
+                    <a:spcPts val="500"/>
+                  </a:spcBef>
+                  <a:buFont typeface="Arial" panose="020B0604020202020204" pitchFamily="34" charset="0"/>
+                  <a:buChar char="•"/>
+                  <a:defRPr sz="1800" kern="1200">
+                    <a:solidFill>
+                      <a:schemeClr val="tx1"/>
+                    </a:solidFill>
+                    <a:latin typeface="+mn-lt"/>
+                    <a:ea typeface="+mn-ea"/>
+                    <a:cs typeface="+mn-cs"/>
+                  </a:defRPr>
+                </a:lvl8pPr>
+                <a:lvl9pPr marL="3886200" indent="-228600" algn="l" defTabSz="914400" rtl="0" eaLnBrk="1" latinLnBrk="0" hangingPunct="1">
+                  <a:lnSpc>
+                    <a:spcPct val="90000"/>
+                  </a:lnSpc>
+                  <a:spcBef>
+                    <a:spcPts val="500"/>
+                  </a:spcBef>
+                  <a:buFont typeface="Arial" panose="020B0604020202020204" pitchFamily="34" charset="0"/>
+                  <a:buChar char="•"/>
+                  <a:defRPr sz="1800" kern="1200">
+                    <a:solidFill>
+                      <a:schemeClr val="tx1"/>
+                    </a:solidFill>
+                    <a:latin typeface="+mn-lt"/>
+                    <a:ea typeface="+mn-ea"/>
+                    <a:cs typeface="+mn-cs"/>
+                  </a:defRPr>
+                </a:lvl9pPr>
+              </a:lstStyle>
+              <a:p>
+                <a:pPr marL="0" indent="0">
+                  <a:buNone/>
+                </a:pPr>
+                <a:r>
+                  <a:rPr lang="en-US" altLang="zh-CN" dirty="0" smtClean="0"/>
+                  <a:t>  </a:t>
+                </a:r>
+                <a14:m>
+                  <m:oMath xmlns:m="http://schemas.openxmlformats.org/officeDocument/2006/math">
+                    <m:func>
+                      <m:funcPr>
+                        <m:ctrlPr>
+                          <a:rPr lang="en-US" altLang="zh-CN" i="1" dirty="0" smtClean="0">
+                            <a:latin typeface="Cambria Math" panose="02040503050406030204" pitchFamily="18" charset="0"/>
+                          </a:rPr>
+                        </m:ctrlPr>
+                      </m:funcPr>
+                      <m:fName>
+                        <m:r>
+                          <a:rPr lang="en-US" altLang="zh-CN" i="1" dirty="0" smtClean="0">
+                            <a:latin typeface="Cambria Math" panose="02040503050406030204" pitchFamily="18" charset="0"/>
+                          </a:rPr>
+                          <m:t>𝑎𝑟𝑔</m:t>
+                        </m:r>
+                      </m:fName>
+                      <m:e>
+                        <m:r>
+                          <a:rPr lang="en-US" altLang="zh-CN" i="1" dirty="0" smtClean="0">
+                            <a:latin typeface="Cambria Math" panose="02040503050406030204" pitchFamily="18" charset="0"/>
+                          </a:rPr>
+                          <m:t>𝑚𝑖𝑛</m:t>
+                        </m:r>
+                      </m:e>
+                    </m:func>
+                    <m:d>
+                      <m:dPr>
+                        <m:ctrlPr>
+                          <a:rPr lang="en-US" altLang="zh-CN" i="1" dirty="0" smtClean="0">
+                            <a:latin typeface="Cambria Math" panose="02040503050406030204" pitchFamily="18" charset="0"/>
+                          </a:rPr>
+                        </m:ctrlPr>
+                      </m:dPr>
+                      <m:e>
+                        <m:r>
+                          <m:rPr>
+                            <m:sty m:val="p"/>
+                          </m:rPr>
+                          <a:rPr lang="en-US" altLang="zh-CN" i="1" dirty="0">
+                            <a:latin typeface="Cambria Math" panose="02040503050406030204" pitchFamily="18" charset="0"/>
+                          </a:rPr>
+                          <m:t>D</m:t>
+                        </m:r>
+                        <m:d>
+                          <m:dPr>
+                            <m:ctrlPr>
+                              <a:rPr lang="en-US" altLang="zh-CN" i="1" dirty="0" smtClean="0">
+                                <a:latin typeface="Cambria Math" panose="02040503050406030204" pitchFamily="18" charset="0"/>
+                              </a:rPr>
+                            </m:ctrlPr>
+                          </m:dPr>
+                          <m:e>
+                            <m:sSub>
+                              <m:sSubPr>
+                                <m:ctrlPr>
+                                  <a:rPr lang="en-US" altLang="zh-CN" i="1" dirty="0" smtClean="0">
+                                    <a:latin typeface="Cambria Math" panose="02040503050406030204" pitchFamily="18" charset="0"/>
+                                  </a:rPr>
+                                </m:ctrlPr>
+                              </m:sSubPr>
+                              <m:e>
+                                <m:r>
+                                  <a:rPr lang="en-US" altLang="zh-CN" i="1" dirty="0" smtClean="0">
+                                    <a:latin typeface="Cambria Math" panose="02040503050406030204" pitchFamily="18" charset="0"/>
+                                  </a:rPr>
+                                  <m:t>𝐺</m:t>
+                                </m:r>
+                              </m:e>
+                              <m:sub>
+                                <m:r>
+                                  <a:rPr lang="en-US" altLang="zh-CN" i="1" dirty="0" smtClean="0">
+                                    <a:latin typeface="Cambria Math" panose="02040503050406030204" pitchFamily="18" charset="0"/>
+                                  </a:rPr>
+                                  <m:t>𝑇</m:t>
+                                </m:r>
+                              </m:sub>
+                            </m:sSub>
+                          </m:e>
+                        </m:d>
+                      </m:e>
+                    </m:d>
+                  </m:oMath>
+                </a14:m>
+                <a:endParaRPr lang="en-US" altLang="zh-CN" i="1" dirty="0" smtClean="0">
+                  <a:latin typeface="Cambria Math" panose="02040503050406030204" pitchFamily="18" charset="0"/>
+                </a:endParaRPr>
+              </a:p>
+            </p:txBody>
+          </p:sp>
+        </mc:Choice>
+        <mc:Fallback xmlns="">
+          <p:sp>
+            <p:nvSpPr>
+              <p:cNvPr id="15" name="内容占位符 2"/>
+              <p:cNvSpPr txBox="1">
+                <a:spLocks noRot="1" noChangeAspect="1" noMove="1" noResize="1" noEditPoints="1" noAdjustHandles="1" noChangeArrowheads="1" noChangeShapeType="1" noTextEdit="1"/>
+              </p:cNvSpPr>
+              <p:nvPr/>
+            </p:nvSpPr>
+            <p:spPr>
+              <a:xfrm>
+                <a:off x="577850" y="1199555"/>
+                <a:ext cx="10515600" cy="4351338"/>
+              </a:xfrm>
+              <a:prstGeom prst="rect">
+                <a:avLst/>
+              </a:prstGeom>
+              <a:blipFill rotWithShape="0">
+                <a:blip r:embed="rId3"/>
+                <a:stretch>
+                  <a:fillRect/>
+                </a:stretch>
+              </a:blipFill>
+            </p:spPr>
+            <p:txBody>
+              <a:bodyPr/>
+              <a:lstStyle/>
+              <a:p>
+                <a:r>
+                  <a:rPr lang="zh-CN" altLang="en-US">
+                    <a:noFill/>
+                  </a:rPr>
+                  <a:t> </a:t>
+                </a:r>
+              </a:p>
+            </p:txBody>
+          </p:sp>
+        </mc:Fallback>
+      </mc:AlternateContent>
+      <p:sp>
+        <p:nvSpPr>
+          <p:cNvPr id="2" name="标题 1"/>
+          <p:cNvSpPr>
+            <a:spLocks noGrp="1"/>
+          </p:cNvSpPr>
+          <p:nvPr>
+            <p:ph type="title"/>
+          </p:nvPr>
+        </p:nvSpPr>
+        <p:spPr/>
+        <p:txBody>
+          <a:bodyPr/>
+          <a:lstStyle/>
+          <a:p>
+            <a:r>
+              <a:rPr lang="en-US" altLang="zh-CN" b="1" dirty="0" smtClean="0"/>
+              <a:t>Objective Function</a:t>
+            </a:r>
+            <a:endParaRPr lang="zh-CN" altLang="en-US" b="1" dirty="0"/>
+          </a:p>
+        </p:txBody>
+      </p:sp>
+      <p:sp>
+        <p:nvSpPr>
+          <p:cNvPr id="11" name="灯片编号占位符 10"/>
+          <p:cNvSpPr>
+            <a:spLocks noGrp="1"/>
+          </p:cNvSpPr>
+          <p:nvPr>
+            <p:ph type="sldNum" sz="quarter" idx="12"/>
+          </p:nvPr>
+        </p:nvSpPr>
+        <p:spPr/>
+        <p:txBody>
+          <a:bodyPr/>
+          <a:lstStyle/>
+          <a:p>
+            <a:fld id="{C102C7BA-A18E-41F7-855F-B9281AA705A6}" type="slidenum">
+              <a:rPr lang="zh-CN" altLang="en-US" smtClean="0"/>
+              <a:t>16</a:t>
+            </a:fld>
+            <a:endParaRPr lang="zh-CN" altLang="en-US" dirty="0"/>
+          </a:p>
+        </p:txBody>
+      </p:sp>
+      <p:pic>
+        <p:nvPicPr>
+          <p:cNvPr id="12" name="图片 11" descr="31393938393834313b31393939353234333bcbaed6e9d0ce"/>
+          <p:cNvPicPr>
+            <a:picLocks noChangeAspect="1"/>
+          </p:cNvPicPr>
+          <p:nvPr/>
+        </p:nvPicPr>
+        <p:blipFill>
+          <a:blip r:embed="rId4">
+            <a:extLst>
+              <a:ext uri="{96DAC541-7B7A-43D3-8B79-37D633B846F1}">
+                <asvg:svgBlip xmlns:asvg="http://schemas.microsoft.com/office/drawing/2016/SVG/main" xmlns="" r:embed="rId5"/>
+              </a:ext>
+            </a:extLst>
+          </a:blip>
+          <a:stretch>
+            <a:fillRect/>
+          </a:stretch>
+        </p:blipFill>
+        <p:spPr>
+          <a:xfrm flipH="1">
+            <a:off x="676275" y="1247746"/>
+            <a:ext cx="243205" cy="243205"/>
+          </a:xfrm>
+          <a:prstGeom prst="rect">
+            <a:avLst/>
+          </a:prstGeom>
+        </p:spPr>
+      </p:pic>
+      <p:pic>
+        <p:nvPicPr>
+          <p:cNvPr id="16" name="图片 15" descr="31393938393834313b31393939353234333bcbaed6e9d0ce"/>
+          <p:cNvPicPr>
+            <a:picLocks noChangeAspect="1"/>
+          </p:cNvPicPr>
+          <p:nvPr/>
+        </p:nvPicPr>
+        <p:blipFill>
+          <a:blip r:embed="rId4">
+            <a:extLst>
+              <a:ext uri="{96DAC541-7B7A-43D3-8B79-37D633B846F1}">
+                <asvg:svgBlip xmlns:asvg="http://schemas.microsoft.com/office/drawing/2016/SVG/main" xmlns="" r:embed="rId5"/>
+              </a:ext>
+            </a:extLst>
+          </a:blip>
+          <a:stretch>
+            <a:fillRect/>
+          </a:stretch>
+        </p:blipFill>
+        <p:spPr>
+          <a:xfrm flipH="1">
+            <a:off x="684297" y="2218289"/>
+            <a:ext cx="243205" cy="243205"/>
+          </a:xfrm>
+          <a:prstGeom prst="rect">
+            <a:avLst/>
+          </a:prstGeom>
+        </p:spPr>
+      </p:pic>
+    </p:spTree>
+    <p:extLst>
+      <p:ext uri="{BB962C8B-B14F-4D97-AF65-F5344CB8AC3E}">
+        <p14:creationId xmlns:p14="http://schemas.microsoft.com/office/powerpoint/2010/main" val="2275393937"/>
+      </p:ext>
+    </p:extLst>
+  </p:cSld>
+  <p:clrMapOvr>
+    <a:masterClrMapping/>
+  </p:clrMapOvr>
+  <mc:AlternateContent xmlns:mc="http://schemas.openxmlformats.org/markup-compatibility/2006" xmlns:p14="http://schemas.microsoft.com/office/powerpoint/2010/main">
+    <mc:Choice Requires="p14">
+      <p:transition spd="slow" p14:dur="2000" advTm="3640"/>
+    </mc:Choice>
+    <mc:Fallback xmlns="">
+      <p:transition spd="slow" advTm="3640"/>
+    </mc:Fallback>
+  </mc:AlternateContent>
+  <p:timing>
+    <p:tnLst>
+      <p:par>
+        <p:cTn id="1" dur="indefinite" restart="never" nodeType="tmRoot"/>
+      </p:par>
+    </p:tnLst>
+  </p:timing>
+</p:sld>
+</file>
+
+<file path=ppt/slides/slide17.xml><?xml version="1.0" encoding="utf-8"?>
+<p:sld xmlns:a="http://schemas.openxmlformats.org/drawingml/2006/main" xmlns:r="http://schemas.openxmlformats.org/officeDocument/2006/relationships" xmlns:p="http://schemas.openxmlformats.org/presentationml/2006/main">
+  <p:cSld>
+    <p:spTree>
+      <p:nvGrpSpPr>
+        <p:cNvPr id="1" name=""/>
+        <p:cNvGrpSpPr/>
+        <p:nvPr/>
+      </p:nvGrpSpPr>
+      <p:grpSpPr>
+        <a:xfrm>
+          <a:off x="0" y="0"/>
+          <a:ext cx="0" cy="0"/>
+          <a:chOff x="0" y="0"/>
+          <a:chExt cx="0" cy="0"/>
+        </a:xfrm>
+      </p:grpSpPr>
     </p:spTree>
     <p:extLst>
       <p:ext uri="{BB962C8B-B14F-4D97-AF65-F5344CB8AC3E}">
@@ -14046,7 +15121,7 @@
 </p:sld>
 </file>
 
-<file path=ppt/slides/slide17.xml><?xml version="1.0" encoding="utf-8"?>
+<file path=ppt/slides/slide18.xml><?xml version="1.0" encoding="utf-8"?>
 <p:sld xmlns:a="http://schemas.openxmlformats.org/drawingml/2006/main" xmlns:r="http://schemas.openxmlformats.org/officeDocument/2006/relationships" xmlns:p="http://schemas.openxmlformats.org/presentationml/2006/main">
   <p:cSld>
     <p:spTree>
@@ -23155,485 +24230,6 @@
           <a:chExt cx="0" cy="0"/>
         </a:xfrm>
       </p:grpSpPr>
-      <p:sp>
-        <p:nvSpPr>
-          <p:cNvPr id="7" name="内容占位符 2"/>
-          <p:cNvSpPr>
-            <a:spLocks noGrp="1"/>
-          </p:cNvSpPr>
-          <p:nvPr>
-            <p:ph idx="1"/>
-          </p:nvPr>
-        </p:nvSpPr>
-        <p:spPr>
-          <a:xfrm>
-            <a:off x="577850" y="1260974"/>
-            <a:ext cx="10515600" cy="4698005"/>
-          </a:xfrm>
-        </p:spPr>
-        <p:txBody>
-          <a:bodyPr>
-            <a:normAutofit/>
-          </a:bodyPr>
-          <a:lstStyle/>
-          <a:p>
-            <a:pPr marL="0" indent="0">
-              <a:buNone/>
-            </a:pPr>
-            <a:r>
-              <a:rPr lang="en-US" altLang="zh-CN" dirty="0" smtClean="0">
-                <a:latin typeface="微软雅黑" panose="020B0503020204020204" pitchFamily="34" charset="-122"/>
-                <a:ea typeface="微软雅黑" panose="020B0503020204020204" pitchFamily="34" charset="-122"/>
-              </a:rPr>
-              <a:t>    </a:t>
-            </a:r>
-            <a:r>
-              <a:rPr lang="en-US" altLang="zh-CN" dirty="0">
-                <a:latin typeface="微软雅黑" panose="020B0503020204020204" pitchFamily="34" charset="-122"/>
-                <a:ea typeface="微软雅黑" panose="020B0503020204020204" pitchFamily="34" charset="-122"/>
-              </a:rPr>
-              <a:t>Neuro </a:t>
-            </a:r>
-            <a:r>
-              <a:rPr lang="en-US" altLang="zh-CN" dirty="0" smtClean="0">
-                <a:latin typeface="微软雅黑" panose="020B0503020204020204" pitchFamily="34" charset="-122"/>
-                <a:ea typeface="微软雅黑" panose="020B0503020204020204" pitchFamily="34" charset="-122"/>
-              </a:rPr>
-              <a:t>sim</a:t>
-            </a:r>
-          </a:p>
-          <a:p>
-            <a:pPr marL="0" indent="0">
-              <a:buNone/>
-            </a:pPr>
-            <a:endParaRPr lang="en-US" altLang="zh-CN" dirty="0">
-              <a:latin typeface="微软雅黑" panose="020B0503020204020204" pitchFamily="34" charset="-122"/>
-              <a:ea typeface="微软雅黑" panose="020B0503020204020204" pitchFamily="34" charset="-122"/>
-            </a:endParaRPr>
-          </a:p>
-          <a:p>
-            <a:pPr marL="0" indent="0">
-              <a:buNone/>
-            </a:pPr>
-            <a:endParaRPr lang="en-US" altLang="zh-CN" dirty="0" smtClean="0">
-              <a:latin typeface="微软雅黑" panose="020B0503020204020204" pitchFamily="34" charset="-122"/>
-              <a:ea typeface="微软雅黑" panose="020B0503020204020204" pitchFamily="34" charset="-122"/>
-            </a:endParaRPr>
-          </a:p>
-          <a:p>
-            <a:pPr marL="0" indent="0">
-              <a:buNone/>
-            </a:pPr>
-            <a:r>
-              <a:rPr lang="zh-CN" altLang="en-US" dirty="0" smtClean="0">
-                <a:latin typeface="微软雅黑" panose="020B0503020204020204" pitchFamily="34" charset="-122"/>
-                <a:ea typeface="微软雅黑" panose="020B0503020204020204" pitchFamily="34" charset="-122"/>
-              </a:rPr>
-              <a:t>    找数据 </a:t>
-            </a:r>
-            <a:r>
-              <a:rPr lang="en-US" altLang="zh-CN" dirty="0" smtClean="0">
-                <a:latin typeface="微软雅黑" panose="020B0503020204020204" pitchFamily="34" charset="-122"/>
-                <a:ea typeface="微软雅黑" panose="020B0503020204020204" pitchFamily="34" charset="-122"/>
-              </a:rPr>
-              <a:t>(router, SRAM, CIM)</a:t>
-            </a:r>
-          </a:p>
-          <a:p>
-            <a:pPr marL="0" indent="0">
-              <a:buNone/>
-            </a:pPr>
-            <a:r>
-              <a:rPr lang="zh-CN" altLang="en-US" dirty="0" smtClean="0">
-                <a:latin typeface="微软雅黑" panose="020B0503020204020204" pitchFamily="34" charset="-122"/>
-                <a:ea typeface="微软雅黑" panose="020B0503020204020204" pitchFamily="34" charset="-122"/>
-              </a:rPr>
-              <a:t>    看</a:t>
-            </a:r>
-            <a:r>
-              <a:rPr lang="en-US" altLang="zh-CN" dirty="0" smtClean="0">
-                <a:latin typeface="微软雅黑" panose="020B0503020204020204" pitchFamily="34" charset="-122"/>
-                <a:ea typeface="微软雅黑" panose="020B0503020204020204" pitchFamily="34" charset="-122"/>
-              </a:rPr>
-              <a:t>accuracy</a:t>
-            </a:r>
-            <a:r>
-              <a:rPr lang="zh-CN" altLang="en-US" dirty="0" smtClean="0">
-                <a:latin typeface="微软雅黑" panose="020B0503020204020204" pitchFamily="34" charset="-122"/>
-                <a:ea typeface="微软雅黑" panose="020B0503020204020204" pitchFamily="34" charset="-122"/>
-              </a:rPr>
-              <a:t>模型</a:t>
-            </a:r>
-            <a:endParaRPr lang="en-US" altLang="zh-CN" dirty="0" smtClean="0">
-              <a:latin typeface="微软雅黑" panose="020B0503020204020204" pitchFamily="34" charset="-122"/>
-              <a:ea typeface="微软雅黑" panose="020B0503020204020204" pitchFamily="34" charset="-122"/>
-            </a:endParaRPr>
-          </a:p>
-          <a:p>
-            <a:pPr marL="0" indent="0">
-              <a:buNone/>
-            </a:pPr>
-            <a:endParaRPr lang="en-US" altLang="zh-CN" dirty="0">
-              <a:latin typeface="微软雅黑" panose="020B0503020204020204" pitchFamily="34" charset="-122"/>
-              <a:ea typeface="微软雅黑" panose="020B0503020204020204" pitchFamily="34" charset="-122"/>
-            </a:endParaRPr>
-          </a:p>
-          <a:p>
-            <a:pPr marL="0" indent="0">
-              <a:buNone/>
-            </a:pPr>
-            <a:r>
-              <a:rPr lang="en-US" altLang="zh-CN" dirty="0" smtClean="0">
-                <a:latin typeface="微软雅黑" panose="020B0503020204020204" pitchFamily="34" charset="-122"/>
-                <a:ea typeface="微软雅黑" panose="020B0503020204020204" pitchFamily="34" charset="-122"/>
-              </a:rPr>
-              <a:t>	</a:t>
-            </a:r>
-          </a:p>
-          <a:p>
-            <a:pPr marL="0" indent="0">
-              <a:buNone/>
-            </a:pPr>
-            <a:endParaRPr lang="en-US" altLang="zh-CN" dirty="0">
-              <a:latin typeface="微软雅黑" panose="020B0503020204020204" pitchFamily="34" charset="-122"/>
-              <a:ea typeface="微软雅黑" panose="020B0503020204020204" pitchFamily="34" charset="-122"/>
-            </a:endParaRPr>
-          </a:p>
-          <a:p>
-            <a:pPr marL="0" indent="0">
-              <a:buNone/>
-            </a:pPr>
-            <a:r>
-              <a:rPr lang="en-US" altLang="zh-CN" dirty="0" smtClean="0"/>
-              <a:t>	</a:t>
-            </a:r>
-            <a:endParaRPr lang="en-US" altLang="zh-CN" dirty="0" smtClean="0">
-              <a:latin typeface="微软雅黑" panose="020B0503020204020204" pitchFamily="34" charset="-122"/>
-              <a:ea typeface="微软雅黑" panose="020B0503020204020204" pitchFamily="34" charset="-122"/>
-            </a:endParaRPr>
-          </a:p>
-        </p:txBody>
-      </p:sp>
-      <p:sp>
-        <p:nvSpPr>
-          <p:cNvPr id="2" name="标题 1"/>
-          <p:cNvSpPr>
-            <a:spLocks noGrp="1"/>
-          </p:cNvSpPr>
-          <p:nvPr>
-            <p:ph type="title"/>
-          </p:nvPr>
-        </p:nvSpPr>
-        <p:spPr/>
-        <p:txBody>
-          <a:bodyPr/>
-          <a:lstStyle/>
-          <a:p>
-            <a:r>
-              <a:rPr lang="zh-CN" altLang="en-US" b="1" dirty="0" smtClean="0"/>
-              <a:t>本周工作</a:t>
-            </a:r>
-            <a:endParaRPr lang="zh-CN" altLang="en-US" b="1" dirty="0"/>
-          </a:p>
-        </p:txBody>
-      </p:sp>
-      <p:sp>
-        <p:nvSpPr>
-          <p:cNvPr id="11" name="灯片编号占位符 10"/>
-          <p:cNvSpPr>
-            <a:spLocks noGrp="1"/>
-          </p:cNvSpPr>
-          <p:nvPr>
-            <p:ph type="sldNum" sz="quarter" idx="12"/>
-          </p:nvPr>
-        </p:nvSpPr>
-        <p:spPr/>
-        <p:txBody>
-          <a:bodyPr/>
-          <a:lstStyle/>
-          <a:p>
-            <a:fld id="{C102C7BA-A18E-41F7-855F-B9281AA705A6}" type="slidenum">
-              <a:rPr lang="zh-CN" altLang="en-US" smtClean="0"/>
-              <a:t>8</a:t>
-            </a:fld>
-            <a:endParaRPr lang="zh-CN" altLang="en-US" dirty="0"/>
-          </a:p>
-        </p:txBody>
-      </p:sp>
-      <p:pic>
-        <p:nvPicPr>
-          <p:cNvPr id="12" name="图片 11" descr="31393938393834313b31393939353234333bcbaed6e9d0ce"/>
-          <p:cNvPicPr>
-            <a:picLocks noChangeAspect="1"/>
-          </p:cNvPicPr>
-          <p:nvPr/>
-        </p:nvPicPr>
-        <p:blipFill>
-          <a:blip r:embed="rId3">
-            <a:extLst>
-              <a:ext uri="{96DAC541-7B7A-43D3-8B79-37D633B846F1}">
-                <asvg:svgBlip xmlns:asvg="http://schemas.microsoft.com/office/drawing/2016/SVG/main" xmlns="" r:embed="rId4"/>
-              </a:ext>
-            </a:extLst>
-          </a:blip>
-          <a:stretch>
-            <a:fillRect/>
-          </a:stretch>
-        </p:blipFill>
-        <p:spPr>
-          <a:xfrm flipH="1">
-            <a:off x="676275" y="1279830"/>
-            <a:ext cx="243205" cy="243205"/>
-          </a:xfrm>
-          <a:prstGeom prst="rect">
-            <a:avLst/>
-          </a:prstGeom>
-        </p:spPr>
-      </p:pic>
-      <p:pic>
-        <p:nvPicPr>
-          <p:cNvPr id="9" name="图片 8" descr="31393938393834313b31393939353234333bcbaed6e9d0ce"/>
-          <p:cNvPicPr>
-            <a:picLocks noChangeAspect="1"/>
-          </p:cNvPicPr>
-          <p:nvPr/>
-        </p:nvPicPr>
-        <p:blipFill>
-          <a:blip r:embed="rId3">
-            <a:extLst>
-              <a:ext uri="{96DAC541-7B7A-43D3-8B79-37D633B846F1}">
-                <asvg:svgBlip xmlns:asvg="http://schemas.microsoft.com/office/drawing/2016/SVG/main" xmlns="" r:embed="rId4"/>
-              </a:ext>
-            </a:extLst>
-          </a:blip>
-          <a:stretch>
-            <a:fillRect/>
-          </a:stretch>
-        </p:blipFill>
-        <p:spPr>
-          <a:xfrm flipH="1">
-            <a:off x="633229" y="2849885"/>
-            <a:ext cx="243205" cy="243205"/>
-          </a:xfrm>
-          <a:prstGeom prst="rect">
-            <a:avLst/>
-          </a:prstGeom>
-        </p:spPr>
-      </p:pic>
-      <p:pic>
-        <p:nvPicPr>
-          <p:cNvPr id="8" name="图片 7"/>
-          <p:cNvPicPr>
-            <a:picLocks noChangeAspect="1"/>
-          </p:cNvPicPr>
-          <p:nvPr/>
-        </p:nvPicPr>
-        <p:blipFill>
-          <a:blip r:embed="rId5"/>
-          <a:stretch>
-            <a:fillRect/>
-          </a:stretch>
-        </p:blipFill>
-        <p:spPr>
-          <a:xfrm>
-            <a:off x="1099909" y="1786033"/>
-            <a:ext cx="10319127" cy="737723"/>
-          </a:xfrm>
-          <a:prstGeom prst="rect">
-            <a:avLst/>
-          </a:prstGeom>
-        </p:spPr>
-      </p:pic>
-      <p:sp>
-        <p:nvSpPr>
-          <p:cNvPr id="10" name="任意多边形 9"/>
-          <p:cNvSpPr/>
-          <p:nvPr/>
-        </p:nvSpPr>
-        <p:spPr>
-          <a:xfrm>
-            <a:off x="633229" y="1317061"/>
-            <a:ext cx="11372883" cy="1206696"/>
-          </a:xfrm>
-          <a:custGeom>
-            <a:avLst/>
-            <a:gdLst>
-              <a:gd name="connsiteX0" fmla="*/ 0 w 7243168"/>
-              <a:gd name="connsiteY0" fmla="*/ 0 h 2116800"/>
-              <a:gd name="connsiteX1" fmla="*/ 7243168 w 7243168"/>
-              <a:gd name="connsiteY1" fmla="*/ 0 h 2116800"/>
-              <a:gd name="connsiteX2" fmla="*/ 7243168 w 7243168"/>
-              <a:gd name="connsiteY2" fmla="*/ 2116800 h 2116800"/>
-              <a:gd name="connsiteX3" fmla="*/ 0 w 7243168"/>
-              <a:gd name="connsiteY3" fmla="*/ 2116800 h 2116800"/>
-              <a:gd name="connsiteX4" fmla="*/ 0 w 7243168"/>
-              <a:gd name="connsiteY4" fmla="*/ 0 h 2116800"/>
-            </a:gdLst>
-            <a:ahLst/>
-            <a:cxnLst>
-              <a:cxn ang="0">
-                <a:pos x="connsiteX0" y="connsiteY0"/>
-              </a:cxn>
-              <a:cxn ang="0">
-                <a:pos x="connsiteX1" y="connsiteY1"/>
-              </a:cxn>
-              <a:cxn ang="0">
-                <a:pos x="connsiteX2" y="connsiteY2"/>
-              </a:cxn>
-              <a:cxn ang="0">
-                <a:pos x="connsiteX3" y="connsiteY3"/>
-              </a:cxn>
-              <a:cxn ang="0">
-                <a:pos x="connsiteX4" y="connsiteY4"/>
-              </a:cxn>
-            </a:cxnLst>
-            <a:rect l="l" t="t" r="r" b="b"/>
-            <a:pathLst>
-              <a:path w="7243168" h="2116800">
-                <a:moveTo>
-                  <a:pt x="0" y="0"/>
-                </a:moveTo>
-                <a:lnTo>
-                  <a:pt x="7243168" y="0"/>
-                </a:lnTo>
-                <a:lnTo>
-                  <a:pt x="7243168" y="2116800"/>
-                </a:lnTo>
-                <a:lnTo>
-                  <a:pt x="0" y="2116800"/>
-                </a:lnTo>
-                <a:lnTo>
-                  <a:pt x="0" y="0"/>
-                </a:lnTo>
-                <a:close/>
-              </a:path>
-            </a:pathLst>
-          </a:custGeom>
-          <a:noFill/>
-          <a:ln>
-            <a:noFill/>
-          </a:ln>
-        </p:spPr>
-        <p:style>
-          <a:lnRef idx="2">
-            <a:scrgbClr r="0" g="0" b="0"/>
-          </a:lnRef>
-          <a:fillRef idx="1">
-            <a:scrgbClr r="0" g="0" b="0"/>
-          </a:fillRef>
-          <a:effectRef idx="0">
-            <a:schemeClr val="lt1">
-              <a:alpha val="90000"/>
-              <a:hueOff val="0"/>
-              <a:satOff val="0"/>
-              <a:lumOff val="0"/>
-              <a:alphaOff val="0"/>
-            </a:schemeClr>
-          </a:effectRef>
-          <a:fontRef idx="minor">
-            <a:schemeClr val="dk1">
-              <a:hueOff val="0"/>
-              <a:satOff val="0"/>
-              <a:lumOff val="0"/>
-              <a:alphaOff val="0"/>
-            </a:schemeClr>
-          </a:fontRef>
-        </p:style>
-        <p:txBody>
-          <a:bodyPr spcFirstLastPara="0" vert="horz" wrap="square" lIns="562150" tIns="0" rIns="562150" bIns="0" numCol="1" spcCol="1270" anchor="t" anchorCtr="0">
-            <a:noAutofit/>
-          </a:bodyPr>
-          <a:lstStyle/>
-          <a:p>
-            <a:pPr indent="0" fontAlgn="auto">
-              <a:lnSpc>
-                <a:spcPct val="120000"/>
-              </a:lnSpc>
-              <a:buFont typeface="Wingdings" panose="05000000000000000000" pitchFamily="2" charset="2"/>
-              <a:buNone/>
-            </a:pPr>
-            <a:endParaRPr lang="zh-CN" altLang="en-US" sz="2400" dirty="0">
-              <a:latin typeface="微软雅黑" panose="020B0503020204020204" pitchFamily="34" charset="-122"/>
-              <a:ea typeface="微软雅黑" panose="020B0503020204020204" pitchFamily="34" charset="-122"/>
-            </a:endParaRPr>
-          </a:p>
-        </p:txBody>
-      </p:sp>
-      <p:pic>
-        <p:nvPicPr>
-          <p:cNvPr id="13" name="图片 12" descr="31393938393834313b31393939353234333bcbaed6e9d0ce"/>
-          <p:cNvPicPr>
-            <a:picLocks noChangeAspect="1"/>
-          </p:cNvPicPr>
-          <p:nvPr/>
-        </p:nvPicPr>
-        <p:blipFill>
-          <a:blip r:embed="rId3">
-            <a:extLst>
-              <a:ext uri="{96DAC541-7B7A-43D3-8B79-37D633B846F1}">
-                <asvg:svgBlip xmlns:asvg="http://schemas.microsoft.com/office/drawing/2016/SVG/main" xmlns="" r:embed="rId4"/>
-              </a:ext>
-            </a:extLst>
-          </a:blip>
-          <a:stretch>
-            <a:fillRect/>
-          </a:stretch>
-        </p:blipFill>
-        <p:spPr>
-          <a:xfrm flipH="1">
-            <a:off x="641251" y="3387293"/>
-            <a:ext cx="243205" cy="243205"/>
-          </a:xfrm>
-          <a:prstGeom prst="rect">
-            <a:avLst/>
-          </a:prstGeom>
-        </p:spPr>
-      </p:pic>
-    </p:spTree>
-    <p:extLst>
-      <p:ext uri="{BB962C8B-B14F-4D97-AF65-F5344CB8AC3E}">
-        <p14:creationId xmlns:p14="http://schemas.microsoft.com/office/powerpoint/2010/main" val="37507503"/>
-      </p:ext>
-    </p:extLst>
-  </p:cSld>
-  <p:clrMapOvr>
-    <a:masterClrMapping/>
-  </p:clrMapOvr>
-  <mc:AlternateContent xmlns:mc="http://schemas.openxmlformats.org/markup-compatibility/2006" xmlns:p14="http://schemas.microsoft.com/office/powerpoint/2010/main">
-    <mc:Choice Requires="p14">
-      <p:transition spd="slow" p14:dur="2000" advTm="3640"/>
-    </mc:Choice>
-    <mc:Fallback xmlns="">
-      <p:transition spd="slow" advTm="3640"/>
-    </mc:Fallback>
-  </mc:AlternateContent>
-  <p:timing>
-    <p:tnLst>
-      <p:par>
-        <p:cTn id="1" dur="indefinite" restart="never" nodeType="tmRoot"/>
-      </p:par>
-    </p:tnLst>
-  </p:timing>
-</p:sld>
-</file>
-
-<file path=ppt/slides/slide9.xml><?xml version="1.0" encoding="utf-8"?>
-<p:sld xmlns:a="http://schemas.openxmlformats.org/drawingml/2006/main" xmlns:r="http://schemas.openxmlformats.org/officeDocument/2006/relationships" xmlns:p="http://schemas.openxmlformats.org/presentationml/2006/main">
-  <p:cSld>
-    <p:spTree>
-      <p:nvGrpSpPr>
-        <p:cNvPr id="1" name=""/>
-        <p:cNvGrpSpPr/>
-        <p:nvPr/>
-      </p:nvGrpSpPr>
-      <p:grpSpPr>
-        <a:xfrm>
-          <a:off x="0" y="0"/>
-          <a:ext cx="0" cy="0"/>
-          <a:chOff x="0" y="0"/>
-          <a:chExt cx="0" cy="0"/>
-        </a:xfrm>
-      </p:grpSpPr>
       <mc:AlternateContent xmlns:mc="http://schemas.openxmlformats.org/markup-compatibility/2006" xmlns:a14="http://schemas.microsoft.com/office/drawing/2010/main">
         <mc:Choice Requires="a14">
           <p:sp>
@@ -25030,7 +25626,7 @@
           <a:p>
             <a:fld id="{C102C7BA-A18E-41F7-855F-B9281AA705A6}" type="slidenum">
               <a:rPr lang="zh-CN" altLang="en-US" smtClean="0"/>
-              <a:t>9</a:t>
+              <a:t>8</a:t>
             </a:fld>
             <a:endParaRPr lang="zh-CN" altLang="en-US" dirty="0"/>
           </a:p>
@@ -25124,6 +25720,1113 @@
     <p:extLst>
       <p:ext uri="{BB962C8B-B14F-4D97-AF65-F5344CB8AC3E}">
         <p14:creationId xmlns:p14="http://schemas.microsoft.com/office/powerpoint/2010/main" val="2541184610"/>
+      </p:ext>
+    </p:extLst>
+  </p:cSld>
+  <p:clrMapOvr>
+    <a:masterClrMapping/>
+  </p:clrMapOvr>
+  <mc:AlternateContent xmlns:mc="http://schemas.openxmlformats.org/markup-compatibility/2006" xmlns:p14="http://schemas.microsoft.com/office/powerpoint/2010/main">
+    <mc:Choice Requires="p14">
+      <p:transition spd="slow" p14:dur="2000" advTm="3640"/>
+    </mc:Choice>
+    <mc:Fallback xmlns="">
+      <p:transition spd="slow" advTm="3640"/>
+    </mc:Fallback>
+  </mc:AlternateContent>
+  <p:timing>
+    <p:tnLst>
+      <p:par>
+        <p:cTn id="1" dur="indefinite" restart="never" nodeType="tmRoot"/>
+      </p:par>
+    </p:tnLst>
+  </p:timing>
+</p:sld>
+</file>
+
+<file path=ppt/slides/slide9.xml><?xml version="1.0" encoding="utf-8"?>
+<p:sld xmlns:a="http://schemas.openxmlformats.org/drawingml/2006/main" xmlns:r="http://schemas.openxmlformats.org/officeDocument/2006/relationships" xmlns:p="http://schemas.openxmlformats.org/presentationml/2006/main">
+  <p:cSld>
+    <p:spTree>
+      <p:nvGrpSpPr>
+        <p:cNvPr id="1" name=""/>
+        <p:cNvGrpSpPr/>
+        <p:nvPr/>
+      </p:nvGrpSpPr>
+      <p:grpSpPr>
+        <a:xfrm>
+          <a:off x="0" y="0"/>
+          <a:ext cx="0" cy="0"/>
+          <a:chOff x="0" y="0"/>
+          <a:chExt cx="0" cy="0"/>
+        </a:xfrm>
+      </p:grpSpPr>
+      <mc:AlternateContent xmlns:mc="http://schemas.openxmlformats.org/markup-compatibility/2006" xmlns:a14="http://schemas.microsoft.com/office/drawing/2010/main">
+        <mc:Choice Requires="a14">
+          <p:sp>
+            <p:nvSpPr>
+              <p:cNvPr id="7" name="内容占位符 2"/>
+              <p:cNvSpPr>
+                <a:spLocks noGrp="1"/>
+              </p:cNvSpPr>
+              <p:nvPr>
+                <p:ph idx="1"/>
+              </p:nvPr>
+            </p:nvSpPr>
+            <p:spPr>
+              <a:xfrm>
+                <a:off x="577850" y="1260974"/>
+                <a:ext cx="10515600" cy="4698005"/>
+              </a:xfrm>
+            </p:spPr>
+            <p:txBody>
+              <a:bodyPr>
+                <a:normAutofit/>
+              </a:bodyPr>
+              <a:lstStyle/>
+              <a:p>
+                <a:pPr marL="0" indent="0">
+                  <a:buNone/>
+                </a:pPr>
+                <a:r>
+                  <a:rPr lang="en-US" altLang="zh-CN" dirty="0" smtClean="0">
+                    <a:latin typeface="微软雅黑" panose="020B0503020204020204" pitchFamily="34" charset="-122"/>
+                    <a:ea typeface="微软雅黑" panose="020B0503020204020204" pitchFamily="34" charset="-122"/>
+                  </a:rPr>
+                  <a:t>    Assumption: specialized device for GNN, use IMC</a:t>
+                </a:r>
+              </a:p>
+              <a:p>
+                <a:r>
+                  <a:rPr lang="en-US" altLang="zh-CN" dirty="0">
+                    <a:latin typeface="微软雅黑" panose="020B0503020204020204" pitchFamily="34" charset="-122"/>
+                    <a:ea typeface="微软雅黑" panose="020B0503020204020204" pitchFamily="34" charset="-122"/>
+                  </a:rPr>
+                  <a:t> </a:t>
+                </a:r>
+                <a:r>
+                  <a:rPr lang="en-US" altLang="zh-CN" dirty="0" smtClean="0">
+                    <a:latin typeface="微软雅黑" panose="020B0503020204020204" pitchFamily="34" charset="-122"/>
+                    <a:ea typeface="微软雅黑" panose="020B0503020204020204" pitchFamily="34" charset="-122"/>
+                  </a:rPr>
+                  <a:t> Hardware </a:t>
+                </a:r>
+                <a:r>
+                  <a:rPr lang="en-US" altLang="zh-CN" dirty="0">
+                    <a:latin typeface="微软雅黑" panose="020B0503020204020204" pitchFamily="34" charset="-122"/>
+                    <a:ea typeface="微软雅黑" panose="020B0503020204020204" pitchFamily="34" charset="-122"/>
+                  </a:rPr>
+                  <a:t>Design Space: </a:t>
+                </a:r>
+                <a14:m>
+                  <m:oMath xmlns:m="http://schemas.openxmlformats.org/officeDocument/2006/math">
+                    <m:r>
+                      <m:rPr>
+                        <m:sty m:val="p"/>
+                      </m:rPr>
+                      <a:rPr lang="en-US" altLang="zh-CN">
+                        <a:latin typeface="Cambria Math" panose="02040503050406030204" pitchFamily="18" charset="0"/>
+                      </a:rPr>
+                      <m:t>H</m:t>
+                    </m:r>
+                    <m:r>
+                      <a:rPr lang="en-US" altLang="zh-CN" i="1">
+                        <a:latin typeface="Cambria Math" panose="02040503050406030204" pitchFamily="18" charset="0"/>
+                      </a:rPr>
+                      <m:t>={</m:t>
+                    </m:r>
+                    <m:sSub>
+                      <m:sSubPr>
+                        <m:ctrlPr>
+                          <a:rPr lang="en-US" altLang="zh-CN" i="1">
+                            <a:latin typeface="Cambria Math" panose="02040503050406030204" pitchFamily="18" charset="0"/>
+                          </a:rPr>
+                        </m:ctrlPr>
+                      </m:sSubPr>
+                      <m:e>
+                        <m:r>
+                          <a:rPr lang="en-US" altLang="zh-CN" i="1">
+                            <a:latin typeface="Cambria Math" panose="02040503050406030204" pitchFamily="18" charset="0"/>
+                          </a:rPr>
+                          <m:t>𝑞</m:t>
+                        </m:r>
+                      </m:e>
+                      <m:sub>
+                        <m:r>
+                          <a:rPr lang="en-US" altLang="zh-CN" i="1">
+                            <a:latin typeface="Cambria Math" panose="02040503050406030204" pitchFamily="18" charset="0"/>
+                          </a:rPr>
+                          <m:t>𝑖</m:t>
+                        </m:r>
+                      </m:sub>
+                    </m:sSub>
+                    <m:r>
+                      <a:rPr lang="en-US" altLang="zh-CN" i="1">
+                        <a:latin typeface="Cambria Math" panose="02040503050406030204" pitchFamily="18" charset="0"/>
+                      </a:rPr>
+                      <m:t>, </m:t>
+                    </m:r>
+                    <m:sSub>
+                      <m:sSubPr>
+                        <m:ctrlPr>
+                          <a:rPr lang="en-US" altLang="zh-CN" i="1">
+                            <a:latin typeface="Cambria Math" panose="02040503050406030204" pitchFamily="18" charset="0"/>
+                          </a:rPr>
+                        </m:ctrlPr>
+                      </m:sSubPr>
+                      <m:e>
+                        <m:r>
+                          <a:rPr lang="en-US" altLang="zh-CN" i="1">
+                            <a:latin typeface="Cambria Math" panose="02040503050406030204" pitchFamily="18" charset="0"/>
+                          </a:rPr>
+                          <m:t>𝑛</m:t>
+                        </m:r>
+                      </m:e>
+                      <m:sub>
+                        <m:r>
+                          <a:rPr lang="en-US" altLang="zh-CN" i="1">
+                            <a:latin typeface="Cambria Math" panose="02040503050406030204" pitchFamily="18" charset="0"/>
+                          </a:rPr>
+                          <m:t>𝑐</m:t>
+                        </m:r>
+                      </m:sub>
+                    </m:sSub>
+                    <m:r>
+                      <a:rPr lang="en-US" altLang="zh-CN" i="1">
+                        <a:latin typeface="Cambria Math" panose="02040503050406030204" pitchFamily="18" charset="0"/>
+                      </a:rPr>
+                      <m:t>, </m:t>
+                    </m:r>
+                    <m:sSub>
+                      <m:sSubPr>
+                        <m:ctrlPr>
+                          <a:rPr lang="en-US" altLang="zh-CN" i="1">
+                            <a:latin typeface="Cambria Math" panose="02040503050406030204" pitchFamily="18" charset="0"/>
+                          </a:rPr>
+                        </m:ctrlPr>
+                      </m:sSubPr>
+                      <m:e>
+                        <m:r>
+                          <a:rPr lang="en-US" altLang="zh-CN" i="1">
+                            <a:latin typeface="Cambria Math" panose="02040503050406030204" pitchFamily="18" charset="0"/>
+                          </a:rPr>
+                          <m:t>𝑛</m:t>
+                        </m:r>
+                      </m:e>
+                      <m:sub>
+                        <m:r>
+                          <a:rPr lang="en-US" altLang="zh-CN" i="1">
+                            <a:latin typeface="Cambria Math" panose="02040503050406030204" pitchFamily="18" charset="0"/>
+                          </a:rPr>
+                          <m:t>𝑡</m:t>
+                        </m:r>
+                      </m:sub>
+                    </m:sSub>
+                    <m:r>
+                      <a:rPr lang="en-US" altLang="zh-CN" i="1">
+                        <a:latin typeface="Cambria Math" panose="02040503050406030204" pitchFamily="18" charset="0"/>
+                      </a:rPr>
+                      <m:t>, </m:t>
+                    </m:r>
+                    <m:r>
+                      <a:rPr lang="en-US" altLang="zh-CN" i="1">
+                        <a:latin typeface="Cambria Math" panose="02040503050406030204" pitchFamily="18" charset="0"/>
+                      </a:rPr>
+                      <m:t>𝑏</m:t>
+                    </m:r>
+                    <m:r>
+                      <a:rPr lang="en-US" altLang="zh-CN" i="1">
+                        <a:latin typeface="Cambria Math" panose="02040503050406030204" pitchFamily="18" charset="0"/>
+                      </a:rPr>
+                      <m:t>,</m:t>
+                    </m:r>
+                    <m:sSub>
+                      <m:sSubPr>
+                        <m:ctrlPr>
+                          <a:rPr lang="en-US" altLang="zh-CN" i="1">
+                            <a:latin typeface="Cambria Math" panose="02040503050406030204" pitchFamily="18" charset="0"/>
+                          </a:rPr>
+                        </m:ctrlPr>
+                      </m:sSubPr>
+                      <m:e>
+                        <m:r>
+                          <a:rPr lang="en-US" altLang="zh-CN" i="1">
+                            <a:latin typeface="Cambria Math" panose="02040503050406030204" pitchFamily="18" charset="0"/>
+                          </a:rPr>
+                          <m:t>𝐺</m:t>
+                        </m:r>
+                      </m:e>
+                      <m:sub>
+                        <m:r>
+                          <a:rPr lang="en-US" altLang="zh-CN" i="1">
+                            <a:latin typeface="Cambria Math" panose="02040503050406030204" pitchFamily="18" charset="0"/>
+                          </a:rPr>
+                          <m:t>𝐻</m:t>
+                        </m:r>
+                      </m:sub>
+                    </m:sSub>
+                    <m:r>
+                      <a:rPr lang="en-US" altLang="zh-CN" i="1">
+                        <a:latin typeface="Cambria Math" panose="02040503050406030204" pitchFamily="18" charset="0"/>
+                      </a:rPr>
+                      <m:t>}</m:t>
+                    </m:r>
+                  </m:oMath>
+                </a14:m>
+                <a:endParaRPr lang="en-US" altLang="zh-CN" dirty="0">
+                  <a:latin typeface="微软雅黑" panose="020B0503020204020204" pitchFamily="34" charset="-122"/>
+                  <a:ea typeface="微软雅黑" panose="020B0503020204020204" pitchFamily="34" charset="-122"/>
+                </a:endParaRPr>
+              </a:p>
+              <a:p>
+                <a:pPr lvl="1"/>
+                <a:r>
+                  <a:rPr lang="en-US" altLang="zh-CN" dirty="0" smtClean="0">
+                    <a:latin typeface="微软雅黑" panose="020B0503020204020204" pitchFamily="34" charset="-122"/>
+                    <a:ea typeface="微软雅黑" panose="020B0503020204020204" pitchFamily="34" charset="-122"/>
+                  </a:rPr>
+                  <a:t>Number </a:t>
+                </a:r>
+                <a:r>
+                  <a:rPr lang="en-US" altLang="zh-CN" dirty="0">
+                    <a:latin typeface="微软雅黑" panose="020B0503020204020204" pitchFamily="34" charset="-122"/>
+                    <a:ea typeface="微软雅黑" panose="020B0503020204020204" pitchFamily="34" charset="-122"/>
+                  </a:rPr>
+                  <a:t>of </a:t>
+                </a:r>
+                <a:r>
+                  <a:rPr lang="en-US" altLang="zh-CN" dirty="0" smtClean="0">
+                    <a:latin typeface="微软雅黑" panose="020B0503020204020204" pitchFamily="34" charset="-122"/>
+                    <a:ea typeface="微软雅黑" panose="020B0503020204020204" pitchFamily="34" charset="-122"/>
+                  </a:rPr>
+                  <a:t>PEs in PE array: </a:t>
+                </a:r>
+                <a14:m>
+                  <m:oMath xmlns:m="http://schemas.openxmlformats.org/officeDocument/2006/math">
+                    <m:sSub>
+                      <m:sSubPr>
+                        <m:ctrlPr>
+                          <a:rPr lang="en-US" altLang="zh-CN" i="1">
+                            <a:latin typeface="Cambria Math" panose="02040503050406030204" pitchFamily="18" charset="0"/>
+                          </a:rPr>
+                        </m:ctrlPr>
+                      </m:sSubPr>
+                      <m:e>
+                        <m:r>
+                          <a:rPr lang="en-US" altLang="zh-CN" i="1">
+                            <a:latin typeface="Cambria Math" panose="02040503050406030204" pitchFamily="18" charset="0"/>
+                          </a:rPr>
+                          <m:t>𝑛</m:t>
+                        </m:r>
+                      </m:e>
+                      <m:sub>
+                        <m:r>
+                          <a:rPr lang="en-US" altLang="zh-CN">
+                            <a:latin typeface="Cambria Math" panose="02040503050406030204" pitchFamily="18" charset="0"/>
+                          </a:rPr>
+                          <m:t>𝑐</m:t>
+                        </m:r>
+                      </m:sub>
+                    </m:sSub>
+                  </m:oMath>
+                </a14:m>
+                <a:r>
+                  <a:rPr lang="en-US" altLang="zh-CN" dirty="0" smtClean="0">
+                    <a:latin typeface="微软雅黑" panose="020B0503020204020204" pitchFamily="34" charset="-122"/>
+                    <a:ea typeface="微软雅黑" panose="020B0503020204020204" pitchFamily="34" charset="-122"/>
+                  </a:rPr>
+                  <a:t> = </a:t>
+                </a:r>
+                <a14:m>
+                  <m:oMath xmlns:m="http://schemas.openxmlformats.org/officeDocument/2006/math">
+                    <m:sSub>
+                      <m:sSubPr>
+                        <m:ctrlPr>
+                          <a:rPr lang="en-US" altLang="zh-CN" b="0" i="1" dirty="0" smtClean="0">
+                            <a:latin typeface="Cambria Math" panose="02040503050406030204" pitchFamily="18" charset="0"/>
+                          </a:rPr>
+                        </m:ctrlPr>
+                      </m:sSubPr>
+                      <m:e>
+                        <m:r>
+                          <m:rPr>
+                            <m:sty m:val="p"/>
+                          </m:rPr>
+                          <a:rPr lang="en-US" altLang="zh-CN" i="0" dirty="0">
+                            <a:latin typeface="Cambria Math" panose="02040503050406030204" pitchFamily="18" charset="0"/>
+                          </a:rPr>
+                          <m:t>PE</m:t>
+                        </m:r>
+                      </m:e>
+                      <m:sub>
+                        <m:r>
+                          <a:rPr lang="en-US" altLang="zh-CN" b="0" i="1" dirty="0" smtClean="0">
+                            <a:latin typeface="Cambria Math" panose="02040503050406030204" pitchFamily="18" charset="0"/>
+                          </a:rPr>
+                          <m:t>𝑥</m:t>
+                        </m:r>
+                      </m:sub>
+                    </m:sSub>
+                    <m:r>
+                      <a:rPr lang="en-US" altLang="zh-CN" b="0" i="1" dirty="0" smtClean="0">
+                        <a:latin typeface="Cambria Math" panose="02040503050406030204" pitchFamily="18" charset="0"/>
+                      </a:rPr>
+                      <m:t>∗</m:t>
+                    </m:r>
+                    <m:r>
+                      <a:rPr lang="en-US" altLang="zh-CN" b="0" i="1" dirty="0" smtClean="0">
+                        <a:latin typeface="Cambria Math" panose="02040503050406030204" pitchFamily="18" charset="0"/>
+                      </a:rPr>
+                      <m:t>𝑃</m:t>
+                    </m:r>
+                    <m:sSub>
+                      <m:sSubPr>
+                        <m:ctrlPr>
+                          <a:rPr lang="en-US" altLang="zh-CN" b="0" i="1" dirty="0" smtClean="0">
+                            <a:latin typeface="Cambria Math" panose="02040503050406030204" pitchFamily="18" charset="0"/>
+                          </a:rPr>
+                        </m:ctrlPr>
+                      </m:sSubPr>
+                      <m:e>
+                        <m:r>
+                          <a:rPr lang="en-US" altLang="zh-CN" b="0" i="1" dirty="0" smtClean="0">
+                            <a:latin typeface="Cambria Math" panose="02040503050406030204" pitchFamily="18" charset="0"/>
+                          </a:rPr>
+                          <m:t>𝐸</m:t>
+                        </m:r>
+                      </m:e>
+                      <m:sub>
+                        <m:r>
+                          <a:rPr lang="en-US" altLang="zh-CN" b="0" i="1" dirty="0" smtClean="0">
+                            <a:latin typeface="Cambria Math" panose="02040503050406030204" pitchFamily="18" charset="0"/>
+                          </a:rPr>
+                          <m:t>𝑦</m:t>
+                        </m:r>
+                      </m:sub>
+                    </m:sSub>
+                  </m:oMath>
+                </a14:m>
+                <a:endParaRPr lang="en-US" altLang="zh-CN" dirty="0" smtClean="0">
+                  <a:latin typeface="微软雅黑" panose="020B0503020204020204" pitchFamily="34" charset="-122"/>
+                  <a:ea typeface="微软雅黑" panose="020B0503020204020204" pitchFamily="34" charset="-122"/>
+                </a:endParaRPr>
+              </a:p>
+              <a:p>
+                <a:pPr lvl="1"/>
+                <a:r>
+                  <a:rPr lang="en-US" altLang="zh-CN" dirty="0" smtClean="0">
+                    <a:latin typeface="微软雅黑" panose="020B0503020204020204" pitchFamily="34" charset="-122"/>
+                    <a:ea typeface="微软雅黑" panose="020B0503020204020204" pitchFamily="34" charset="-122"/>
+                  </a:rPr>
+                  <a:t>Each PE has a Quantization rate q (related to computing time) </a:t>
+                </a:r>
+                <a:endParaRPr lang="en-US" altLang="zh-CN" dirty="0">
+                  <a:latin typeface="微软雅黑" panose="020B0503020204020204" pitchFamily="34" charset="-122"/>
+                  <a:ea typeface="微软雅黑" panose="020B0503020204020204" pitchFamily="34" charset="-122"/>
+                </a:endParaRPr>
+              </a:p>
+              <a:p>
+                <a:pPr lvl="2"/>
+                <a14:m>
+                  <m:oMath xmlns:m="http://schemas.openxmlformats.org/officeDocument/2006/math">
+                    <m:sSub>
+                      <m:sSubPr>
+                        <m:ctrlPr>
+                          <a:rPr lang="en-US" altLang="zh-CN" i="1">
+                            <a:latin typeface="Cambria Math" panose="02040503050406030204" pitchFamily="18" charset="0"/>
+                          </a:rPr>
+                        </m:ctrlPr>
+                      </m:sSubPr>
+                      <m:e>
+                        <m:r>
+                          <a:rPr lang="en-US" altLang="zh-CN">
+                            <a:latin typeface="Cambria Math" panose="02040503050406030204" pitchFamily="18" charset="0"/>
+                          </a:rPr>
+                          <m:t>𝑞</m:t>
+                        </m:r>
+                      </m:e>
+                      <m:sub>
+                        <m:r>
+                          <m:rPr>
+                            <m:sty m:val="p"/>
+                          </m:rPr>
+                          <a:rPr lang="en-US" altLang="zh-CN">
+                            <a:latin typeface="Cambria Math" panose="02040503050406030204" pitchFamily="18" charset="0"/>
+                          </a:rPr>
+                          <m:t>i</m:t>
+                        </m:r>
+                      </m:sub>
+                    </m:sSub>
+                    <m:r>
+                      <a:rPr lang="en-US" altLang="zh-CN">
+                        <a:latin typeface="Cambria Math" panose="02040503050406030204" pitchFamily="18" charset="0"/>
+                      </a:rPr>
+                      <m:t> </m:t>
+                    </m:r>
+                    <m:r>
+                      <a:rPr lang="en-US" altLang="zh-CN">
+                        <a:latin typeface="Cambria Math" panose="02040503050406030204" pitchFamily="18" charset="0"/>
+                      </a:rPr>
+                      <m:t>𝑏𝑖𝑡</m:t>
+                    </m:r>
+                    <m:r>
+                      <a:rPr lang="en-US" altLang="zh-CN">
+                        <a:latin typeface="Cambria Math" panose="02040503050406030204" pitchFamily="18" charset="0"/>
+                      </a:rPr>
+                      <m:t>, </m:t>
+                    </m:r>
+                    <m:sSub>
+                      <m:sSubPr>
+                        <m:ctrlPr>
+                          <a:rPr lang="en-US" altLang="zh-CN" i="1">
+                            <a:latin typeface="Cambria Math" panose="02040503050406030204" pitchFamily="18" charset="0"/>
+                          </a:rPr>
+                        </m:ctrlPr>
+                      </m:sSubPr>
+                      <m:e>
+                        <m:r>
+                          <m:rPr>
+                            <m:sty m:val="p"/>
+                          </m:rPr>
+                          <a:rPr lang="en-US" altLang="zh-CN">
+                            <a:latin typeface="Cambria Math" panose="02040503050406030204" pitchFamily="18" charset="0"/>
+                          </a:rPr>
+                          <m:t>i</m:t>
+                        </m:r>
+                        <m:r>
+                          <a:rPr lang="en-US" altLang="zh-CN" i="1">
+                            <a:latin typeface="Cambria Math" panose="02040503050406030204" pitchFamily="18" charset="0"/>
+                          </a:rPr>
+                          <m:t>∈</m:t>
+                        </m:r>
+                        <m:d>
+                          <m:dPr>
+                            <m:begChr m:val="["/>
+                            <m:endChr m:val="]"/>
+                            <m:ctrlPr>
+                              <a:rPr lang="en-US" altLang="zh-CN" i="1">
+                                <a:latin typeface="Cambria Math" panose="02040503050406030204" pitchFamily="18" charset="0"/>
+                              </a:rPr>
+                            </m:ctrlPr>
+                          </m:dPr>
+                          <m:e>
+                            <m:r>
+                              <a:rPr lang="en-US" altLang="zh-CN" i="1">
+                                <a:latin typeface="Cambria Math" panose="02040503050406030204" pitchFamily="18" charset="0"/>
+                              </a:rPr>
+                              <m:t>1,</m:t>
+                            </m:r>
+                            <m:sSub>
+                              <m:sSubPr>
+                                <m:ctrlPr>
+                                  <a:rPr lang="en-US" altLang="zh-CN" i="1">
+                                    <a:latin typeface="Cambria Math" panose="02040503050406030204" pitchFamily="18" charset="0"/>
+                                  </a:rPr>
+                                </m:ctrlPr>
+                              </m:sSubPr>
+                              <m:e>
+                                <m:r>
+                                  <a:rPr lang="en-US" altLang="zh-CN" i="1">
+                                    <a:latin typeface="Cambria Math" panose="02040503050406030204" pitchFamily="18" charset="0"/>
+                                  </a:rPr>
+                                  <m:t>𝑁</m:t>
+                                </m:r>
+                              </m:e>
+                              <m:sub>
+                                <m:r>
+                                  <a:rPr lang="en-US" altLang="zh-CN" i="1">
+                                    <a:latin typeface="Cambria Math" panose="02040503050406030204" pitchFamily="18" charset="0"/>
+                                  </a:rPr>
+                                  <m:t>𝐶</m:t>
+                                </m:r>
+                              </m:sub>
+                            </m:sSub>
+                          </m:e>
+                        </m:d>
+                        <m:r>
+                          <a:rPr lang="en-US" altLang="zh-CN" i="1">
+                            <a:latin typeface="Cambria Math" panose="02040503050406030204" pitchFamily="18" charset="0"/>
+                          </a:rPr>
+                          <m:t>,  </m:t>
+                        </m:r>
+                        <m:r>
+                          <m:rPr>
+                            <m:sty m:val="p"/>
+                          </m:rPr>
+                          <a:rPr lang="en-US" altLang="zh-CN">
+                            <a:latin typeface="Cambria Math" panose="02040503050406030204" pitchFamily="18" charset="0"/>
+                          </a:rPr>
+                          <m:t>q</m:t>
+                        </m:r>
+                      </m:e>
+                      <m:sub>
+                        <m:r>
+                          <m:rPr>
+                            <m:sty m:val="p"/>
+                          </m:rPr>
+                          <a:rPr lang="en-US" altLang="zh-CN">
+                            <a:latin typeface="Cambria Math" panose="02040503050406030204" pitchFamily="18" charset="0"/>
+                          </a:rPr>
+                          <m:t>i</m:t>
+                        </m:r>
+                      </m:sub>
+                    </m:sSub>
+                    <m:r>
+                      <a:rPr lang="en-US" altLang="zh-CN">
+                        <a:latin typeface="Cambria Math" panose="02040503050406030204" pitchFamily="18" charset="0"/>
+                      </a:rPr>
+                      <m:t>∈{8,16, 32}</m:t>
+                    </m:r>
+                    <m:r>
+                      <a:rPr lang="zh-CN" altLang="en-US" i="1">
+                        <a:latin typeface="Cambria Math" panose="02040503050406030204" pitchFamily="18" charset="0"/>
+                      </a:rPr>
+                      <m:t>，</m:t>
+                    </m:r>
+                  </m:oMath>
+                </a14:m>
+                <a:r>
+                  <a:rPr lang="en-US" altLang="zh-CN" dirty="0" smtClean="0">
+                    <a:latin typeface="微软雅黑" panose="020B0503020204020204" pitchFamily="34" charset="-122"/>
+                    <a:ea typeface="微软雅黑" panose="020B0503020204020204" pitchFamily="34" charset="-122"/>
+                  </a:rPr>
+                  <a:t>N is the number of PEs</a:t>
+                </a:r>
+                <a:endParaRPr lang="en-US" altLang="zh-CN" dirty="0">
+                  <a:latin typeface="微软雅黑" panose="020B0503020204020204" pitchFamily="34" charset="-122"/>
+                  <a:ea typeface="微软雅黑" panose="020B0503020204020204" pitchFamily="34" charset="-122"/>
+                </a:endParaRPr>
+              </a:p>
+              <a:p>
+                <a:pPr lvl="1"/>
+                <a:r>
+                  <a:rPr lang="en-US" altLang="zh-CN" dirty="0">
+                    <a:latin typeface="微软雅黑" panose="020B0503020204020204" pitchFamily="34" charset="-122"/>
+                    <a:ea typeface="微软雅黑" panose="020B0503020204020204" pitchFamily="34" charset="-122"/>
+                  </a:rPr>
+                  <a:t>Number of tile per </a:t>
+                </a:r>
+                <a:r>
+                  <a:rPr lang="en-US" altLang="zh-CN" dirty="0" err="1">
+                    <a:latin typeface="微软雅黑" panose="020B0503020204020204" pitchFamily="34" charset="-122"/>
+                    <a:ea typeface="微软雅黑" panose="020B0503020204020204" pitchFamily="34" charset="-122"/>
+                  </a:rPr>
+                  <a:t>chiplet</a:t>
+                </a:r>
+                <a:r>
+                  <a:rPr lang="en-US" altLang="zh-CN" dirty="0">
+                    <a:latin typeface="微软雅黑" panose="020B0503020204020204" pitchFamily="34" charset="-122"/>
+                    <a:ea typeface="微软雅黑" panose="020B0503020204020204" pitchFamily="34" charset="-122"/>
+                  </a:rPr>
+                  <a:t>: </a:t>
+                </a:r>
+                <a14:m>
+                  <m:oMath xmlns:m="http://schemas.openxmlformats.org/officeDocument/2006/math">
+                    <m:sSub>
+                      <m:sSubPr>
+                        <m:ctrlPr>
+                          <a:rPr lang="en-US" altLang="zh-CN" i="1">
+                            <a:latin typeface="Cambria Math" panose="02040503050406030204" pitchFamily="18" charset="0"/>
+                          </a:rPr>
+                        </m:ctrlPr>
+                      </m:sSubPr>
+                      <m:e>
+                        <m:r>
+                          <a:rPr lang="en-US" altLang="zh-CN" i="1">
+                            <a:latin typeface="Cambria Math" panose="02040503050406030204" pitchFamily="18" charset="0"/>
+                          </a:rPr>
+                          <m:t>𝑛</m:t>
+                        </m:r>
+                      </m:e>
+                      <m:sub>
+                        <m:r>
+                          <a:rPr lang="en-US" altLang="zh-CN" i="1">
+                            <a:latin typeface="Cambria Math" panose="02040503050406030204" pitchFamily="18" charset="0"/>
+                          </a:rPr>
+                          <m:t>𝑡</m:t>
+                        </m:r>
+                      </m:sub>
+                    </m:sSub>
+                  </m:oMath>
+                </a14:m>
+                <a:endParaRPr lang="en-US" altLang="zh-CN" dirty="0">
+                  <a:latin typeface="微软雅黑" panose="020B0503020204020204" pitchFamily="34" charset="-122"/>
+                  <a:ea typeface="微软雅黑" panose="020B0503020204020204" pitchFamily="34" charset="-122"/>
+                </a:endParaRPr>
+              </a:p>
+              <a:p>
+                <a:pPr lvl="1"/>
+                <a:r>
+                  <a:rPr lang="en-US" altLang="zh-CN" dirty="0" smtClean="0">
+                    <a:latin typeface="微软雅黑" panose="020B0503020204020204" pitchFamily="34" charset="-122"/>
+                    <a:ea typeface="微软雅黑" panose="020B0503020204020204" pitchFamily="34" charset="-122"/>
+                  </a:rPr>
+                  <a:t>CIM(Computing in Memory) type: </a:t>
+                </a:r>
+                <a14:m>
+                  <m:oMath xmlns:m="http://schemas.openxmlformats.org/officeDocument/2006/math">
+                    <m:sSub>
+                      <m:sSubPr>
+                        <m:ctrlPr>
+                          <a:rPr lang="en-US" altLang="zh-CN" b="0" i="1" smtClean="0">
+                            <a:latin typeface="Cambria Math" panose="02040503050406030204" pitchFamily="18" charset="0"/>
+                          </a:rPr>
+                        </m:ctrlPr>
+                      </m:sSubPr>
+                      <m:e>
+                        <m:r>
+                          <a:rPr lang="en-US" altLang="zh-CN" b="0" i="1" smtClean="0">
+                            <a:latin typeface="Cambria Math" panose="02040503050406030204" pitchFamily="18" charset="0"/>
+                          </a:rPr>
+                          <m:t>𝑡</m:t>
+                        </m:r>
+                      </m:e>
+                      <m:sub>
+                        <m:r>
+                          <a:rPr lang="en-US" altLang="zh-CN" b="0" i="1" smtClean="0">
+                            <a:latin typeface="Cambria Math" panose="02040503050406030204" pitchFamily="18" charset="0"/>
+                          </a:rPr>
+                          <m:t>𝑐</m:t>
+                        </m:r>
+                      </m:sub>
+                    </m:sSub>
+                    <m:r>
+                      <a:rPr lang="en-US" altLang="zh-CN" b="0" i="1" smtClean="0">
+                        <a:latin typeface="Cambria Math" panose="02040503050406030204" pitchFamily="18" charset="0"/>
+                      </a:rPr>
+                      <m:t>∈{</m:t>
+                    </m:r>
+                    <m:r>
+                      <a:rPr lang="en-US" altLang="zh-CN" b="0" i="1" smtClean="0">
+                        <a:latin typeface="Cambria Math" panose="02040503050406030204" pitchFamily="18" charset="0"/>
+                      </a:rPr>
+                      <m:t>𝑆𝑅𝐴𝑀</m:t>
+                    </m:r>
+                    <m:r>
+                      <a:rPr lang="en-US" altLang="zh-CN" b="0" i="1" smtClean="0">
+                        <a:latin typeface="Cambria Math" panose="02040503050406030204" pitchFamily="18" charset="0"/>
+                      </a:rPr>
+                      <m:t>, </m:t>
+                    </m:r>
+                    <m:r>
+                      <a:rPr lang="en-US" altLang="zh-CN" b="0" i="1" smtClean="0">
+                        <a:latin typeface="Cambria Math" panose="02040503050406030204" pitchFamily="18" charset="0"/>
+                      </a:rPr>
+                      <m:t>𝑅𝑒𝑅𝐴𝑀</m:t>
+                    </m:r>
+                    <m:r>
+                      <a:rPr lang="en-US" altLang="zh-CN" b="0" i="1" smtClean="0">
+                        <a:latin typeface="Cambria Math" panose="02040503050406030204" pitchFamily="18" charset="0"/>
+                      </a:rPr>
+                      <m:t>}</m:t>
+                    </m:r>
+                    <m:r>
+                      <a:rPr lang="en-US" altLang="zh-CN" b="0" i="0" smtClean="0">
+                        <a:latin typeface="Cambria Math" panose="02040503050406030204" pitchFamily="18" charset="0"/>
+                      </a:rPr>
+                      <m:t> </m:t>
+                    </m:r>
+                    <m:r>
+                      <m:rPr>
+                        <m:sty m:val="p"/>
+                      </m:rPr>
+                      <a:rPr lang="en-US" altLang="zh-CN" i="1">
+                        <a:latin typeface="Cambria Math" panose="02040503050406030204" pitchFamily="18" charset="0"/>
+                      </a:rPr>
+                      <m:t>is</m:t>
+                    </m:r>
+                  </m:oMath>
+                </a14:m>
+                <a:r>
+                  <a:rPr lang="en-US" altLang="zh-CN" dirty="0" smtClean="0">
+                    <a:latin typeface="微软雅黑" panose="020B0503020204020204" pitchFamily="34" charset="-122"/>
+                    <a:ea typeface="微软雅黑" panose="020B0503020204020204" pitchFamily="34" charset="-122"/>
+                  </a:rPr>
+                  <a:t> CIM type</a:t>
+                </a:r>
+              </a:p>
+              <a:p>
+                <a:pPr lvl="1"/>
+                <a:r>
+                  <a:rPr lang="en-US" altLang="zh-CN" dirty="0" smtClean="0">
+                    <a:latin typeface="微软雅黑" panose="020B0503020204020204" pitchFamily="34" charset="-122"/>
+                    <a:ea typeface="微软雅黑" panose="020B0503020204020204" pitchFamily="34" charset="-122"/>
+                  </a:rPr>
+                  <a:t>Buffer </a:t>
+                </a:r>
+                <a:r>
+                  <a:rPr lang="en-US" altLang="zh-CN" dirty="0">
+                    <a:latin typeface="微软雅黑" panose="020B0503020204020204" pitchFamily="34" charset="-122"/>
+                    <a:ea typeface="微软雅黑" panose="020B0503020204020204" pitchFamily="34" charset="-122"/>
+                  </a:rPr>
+                  <a:t>size of per </a:t>
+                </a:r>
+                <a:r>
+                  <a:rPr lang="en-US" altLang="zh-CN" dirty="0" err="1">
+                    <a:latin typeface="微软雅黑" panose="020B0503020204020204" pitchFamily="34" charset="-122"/>
+                    <a:ea typeface="微软雅黑" panose="020B0503020204020204" pitchFamily="34" charset="-122"/>
+                  </a:rPr>
+                  <a:t>chiplet</a:t>
+                </a:r>
+                <a:r>
+                  <a:rPr lang="en-US" altLang="zh-CN" dirty="0">
+                    <a:latin typeface="微软雅黑" panose="020B0503020204020204" pitchFamily="34" charset="-122"/>
+                    <a:ea typeface="微软雅黑" panose="020B0503020204020204" pitchFamily="34" charset="-122"/>
+                  </a:rPr>
+                  <a:t>: b</a:t>
+                </a:r>
+              </a:p>
+              <a:p>
+                <a:pPr lvl="1"/>
+                <a:r>
+                  <a:rPr lang="en-US" altLang="zh-CN" dirty="0">
+                    <a:latin typeface="微软雅黑" panose="020B0503020204020204" pitchFamily="34" charset="-122"/>
+                    <a:ea typeface="微软雅黑" panose="020B0503020204020204" pitchFamily="34" charset="-122"/>
+                  </a:rPr>
+                  <a:t>Hardware topology: </a:t>
+                </a:r>
+                <a14:m>
+                  <m:oMath xmlns:m="http://schemas.openxmlformats.org/officeDocument/2006/math">
+                    <m:sSub>
+                      <m:sSubPr>
+                        <m:ctrlPr>
+                          <a:rPr lang="en-US" altLang="zh-CN" i="1">
+                            <a:latin typeface="Cambria Math" panose="02040503050406030204" pitchFamily="18" charset="0"/>
+                          </a:rPr>
+                        </m:ctrlPr>
+                      </m:sSubPr>
+                      <m:e>
+                        <m:r>
+                          <a:rPr lang="en-US" altLang="zh-CN" i="1">
+                            <a:latin typeface="Cambria Math" panose="02040503050406030204" pitchFamily="18" charset="0"/>
+                          </a:rPr>
+                          <m:t>𝐺</m:t>
+                        </m:r>
+                      </m:e>
+                      <m:sub>
+                        <m:r>
+                          <a:rPr lang="en-US" altLang="zh-CN" i="1">
+                            <a:latin typeface="Cambria Math" panose="02040503050406030204" pitchFamily="18" charset="0"/>
+                          </a:rPr>
+                          <m:t>𝐻</m:t>
+                        </m:r>
+                      </m:sub>
+                    </m:sSub>
+                    <m:r>
+                      <a:rPr lang="en-US" altLang="zh-CN" i="1">
+                        <a:latin typeface="Cambria Math" panose="02040503050406030204" pitchFamily="18" charset="0"/>
+                      </a:rPr>
+                      <m:t>(</m:t>
+                    </m:r>
+                    <m:sSub>
+                      <m:sSubPr>
+                        <m:ctrlPr>
+                          <a:rPr lang="en-US" altLang="zh-CN" i="1">
+                            <a:latin typeface="Cambria Math" panose="02040503050406030204" pitchFamily="18" charset="0"/>
+                          </a:rPr>
+                        </m:ctrlPr>
+                      </m:sSubPr>
+                      <m:e>
+                        <m:r>
+                          <a:rPr lang="en-US" altLang="zh-CN" i="1">
+                            <a:latin typeface="Cambria Math" panose="02040503050406030204" pitchFamily="18" charset="0"/>
+                          </a:rPr>
+                          <m:t>𝑉</m:t>
+                        </m:r>
+                      </m:e>
+                      <m:sub>
+                        <m:r>
+                          <a:rPr lang="en-US" altLang="zh-CN" i="1">
+                            <a:latin typeface="Cambria Math" panose="02040503050406030204" pitchFamily="18" charset="0"/>
+                          </a:rPr>
+                          <m:t>𝐻</m:t>
+                        </m:r>
+                      </m:sub>
+                    </m:sSub>
+                    <m:r>
+                      <a:rPr lang="en-US" altLang="zh-CN" i="1">
+                        <a:latin typeface="Cambria Math" panose="02040503050406030204" pitchFamily="18" charset="0"/>
+                      </a:rPr>
+                      <m:t>,</m:t>
+                    </m:r>
+                    <m:sSub>
+                      <m:sSubPr>
+                        <m:ctrlPr>
+                          <a:rPr lang="en-US" altLang="zh-CN" i="1">
+                            <a:latin typeface="Cambria Math" panose="02040503050406030204" pitchFamily="18" charset="0"/>
+                          </a:rPr>
+                        </m:ctrlPr>
+                      </m:sSubPr>
+                      <m:e>
+                        <m:r>
+                          <a:rPr lang="en-US" altLang="zh-CN" i="1">
+                            <a:latin typeface="Cambria Math" panose="02040503050406030204" pitchFamily="18" charset="0"/>
+                          </a:rPr>
+                          <m:t>𝐸</m:t>
+                        </m:r>
+                      </m:e>
+                      <m:sub>
+                        <m:r>
+                          <a:rPr lang="en-US" altLang="zh-CN" i="1">
+                            <a:latin typeface="Cambria Math" panose="02040503050406030204" pitchFamily="18" charset="0"/>
+                          </a:rPr>
+                          <m:t>𝐻</m:t>
+                        </m:r>
+                      </m:sub>
+                    </m:sSub>
+                    <m:r>
+                      <a:rPr lang="en-US" altLang="zh-CN" i="1">
+                        <a:latin typeface="Cambria Math" panose="02040503050406030204" pitchFamily="18" charset="0"/>
+                      </a:rPr>
+                      <m:t>)</m:t>
+                    </m:r>
+                  </m:oMath>
+                </a14:m>
+                <a:r>
+                  <a:rPr lang="en-US" altLang="zh-CN" dirty="0">
+                    <a:latin typeface="微软雅黑" panose="020B0503020204020204" pitchFamily="34" charset="-122"/>
+                    <a:ea typeface="微软雅黑" panose="020B0503020204020204" pitchFamily="34" charset="-122"/>
+                  </a:rPr>
+                  <a:t>, </a:t>
+                </a:r>
+                <a14:m>
+                  <m:oMath xmlns:m="http://schemas.openxmlformats.org/officeDocument/2006/math">
+                    <m:sSub>
+                      <m:sSubPr>
+                        <m:ctrlPr>
+                          <a:rPr lang="en-US" altLang="zh-CN" i="1">
+                            <a:latin typeface="Cambria Math" panose="02040503050406030204" pitchFamily="18" charset="0"/>
+                          </a:rPr>
+                        </m:ctrlPr>
+                      </m:sSubPr>
+                      <m:e>
+                        <m:r>
+                          <a:rPr lang="en-US" altLang="zh-CN" i="1">
+                            <a:latin typeface="Cambria Math" panose="02040503050406030204" pitchFamily="18" charset="0"/>
+                          </a:rPr>
+                          <m:t>𝑉</m:t>
+                        </m:r>
+                      </m:e>
+                      <m:sub>
+                        <m:r>
+                          <a:rPr lang="en-US" altLang="zh-CN" i="1">
+                            <a:latin typeface="Cambria Math" panose="02040503050406030204" pitchFamily="18" charset="0"/>
+                          </a:rPr>
+                          <m:t>𝐻</m:t>
+                        </m:r>
+                      </m:sub>
+                    </m:sSub>
+                  </m:oMath>
+                </a14:m>
+                <a:r>
+                  <a:rPr lang="en-US" altLang="zh-CN" dirty="0" smtClean="0">
+                    <a:latin typeface="微软雅黑" panose="020B0503020204020204" pitchFamily="34" charset="-122"/>
+                    <a:ea typeface="微软雅黑" panose="020B0503020204020204" pitchFamily="34" charset="-122"/>
+                  </a:rPr>
+                  <a:t> is vertex set, </a:t>
+                </a:r>
+                <a14:m>
+                  <m:oMath xmlns:m="http://schemas.openxmlformats.org/officeDocument/2006/math">
+                    <m:sSub>
+                      <m:sSubPr>
+                        <m:ctrlPr>
+                          <a:rPr lang="en-US" altLang="zh-CN" i="1">
+                            <a:latin typeface="Cambria Math" panose="02040503050406030204" pitchFamily="18" charset="0"/>
+                          </a:rPr>
+                        </m:ctrlPr>
+                      </m:sSubPr>
+                      <m:e>
+                        <m:r>
+                          <m:rPr>
+                            <m:sty m:val="p"/>
+                          </m:rPr>
+                          <a:rPr lang="en-US" altLang="zh-CN" i="1">
+                            <a:latin typeface="Cambria Math" panose="02040503050406030204" pitchFamily="18" charset="0"/>
+                          </a:rPr>
+                          <m:t>E</m:t>
+                        </m:r>
+                      </m:e>
+                      <m:sub>
+                        <m:r>
+                          <a:rPr lang="en-US" altLang="zh-CN" i="1">
+                            <a:latin typeface="Cambria Math" panose="02040503050406030204" pitchFamily="18" charset="0"/>
+                          </a:rPr>
+                          <m:t>𝐻</m:t>
+                        </m:r>
+                      </m:sub>
+                    </m:sSub>
+                  </m:oMath>
+                </a14:m>
+                <a:r>
+                  <a:rPr lang="en-US" altLang="zh-CN" dirty="0" smtClean="0">
+                    <a:latin typeface="微软雅黑" panose="020B0503020204020204" pitchFamily="34" charset="-122"/>
+                    <a:ea typeface="微软雅黑" panose="020B0503020204020204" pitchFamily="34" charset="-122"/>
+                  </a:rPr>
+                  <a:t> is edge set (physical link)</a:t>
+                </a:r>
+                <a:endParaRPr lang="en-US" altLang="zh-CN" dirty="0">
+                  <a:latin typeface="微软雅黑" panose="020B0503020204020204" pitchFamily="34" charset="-122"/>
+                  <a:ea typeface="微软雅黑" panose="020B0503020204020204" pitchFamily="34" charset="-122"/>
+                </a:endParaRPr>
+              </a:p>
+              <a:p>
+                <a:pPr lvl="1"/>
+                <a:endParaRPr lang="en-US" altLang="zh-CN" dirty="0" smtClean="0">
+                  <a:latin typeface="微软雅黑" panose="020B0503020204020204" pitchFamily="34" charset="-122"/>
+                  <a:ea typeface="微软雅黑" panose="020B0503020204020204" pitchFamily="34" charset="-122"/>
+                </a:endParaRPr>
+              </a:p>
+            </p:txBody>
+          </p:sp>
+        </mc:Choice>
+        <mc:Fallback xmlns="">
+          <p:sp>
+            <p:nvSpPr>
+              <p:cNvPr id="7" name="内容占位符 2"/>
+              <p:cNvSpPr>
+                <a:spLocks noGrp="1" noRot="1" noChangeAspect="1" noMove="1" noResize="1" noEditPoints="1" noAdjustHandles="1" noChangeArrowheads="1" noChangeShapeType="1" noTextEdit="1"/>
+              </p:cNvSpPr>
+              <p:nvPr>
+                <p:ph idx="1"/>
+              </p:nvPr>
+            </p:nvSpPr>
+            <p:spPr>
+              <a:xfrm>
+                <a:off x="577850" y="1260974"/>
+                <a:ext cx="10515600" cy="4698005"/>
+              </a:xfrm>
+              <a:blipFill rotWithShape="0">
+                <a:blip r:embed="rId3"/>
+                <a:stretch>
+                  <a:fillRect l="-1043" t="-2335"/>
+                </a:stretch>
+              </a:blipFill>
+            </p:spPr>
+            <p:txBody>
+              <a:bodyPr/>
+              <a:lstStyle/>
+              <a:p>
+                <a:r>
+                  <a:rPr lang="zh-CN" altLang="en-US">
+                    <a:noFill/>
+                  </a:rPr>
+                  <a:t> </a:t>
+                </a:r>
+              </a:p>
+            </p:txBody>
+          </p:sp>
+        </mc:Fallback>
+      </mc:AlternateContent>
+      <p:sp>
+        <p:nvSpPr>
+          <p:cNvPr id="2" name="标题 1"/>
+          <p:cNvSpPr>
+            <a:spLocks noGrp="1"/>
+          </p:cNvSpPr>
+          <p:nvPr>
+            <p:ph type="title"/>
+          </p:nvPr>
+        </p:nvSpPr>
+        <p:spPr/>
+        <p:txBody>
+          <a:bodyPr/>
+          <a:lstStyle/>
+          <a:p>
+            <a:r>
+              <a:rPr lang="en-US" altLang="zh-CN" b="1" dirty="0" smtClean="0"/>
+              <a:t>Hardware Design Space</a:t>
+            </a:r>
+            <a:endParaRPr lang="zh-CN" altLang="en-US" b="1" dirty="0"/>
+          </a:p>
+        </p:txBody>
+      </p:sp>
+      <p:sp>
+        <p:nvSpPr>
+          <p:cNvPr id="11" name="灯片编号占位符 10"/>
+          <p:cNvSpPr>
+            <a:spLocks noGrp="1"/>
+          </p:cNvSpPr>
+          <p:nvPr>
+            <p:ph type="sldNum" sz="quarter" idx="12"/>
+          </p:nvPr>
+        </p:nvSpPr>
+        <p:spPr/>
+        <p:txBody>
+          <a:bodyPr/>
+          <a:lstStyle/>
+          <a:p>
+            <a:fld id="{C102C7BA-A18E-41F7-855F-B9281AA705A6}" type="slidenum">
+              <a:rPr lang="zh-CN" altLang="en-US" smtClean="0"/>
+              <a:t>9</a:t>
+            </a:fld>
+            <a:endParaRPr lang="zh-CN" altLang="en-US" dirty="0"/>
+          </a:p>
+        </p:txBody>
+      </p:sp>
+      <p:pic>
+        <p:nvPicPr>
+          <p:cNvPr id="12" name="图片 11" descr="31393938393834313b31393939353234333bcbaed6e9d0ce"/>
+          <p:cNvPicPr>
+            <a:picLocks noChangeAspect="1"/>
+          </p:cNvPicPr>
+          <p:nvPr/>
+        </p:nvPicPr>
+        <p:blipFill>
+          <a:blip r:embed="rId4">
+            <a:extLst>
+              <a:ext uri="{96DAC541-7B7A-43D3-8B79-37D633B846F1}">
+                <asvg:svgBlip xmlns:asvg="http://schemas.microsoft.com/office/drawing/2016/SVG/main" xmlns="" r:embed="rId5"/>
+              </a:ext>
+            </a:extLst>
+          </a:blip>
+          <a:stretch>
+            <a:fillRect/>
+          </a:stretch>
+        </p:blipFill>
+        <p:spPr>
+          <a:xfrm flipH="1">
+            <a:off x="676275" y="1279830"/>
+            <a:ext cx="243205" cy="243205"/>
+          </a:xfrm>
+          <a:prstGeom prst="rect">
+            <a:avLst/>
+          </a:prstGeom>
+        </p:spPr>
+      </p:pic>
+      <p:pic>
+        <p:nvPicPr>
+          <p:cNvPr id="9" name="图片 8" descr="31393938393834313b31393939353234333bcbaed6e9d0ce"/>
+          <p:cNvPicPr>
+            <a:picLocks noChangeAspect="1"/>
+          </p:cNvPicPr>
+          <p:nvPr/>
+        </p:nvPicPr>
+        <p:blipFill>
+          <a:blip r:embed="rId4">
+            <a:extLst>
+              <a:ext uri="{96DAC541-7B7A-43D3-8B79-37D633B846F1}">
+                <asvg:svgBlip xmlns:asvg="http://schemas.microsoft.com/office/drawing/2016/SVG/main" xmlns="" r:embed="rId5"/>
+              </a:ext>
+            </a:extLst>
+          </a:blip>
+          <a:stretch>
+            <a:fillRect/>
+          </a:stretch>
+        </p:blipFill>
+        <p:spPr>
+          <a:xfrm flipH="1">
+            <a:off x="633229" y="1855276"/>
+            <a:ext cx="243205" cy="243205"/>
+          </a:xfrm>
+          <a:prstGeom prst="rect">
+            <a:avLst/>
+          </a:prstGeom>
+        </p:spPr>
+      </p:pic>
+    </p:spTree>
+    <p:extLst>
+      <p:ext uri="{BB962C8B-B14F-4D97-AF65-F5344CB8AC3E}">
+        <p14:creationId xmlns:p14="http://schemas.microsoft.com/office/powerpoint/2010/main" val="926928832"/>
       </p:ext>
     </p:extLst>
   </p:cSld>
